--- a/pic.pptx
+++ b/pic.pptx
@@ -6,6 +6,8 @@
   </p:sldMasterIdLst>
   <p:sldIdLst>
     <p:sldId id="256" r:id="rId2"/>
+    <p:sldId id="257" r:id="rId3"/>
+    <p:sldId id="258" r:id="rId4"/>
   </p:sldIdLst>
   <p:sldSz cx="12192000" cy="6858000"/>
   <p:notesSz cx="6858000" cy="9144000"/>
@@ -104,6 +106,11 @@
       </a:defRPr>
     </a:lvl9pPr>
   </p:defaultTextStyle>
+  <p:extLst>
+    <p:ext uri="{EFAFB233-063F-42B5-8137-9DF3F51BA10A}">
+      <p15:sldGuideLst xmlns:p15="http://schemas.microsoft.com/office/powerpoint/2012/main"/>
+    </p:ext>
+  </p:extLst>
 </p:presentation>
 </file>
 
@@ -254,7 +261,7 @@
           <a:p>
             <a:fld id="{D46C8B5B-2B2E-4BF5-9128-B8D40BB24518}" type="datetimeFigureOut">
               <a:rPr lang="zh-CN" altLang="en-US" smtClean="0"/>
-              <a:t>2019/8/3</a:t>
+              <a:t>2019/8/5</a:t>
             </a:fld>
             <a:endParaRPr lang="zh-CN" altLang="en-US"/>
           </a:p>
@@ -452,7 +459,7 @@
           <a:p>
             <a:fld id="{D46C8B5B-2B2E-4BF5-9128-B8D40BB24518}" type="datetimeFigureOut">
               <a:rPr lang="zh-CN" altLang="en-US" smtClean="0"/>
-              <a:t>2019/8/3</a:t>
+              <a:t>2019/8/5</a:t>
             </a:fld>
             <a:endParaRPr lang="zh-CN" altLang="en-US"/>
           </a:p>
@@ -660,7 +667,7 @@
           <a:p>
             <a:fld id="{D46C8B5B-2B2E-4BF5-9128-B8D40BB24518}" type="datetimeFigureOut">
               <a:rPr lang="zh-CN" altLang="en-US" smtClean="0"/>
-              <a:t>2019/8/3</a:t>
+              <a:t>2019/8/5</a:t>
             </a:fld>
             <a:endParaRPr lang="zh-CN" altLang="en-US"/>
           </a:p>
@@ -858,7 +865,7 @@
           <a:p>
             <a:fld id="{D46C8B5B-2B2E-4BF5-9128-B8D40BB24518}" type="datetimeFigureOut">
               <a:rPr lang="zh-CN" altLang="en-US" smtClean="0"/>
-              <a:t>2019/8/3</a:t>
+              <a:t>2019/8/5</a:t>
             </a:fld>
             <a:endParaRPr lang="zh-CN" altLang="en-US"/>
           </a:p>
@@ -1133,7 +1140,7 @@
           <a:p>
             <a:fld id="{D46C8B5B-2B2E-4BF5-9128-B8D40BB24518}" type="datetimeFigureOut">
               <a:rPr lang="zh-CN" altLang="en-US" smtClean="0"/>
-              <a:t>2019/8/3</a:t>
+              <a:t>2019/8/5</a:t>
             </a:fld>
             <a:endParaRPr lang="zh-CN" altLang="en-US"/>
           </a:p>
@@ -1398,7 +1405,7 @@
           <a:p>
             <a:fld id="{D46C8B5B-2B2E-4BF5-9128-B8D40BB24518}" type="datetimeFigureOut">
               <a:rPr lang="zh-CN" altLang="en-US" smtClean="0"/>
-              <a:t>2019/8/3</a:t>
+              <a:t>2019/8/5</a:t>
             </a:fld>
             <a:endParaRPr lang="zh-CN" altLang="en-US"/>
           </a:p>
@@ -1810,7 +1817,7 @@
           <a:p>
             <a:fld id="{D46C8B5B-2B2E-4BF5-9128-B8D40BB24518}" type="datetimeFigureOut">
               <a:rPr lang="zh-CN" altLang="en-US" smtClean="0"/>
-              <a:t>2019/8/3</a:t>
+              <a:t>2019/8/5</a:t>
             </a:fld>
             <a:endParaRPr lang="zh-CN" altLang="en-US"/>
           </a:p>
@@ -1951,7 +1958,7 @@
           <a:p>
             <a:fld id="{D46C8B5B-2B2E-4BF5-9128-B8D40BB24518}" type="datetimeFigureOut">
               <a:rPr lang="zh-CN" altLang="en-US" smtClean="0"/>
-              <a:t>2019/8/3</a:t>
+              <a:t>2019/8/5</a:t>
             </a:fld>
             <a:endParaRPr lang="zh-CN" altLang="en-US"/>
           </a:p>
@@ -2064,7 +2071,7 @@
           <a:p>
             <a:fld id="{D46C8B5B-2B2E-4BF5-9128-B8D40BB24518}" type="datetimeFigureOut">
               <a:rPr lang="zh-CN" altLang="en-US" smtClean="0"/>
-              <a:t>2019/8/3</a:t>
+              <a:t>2019/8/5</a:t>
             </a:fld>
             <a:endParaRPr lang="zh-CN" altLang="en-US"/>
           </a:p>
@@ -2375,7 +2382,7 @@
           <a:p>
             <a:fld id="{D46C8B5B-2B2E-4BF5-9128-B8D40BB24518}" type="datetimeFigureOut">
               <a:rPr lang="zh-CN" altLang="en-US" smtClean="0"/>
-              <a:t>2019/8/3</a:t>
+              <a:t>2019/8/5</a:t>
             </a:fld>
             <a:endParaRPr lang="zh-CN" altLang="en-US"/>
           </a:p>
@@ -2663,7 +2670,7 @@
           <a:p>
             <a:fld id="{D46C8B5B-2B2E-4BF5-9128-B8D40BB24518}" type="datetimeFigureOut">
               <a:rPr lang="zh-CN" altLang="en-US" smtClean="0"/>
-              <a:t>2019/8/3</a:t>
+              <a:t>2019/8/5</a:t>
             </a:fld>
             <a:endParaRPr lang="zh-CN" altLang="en-US"/>
           </a:p>
@@ -2904,7 +2911,7 @@
           <a:p>
             <a:fld id="{D46C8B5B-2B2E-4BF5-9128-B8D40BB24518}" type="datetimeFigureOut">
               <a:rPr lang="zh-CN" altLang="en-US" smtClean="0"/>
-              <a:t>2019/8/3</a:t>
+              <a:t>2019/8/5</a:t>
             </a:fld>
             <a:endParaRPr lang="zh-CN" altLang="en-US"/>
           </a:p>
@@ -3341,8 +3348,8 @@
             <a:chExt cx="5557520" cy="2926081"/>
           </a:xfrm>
         </p:grpSpPr>
-        <mc:AlternateContent xmlns:mc="http://schemas.openxmlformats.org/markup-compatibility/2006">
-          <mc:Choice xmlns:a14="http://schemas.microsoft.com/office/drawing/2010/main" Requires="a14">
+        <mc:AlternateContent xmlns:mc="http://schemas.openxmlformats.org/markup-compatibility/2006" xmlns:a14="http://schemas.microsoft.com/office/drawing/2010/main">
+          <mc:Choice Requires="a14">
             <p:sp>
               <p:nvSpPr>
                 <p:cNvPr id="4" name="椭圆 3">
@@ -3418,7 +3425,7 @@
               </p:txBody>
             </p:sp>
           </mc:Choice>
-          <mc:Fallback>
+          <mc:Fallback xmlns="">
             <p:sp>
               <p:nvSpPr>
                 <p:cNvPr id="4" name="椭圆 3">
@@ -3468,8 +3475,8 @@
             </p:sp>
           </mc:Fallback>
         </mc:AlternateContent>
-        <mc:AlternateContent xmlns:mc="http://schemas.openxmlformats.org/markup-compatibility/2006">
-          <mc:Choice xmlns:a14="http://schemas.microsoft.com/office/drawing/2010/main" Requires="a14">
+        <mc:AlternateContent xmlns:mc="http://schemas.openxmlformats.org/markup-compatibility/2006" xmlns:a14="http://schemas.microsoft.com/office/drawing/2010/main">
+          <mc:Choice Requires="a14">
             <p:sp>
               <p:nvSpPr>
                 <p:cNvPr id="5" name="椭圆 4">
@@ -3548,7 +3555,7 @@
               </p:txBody>
             </p:sp>
           </mc:Choice>
-          <mc:Fallback>
+          <mc:Fallback xmlns="">
             <p:sp>
               <p:nvSpPr>
                 <p:cNvPr id="5" name="椭圆 4">
@@ -3598,8 +3605,8 @@
             </p:sp>
           </mc:Fallback>
         </mc:AlternateContent>
-        <mc:AlternateContent xmlns:mc="http://schemas.openxmlformats.org/markup-compatibility/2006">
-          <mc:Choice xmlns:a14="http://schemas.microsoft.com/office/drawing/2010/main" Requires="a14">
+        <mc:AlternateContent xmlns:mc="http://schemas.openxmlformats.org/markup-compatibility/2006" xmlns:a14="http://schemas.microsoft.com/office/drawing/2010/main">
+          <mc:Choice Requires="a14">
             <p:sp>
               <p:nvSpPr>
                 <p:cNvPr id="6" name="椭圆 5">
@@ -3678,7 +3685,7 @@
               </p:txBody>
             </p:sp>
           </mc:Choice>
-          <mc:Fallback>
+          <mc:Fallback xmlns="">
             <p:sp>
               <p:nvSpPr>
                 <p:cNvPr id="6" name="椭圆 5">
@@ -3728,8 +3735,8 @@
             </p:sp>
           </mc:Fallback>
         </mc:AlternateContent>
-        <mc:AlternateContent xmlns:mc="http://schemas.openxmlformats.org/markup-compatibility/2006">
-          <mc:Choice xmlns:a14="http://schemas.microsoft.com/office/drawing/2010/main" Requires="a14">
+        <mc:AlternateContent xmlns:mc="http://schemas.openxmlformats.org/markup-compatibility/2006" xmlns:a14="http://schemas.microsoft.com/office/drawing/2010/main">
+          <mc:Choice Requires="a14">
             <p:sp>
               <p:nvSpPr>
                 <p:cNvPr id="8" name="矩形: 圆角 7">
@@ -3887,7 +3894,7 @@
               </p:txBody>
             </p:sp>
           </mc:Choice>
-          <mc:Fallback>
+          <mc:Fallback xmlns="">
             <p:sp>
               <p:nvSpPr>
                 <p:cNvPr id="8" name="矩形: 圆角 7">
@@ -4063,8 +4070,8 @@
             </a:fontRef>
           </p:style>
         </p:cxnSp>
-        <mc:AlternateContent xmlns:mc="http://schemas.openxmlformats.org/markup-compatibility/2006">
-          <mc:Choice xmlns:a14="http://schemas.microsoft.com/office/drawing/2010/main" Requires="a14">
+        <mc:AlternateContent xmlns:mc="http://schemas.openxmlformats.org/markup-compatibility/2006" xmlns:a14="http://schemas.microsoft.com/office/drawing/2010/main">
+          <mc:Choice Requires="a14">
             <p:sp>
               <p:nvSpPr>
                 <p:cNvPr id="16" name="椭圆 15">
@@ -4173,7 +4180,7 @@
               </p:txBody>
             </p:sp>
           </mc:Choice>
-          <mc:Fallback>
+          <mc:Fallback xmlns="">
             <p:sp>
               <p:nvSpPr>
                 <p:cNvPr id="16" name="椭圆 15">
@@ -4265,8 +4272,8 @@
             </a:fontRef>
           </p:style>
         </p:cxnSp>
-        <mc:AlternateContent xmlns:mc="http://schemas.openxmlformats.org/markup-compatibility/2006">
-          <mc:Choice xmlns:a14="http://schemas.microsoft.com/office/drawing/2010/main" Requires="a14">
+        <mc:AlternateContent xmlns:mc="http://schemas.openxmlformats.org/markup-compatibility/2006" xmlns:a14="http://schemas.microsoft.com/office/drawing/2010/main">
+          <mc:Choice Requires="a14">
             <p:sp>
               <p:nvSpPr>
                 <p:cNvPr id="19" name="矩形 18">
@@ -4359,7 +4366,7 @@
               </p:txBody>
             </p:sp>
           </mc:Choice>
-          <mc:Fallback>
+          <mc:Fallback xmlns="">
             <p:sp>
               <p:nvSpPr>
                 <p:cNvPr id="19" name="矩形 18">
@@ -4493,8 +4500,8 @@
               <a:chExt cx="5557520" cy="2926081"/>
             </a:xfrm>
           </p:grpSpPr>
-          <mc:AlternateContent xmlns:mc="http://schemas.openxmlformats.org/markup-compatibility/2006">
-            <mc:Choice xmlns:a14="http://schemas.microsoft.com/office/drawing/2010/main" Requires="a14">
+          <mc:AlternateContent xmlns:mc="http://schemas.openxmlformats.org/markup-compatibility/2006" xmlns:a14="http://schemas.microsoft.com/office/drawing/2010/main">
+            <mc:Choice Requires="a14">
               <p:sp>
                 <p:nvSpPr>
                   <p:cNvPr id="26" name="椭圆 25">
@@ -4572,7 +4579,7 @@
                 </p:txBody>
               </p:sp>
             </mc:Choice>
-            <mc:Fallback>
+            <mc:Fallback xmlns="">
               <p:sp>
                 <p:nvSpPr>
                   <p:cNvPr id="26" name="椭圆 25">
@@ -4622,8 +4629,8 @@
               </p:sp>
             </mc:Fallback>
           </mc:AlternateContent>
-          <mc:AlternateContent xmlns:mc="http://schemas.openxmlformats.org/markup-compatibility/2006">
-            <mc:Choice xmlns:a14="http://schemas.microsoft.com/office/drawing/2010/main" Requires="a14">
+          <mc:AlternateContent xmlns:mc="http://schemas.openxmlformats.org/markup-compatibility/2006" xmlns:a14="http://schemas.microsoft.com/office/drawing/2010/main">
+            <mc:Choice Requires="a14">
               <p:sp>
                 <p:nvSpPr>
                   <p:cNvPr id="27" name="椭圆 26">
@@ -4704,7 +4711,7 @@
                 </p:txBody>
               </p:sp>
             </mc:Choice>
-            <mc:Fallback>
+            <mc:Fallback xmlns="">
               <p:sp>
                 <p:nvSpPr>
                   <p:cNvPr id="27" name="椭圆 26">
@@ -4754,8 +4761,8 @@
               </p:sp>
             </mc:Fallback>
           </mc:AlternateContent>
-          <mc:AlternateContent xmlns:mc="http://schemas.openxmlformats.org/markup-compatibility/2006">
-            <mc:Choice xmlns:a14="http://schemas.microsoft.com/office/drawing/2010/main" Requires="a14">
+          <mc:AlternateContent xmlns:mc="http://schemas.openxmlformats.org/markup-compatibility/2006" xmlns:a14="http://schemas.microsoft.com/office/drawing/2010/main">
+            <mc:Choice Requires="a14">
               <p:sp>
                 <p:nvSpPr>
                   <p:cNvPr id="28" name="椭圆 27">
@@ -4836,7 +4843,7 @@
                 </p:txBody>
               </p:sp>
             </mc:Choice>
-            <mc:Fallback>
+            <mc:Fallback xmlns="">
               <p:sp>
                 <p:nvSpPr>
                   <p:cNvPr id="28" name="椭圆 27">
@@ -4886,8 +4893,8 @@
               </p:sp>
             </mc:Fallback>
           </mc:AlternateContent>
-          <mc:AlternateContent xmlns:mc="http://schemas.openxmlformats.org/markup-compatibility/2006">
-            <mc:Choice xmlns:a14="http://schemas.microsoft.com/office/drawing/2010/main" Requires="a14">
+          <mc:AlternateContent xmlns:mc="http://schemas.openxmlformats.org/markup-compatibility/2006" xmlns:a14="http://schemas.microsoft.com/office/drawing/2010/main">
+            <mc:Choice Requires="a14">
               <p:sp>
                 <p:nvSpPr>
                   <p:cNvPr id="29" name="矩形: 圆角 28">
@@ -5045,7 +5052,7 @@
                 </p:txBody>
               </p:sp>
             </mc:Choice>
-            <mc:Fallback>
+            <mc:Fallback xmlns="">
               <p:sp>
                 <p:nvSpPr>
                   <p:cNvPr id="29" name="矩形: 圆角 28">
@@ -5221,8 +5228,8 @@
               </a:fontRef>
             </p:style>
           </p:cxnSp>
-          <mc:AlternateContent xmlns:mc="http://schemas.openxmlformats.org/markup-compatibility/2006">
-            <mc:Choice xmlns:a14="http://schemas.microsoft.com/office/drawing/2010/main" Requires="a14">
+          <mc:AlternateContent xmlns:mc="http://schemas.openxmlformats.org/markup-compatibility/2006" xmlns:a14="http://schemas.microsoft.com/office/drawing/2010/main">
+            <mc:Choice Requires="a14">
               <p:sp>
                 <p:nvSpPr>
                   <p:cNvPr id="33" name="椭圆 32">
@@ -5333,7 +5340,7 @@
                 </p:txBody>
               </p:sp>
             </mc:Choice>
-            <mc:Fallback>
+            <mc:Fallback xmlns="">
               <p:sp>
                 <p:nvSpPr>
                   <p:cNvPr id="33" name="椭圆 32">
@@ -5425,8 +5432,8 @@
               </a:fontRef>
             </p:style>
           </p:cxnSp>
-          <mc:AlternateContent xmlns:mc="http://schemas.openxmlformats.org/markup-compatibility/2006">
-            <mc:Choice xmlns:a14="http://schemas.microsoft.com/office/drawing/2010/main" Requires="a14">
+          <mc:AlternateContent xmlns:mc="http://schemas.openxmlformats.org/markup-compatibility/2006" xmlns:a14="http://schemas.microsoft.com/office/drawing/2010/main">
+            <mc:Choice Requires="a14">
               <p:sp>
                 <p:nvSpPr>
                   <p:cNvPr id="35" name="矩形 34">
@@ -5519,7 +5526,7 @@
                 </p:txBody>
               </p:sp>
             </mc:Choice>
-            <mc:Fallback>
+            <mc:Fallback xmlns="">
               <p:sp>
                 <p:nvSpPr>
                   <p:cNvPr id="35" name="矩形 34">
@@ -5684,6 +5691,6074 @@
     <p:extLst>
       <p:ext uri="{BB962C8B-B14F-4D97-AF65-F5344CB8AC3E}">
         <p14:creationId xmlns:p14="http://schemas.microsoft.com/office/powerpoint/2010/main" val="1463149264"/>
+      </p:ext>
+    </p:extLst>
+  </p:cSld>
+  <p:clrMapOvr>
+    <a:masterClrMapping/>
+  </p:clrMapOvr>
+</p:sld>
+</file>
+
+<file path=ppt/slides/slide2.xml><?xml version="1.0" encoding="utf-8"?>
+<p:sld xmlns:a="http://schemas.openxmlformats.org/drawingml/2006/main" xmlns:r="http://schemas.openxmlformats.org/officeDocument/2006/relationships" xmlns:p="http://schemas.openxmlformats.org/presentationml/2006/main">
+  <p:cSld>
+    <p:spTree>
+      <p:nvGrpSpPr>
+        <p:cNvPr id="1" name=""/>
+        <p:cNvGrpSpPr/>
+        <p:nvPr/>
+      </p:nvGrpSpPr>
+      <p:grpSpPr>
+        <a:xfrm>
+          <a:off x="0" y="0"/>
+          <a:ext cx="0" cy="0"/>
+          <a:chOff x="0" y="0"/>
+          <a:chExt cx="0" cy="0"/>
+        </a:xfrm>
+      </p:grpSpPr>
+      <p:grpSp>
+        <p:nvGrpSpPr>
+          <p:cNvPr id="49" name="组合 48">
+            <a:extLst>
+              <a:ext uri="{FF2B5EF4-FFF2-40B4-BE49-F238E27FC236}">
+                <a16:creationId xmlns:a16="http://schemas.microsoft.com/office/drawing/2014/main" id="{D33034D0-168B-49C1-AAE0-9E283F08762F}"/>
+              </a:ext>
+            </a:extLst>
+          </p:cNvPr>
+          <p:cNvGrpSpPr/>
+          <p:nvPr/>
+        </p:nvGrpSpPr>
+        <p:grpSpPr>
+          <a:xfrm>
+            <a:off x="1016000" y="629920"/>
+            <a:ext cx="5466080" cy="1971040"/>
+            <a:chOff x="1137920" y="944880"/>
+            <a:chExt cx="6400800" cy="2387600"/>
+          </a:xfrm>
+        </p:grpSpPr>
+        <mc:AlternateContent xmlns:mc="http://schemas.openxmlformats.org/markup-compatibility/2006" xmlns:a14="http://schemas.microsoft.com/office/drawing/2010/main">
+          <mc:Choice Requires="a14">
+            <p:sp>
+              <p:nvSpPr>
+                <p:cNvPr id="4" name="矩形: 圆角 3">
+                  <a:extLst>
+                    <a:ext uri="{FF2B5EF4-FFF2-40B4-BE49-F238E27FC236}">
+                      <a16:creationId xmlns:a16="http://schemas.microsoft.com/office/drawing/2014/main" id="{C0871B0F-A5EF-4CA9-BA45-9BCF71E13DFD}"/>
+                    </a:ext>
+                  </a:extLst>
+                </p:cNvPr>
+                <p:cNvSpPr/>
+                <p:nvPr/>
+              </p:nvSpPr>
+              <p:spPr>
+                <a:xfrm>
+                  <a:off x="1137920" y="995680"/>
+                  <a:ext cx="680720" cy="680720"/>
+                </a:xfrm>
+                <a:prstGeom prst="roundRect">
+                  <a:avLst/>
+                </a:prstGeom>
+                <a:solidFill>
+                  <a:schemeClr val="bg1"/>
+                </a:solidFill>
+                <a:ln w="19050">
+                  <a:solidFill>
+                    <a:schemeClr val="tx1"/>
+                  </a:solidFill>
+                </a:ln>
+              </p:spPr>
+              <p:style>
+                <a:lnRef idx="2">
+                  <a:schemeClr val="accent1">
+                    <a:shade val="50000"/>
+                  </a:schemeClr>
+                </a:lnRef>
+                <a:fillRef idx="1">
+                  <a:schemeClr val="accent1"/>
+                </a:fillRef>
+                <a:effectRef idx="0">
+                  <a:schemeClr val="accent1"/>
+                </a:effectRef>
+                <a:fontRef idx="minor">
+                  <a:schemeClr val="lt1"/>
+                </a:fontRef>
+              </p:style>
+              <p:txBody>
+                <a:bodyPr rtlCol="0" anchor="ctr"/>
+                <a:lstStyle/>
+                <a:p>
+                  <a:pPr algn="ctr"/>
+                  <a14:m>
+                    <m:oMathPara xmlns:m="http://schemas.openxmlformats.org/officeDocument/2006/math">
+                      <m:oMathParaPr>
+                        <m:jc m:val="centerGroup"/>
+                      </m:oMathParaPr>
+                      <m:oMath xmlns:m="http://schemas.openxmlformats.org/officeDocument/2006/math">
+                        <m:sSub>
+                          <m:sSubPr>
+                            <m:ctrlPr>
+                              <a:rPr lang="en-US" altLang="zh-CN" b="0" i="1" smtClean="0">
+                                <a:solidFill>
+                                  <a:schemeClr val="tx1"/>
+                                </a:solidFill>
+                                <a:latin typeface="Cambria Math" panose="02040503050406030204" pitchFamily="18" charset="0"/>
+                              </a:rPr>
+                            </m:ctrlPr>
+                          </m:sSubPr>
+                          <m:e>
+                            <m:r>
+                              <a:rPr lang="en-US" altLang="zh-CN" b="0" i="1" smtClean="0">
+                                <a:solidFill>
+                                  <a:schemeClr val="tx1"/>
+                                </a:solidFill>
+                                <a:latin typeface="Cambria Math" panose="02040503050406030204" pitchFamily="18" charset="0"/>
+                              </a:rPr>
+                              <m:t>𝑥</m:t>
+                            </m:r>
+                          </m:e>
+                          <m:sub>
+                            <m:r>
+                              <a:rPr lang="en-US" altLang="zh-CN" b="0" i="1" smtClean="0">
+                                <a:solidFill>
+                                  <a:schemeClr val="tx1"/>
+                                </a:solidFill>
+                                <a:latin typeface="Cambria Math" panose="02040503050406030204" pitchFamily="18" charset="0"/>
+                              </a:rPr>
+                              <m:t>1</m:t>
+                            </m:r>
+                          </m:sub>
+                        </m:sSub>
+                      </m:oMath>
+                    </m:oMathPara>
+                  </a14:m>
+                  <a:endParaRPr lang="zh-CN" altLang="en-US" dirty="0"/>
+                </a:p>
+              </p:txBody>
+            </p:sp>
+          </mc:Choice>
+          <mc:Fallback xmlns="">
+            <p:sp>
+              <p:nvSpPr>
+                <p:cNvPr id="4" name="矩形: 圆角 3">
+                  <a:extLst>
+                    <a:ext uri="{FF2B5EF4-FFF2-40B4-BE49-F238E27FC236}">
+                      <a16:creationId xmlns:a16="http://schemas.microsoft.com/office/drawing/2014/main" id="{C0871B0F-A5EF-4CA9-BA45-9BCF71E13DFD}"/>
+                    </a:ext>
+                  </a:extLst>
+                </p:cNvPr>
+                <p:cNvSpPr>
+                  <a:spLocks noRot="1" noChangeAspect="1" noMove="1" noResize="1" noEditPoints="1" noAdjustHandles="1" noChangeArrowheads="1" noChangeShapeType="1" noTextEdit="1"/>
+                </p:cNvSpPr>
+                <p:nvPr/>
+              </p:nvSpPr>
+              <p:spPr>
+                <a:xfrm>
+                  <a:off x="1137920" y="995680"/>
+                  <a:ext cx="680720" cy="680720"/>
+                </a:xfrm>
+                <a:prstGeom prst="roundRect">
+                  <a:avLst/>
+                </a:prstGeom>
+                <a:blipFill>
+                  <a:blip r:embed="rId2"/>
+                  <a:stretch>
+                    <a:fillRect/>
+                  </a:stretch>
+                </a:blipFill>
+                <a:ln w="19050">
+                  <a:solidFill>
+                    <a:schemeClr val="tx1"/>
+                  </a:solidFill>
+                </a:ln>
+              </p:spPr>
+              <p:txBody>
+                <a:bodyPr/>
+                <a:lstStyle/>
+                <a:p>
+                  <a:r>
+                    <a:rPr lang="zh-CN" altLang="en-US">
+                      <a:noFill/>
+                    </a:rPr>
+                    <a:t> </a:t>
+                  </a:r>
+                </a:p>
+              </p:txBody>
+            </p:sp>
+          </mc:Fallback>
+        </mc:AlternateContent>
+        <mc:AlternateContent xmlns:mc="http://schemas.openxmlformats.org/markup-compatibility/2006" xmlns:a14="http://schemas.microsoft.com/office/drawing/2010/main">
+          <mc:Choice Requires="a14">
+            <p:sp>
+              <p:nvSpPr>
+                <p:cNvPr id="5" name="矩形: 圆角 4">
+                  <a:extLst>
+                    <a:ext uri="{FF2B5EF4-FFF2-40B4-BE49-F238E27FC236}">
+                      <a16:creationId xmlns:a16="http://schemas.microsoft.com/office/drawing/2014/main" id="{D880A4E4-5E42-40B5-8EFA-1EE5FC20879C}"/>
+                    </a:ext>
+                  </a:extLst>
+                </p:cNvPr>
+                <p:cNvSpPr/>
+                <p:nvPr/>
+              </p:nvSpPr>
+              <p:spPr>
+                <a:xfrm>
+                  <a:off x="1137920" y="2641600"/>
+                  <a:ext cx="680720" cy="680720"/>
+                </a:xfrm>
+                <a:prstGeom prst="roundRect">
+                  <a:avLst/>
+                </a:prstGeom>
+                <a:solidFill>
+                  <a:schemeClr val="bg1"/>
+                </a:solidFill>
+                <a:ln w="19050">
+                  <a:solidFill>
+                    <a:schemeClr val="tx1"/>
+                  </a:solidFill>
+                </a:ln>
+              </p:spPr>
+              <p:style>
+                <a:lnRef idx="2">
+                  <a:schemeClr val="accent1">
+                    <a:shade val="50000"/>
+                  </a:schemeClr>
+                </a:lnRef>
+                <a:fillRef idx="1">
+                  <a:schemeClr val="accent1"/>
+                </a:fillRef>
+                <a:effectRef idx="0">
+                  <a:schemeClr val="accent1"/>
+                </a:effectRef>
+                <a:fontRef idx="minor">
+                  <a:schemeClr val="lt1"/>
+                </a:fontRef>
+              </p:style>
+              <p:txBody>
+                <a:bodyPr rtlCol="0" anchor="ctr"/>
+                <a:lstStyle/>
+                <a:p>
+                  <a:pPr algn="ctr"/>
+                  <a14:m>
+                    <m:oMathPara xmlns:m="http://schemas.openxmlformats.org/officeDocument/2006/math">
+                      <m:oMathParaPr>
+                        <m:jc m:val="centerGroup"/>
+                      </m:oMathParaPr>
+                      <m:oMath xmlns:m="http://schemas.openxmlformats.org/officeDocument/2006/math">
+                        <m:sSub>
+                          <m:sSubPr>
+                            <m:ctrlPr>
+                              <a:rPr lang="en-US" altLang="zh-CN" b="0" i="1" smtClean="0">
+                                <a:solidFill>
+                                  <a:schemeClr val="tx1"/>
+                                </a:solidFill>
+                                <a:latin typeface="Cambria Math" panose="02040503050406030204" pitchFamily="18" charset="0"/>
+                              </a:rPr>
+                            </m:ctrlPr>
+                          </m:sSubPr>
+                          <m:e>
+                            <m:r>
+                              <a:rPr lang="en-US" altLang="zh-CN" b="0" i="1" smtClean="0">
+                                <a:solidFill>
+                                  <a:schemeClr val="tx1"/>
+                                </a:solidFill>
+                                <a:latin typeface="Cambria Math" panose="02040503050406030204" pitchFamily="18" charset="0"/>
+                              </a:rPr>
+                              <m:t>𝑥</m:t>
+                            </m:r>
+                          </m:e>
+                          <m:sub>
+                            <m:r>
+                              <a:rPr lang="en-US" altLang="zh-CN" b="0" i="1" smtClean="0">
+                                <a:solidFill>
+                                  <a:schemeClr val="tx1"/>
+                                </a:solidFill>
+                                <a:latin typeface="Cambria Math" panose="02040503050406030204" pitchFamily="18" charset="0"/>
+                              </a:rPr>
+                              <m:t>2</m:t>
+                            </m:r>
+                          </m:sub>
+                        </m:sSub>
+                      </m:oMath>
+                    </m:oMathPara>
+                  </a14:m>
+                  <a:endParaRPr lang="zh-CN" altLang="en-US" dirty="0"/>
+                </a:p>
+              </p:txBody>
+            </p:sp>
+          </mc:Choice>
+          <mc:Fallback xmlns="">
+            <p:sp>
+              <p:nvSpPr>
+                <p:cNvPr id="5" name="矩形: 圆角 4">
+                  <a:extLst>
+                    <a:ext uri="{FF2B5EF4-FFF2-40B4-BE49-F238E27FC236}">
+                      <a16:creationId xmlns:a16="http://schemas.microsoft.com/office/drawing/2014/main" id="{D880A4E4-5E42-40B5-8EFA-1EE5FC20879C}"/>
+                    </a:ext>
+                  </a:extLst>
+                </p:cNvPr>
+                <p:cNvSpPr>
+                  <a:spLocks noRot="1" noChangeAspect="1" noMove="1" noResize="1" noEditPoints="1" noAdjustHandles="1" noChangeArrowheads="1" noChangeShapeType="1" noTextEdit="1"/>
+                </p:cNvSpPr>
+                <p:nvPr/>
+              </p:nvSpPr>
+              <p:spPr>
+                <a:xfrm>
+                  <a:off x="1137920" y="2641600"/>
+                  <a:ext cx="680720" cy="680720"/>
+                </a:xfrm>
+                <a:prstGeom prst="roundRect">
+                  <a:avLst/>
+                </a:prstGeom>
+                <a:blipFill>
+                  <a:blip r:embed="rId3"/>
+                  <a:stretch>
+                    <a:fillRect/>
+                  </a:stretch>
+                </a:blipFill>
+                <a:ln w="19050">
+                  <a:solidFill>
+                    <a:schemeClr val="tx1"/>
+                  </a:solidFill>
+                </a:ln>
+              </p:spPr>
+              <p:txBody>
+                <a:bodyPr/>
+                <a:lstStyle/>
+                <a:p>
+                  <a:r>
+                    <a:rPr lang="zh-CN" altLang="en-US">
+                      <a:noFill/>
+                    </a:rPr>
+                    <a:t> </a:t>
+                  </a:r>
+                </a:p>
+              </p:txBody>
+            </p:sp>
+          </mc:Fallback>
+        </mc:AlternateContent>
+        <mc:AlternateContent xmlns:mc="http://schemas.openxmlformats.org/markup-compatibility/2006" xmlns:a14="http://schemas.microsoft.com/office/drawing/2010/main">
+          <mc:Choice Requires="a14">
+            <p:sp>
+              <p:nvSpPr>
+                <p:cNvPr id="6" name="矩形: 圆角 5">
+                  <a:extLst>
+                    <a:ext uri="{FF2B5EF4-FFF2-40B4-BE49-F238E27FC236}">
+                      <a16:creationId xmlns:a16="http://schemas.microsoft.com/office/drawing/2014/main" id="{BF729185-A9BE-4493-8846-561085A4D3FD}"/>
+                    </a:ext>
+                  </a:extLst>
+                </p:cNvPr>
+                <p:cNvSpPr/>
+                <p:nvPr/>
+              </p:nvSpPr>
+              <p:spPr>
+                <a:xfrm>
+                  <a:off x="2499360" y="995680"/>
+                  <a:ext cx="680720" cy="680720"/>
+                </a:xfrm>
+                <a:prstGeom prst="roundRect">
+                  <a:avLst/>
+                </a:prstGeom>
+                <a:solidFill>
+                  <a:schemeClr val="bg1"/>
+                </a:solidFill>
+                <a:ln w="19050">
+                  <a:solidFill>
+                    <a:schemeClr val="tx1"/>
+                  </a:solidFill>
+                </a:ln>
+              </p:spPr>
+              <p:style>
+                <a:lnRef idx="2">
+                  <a:schemeClr val="accent1">
+                    <a:shade val="50000"/>
+                  </a:schemeClr>
+                </a:lnRef>
+                <a:fillRef idx="1">
+                  <a:schemeClr val="accent1"/>
+                </a:fillRef>
+                <a:effectRef idx="0">
+                  <a:schemeClr val="accent1"/>
+                </a:effectRef>
+                <a:fontRef idx="minor">
+                  <a:schemeClr val="lt1"/>
+                </a:fontRef>
+              </p:style>
+              <p:txBody>
+                <a:bodyPr rtlCol="0" anchor="ctr"/>
+                <a:lstStyle/>
+                <a:p>
+                  <a:pPr algn="ctr"/>
+                  <a14:m>
+                    <m:oMathPara xmlns:m="http://schemas.openxmlformats.org/officeDocument/2006/math">
+                      <m:oMathParaPr>
+                        <m:jc m:val="centerGroup"/>
+                      </m:oMathParaPr>
+                      <m:oMath xmlns:m="http://schemas.openxmlformats.org/officeDocument/2006/math">
+                        <m:sSub>
+                          <m:sSubPr>
+                            <m:ctrlPr>
+                              <a:rPr lang="en-US" altLang="zh-CN" b="0" i="1" smtClean="0">
+                                <a:solidFill>
+                                  <a:schemeClr val="tx1"/>
+                                </a:solidFill>
+                                <a:latin typeface="Cambria Math" panose="02040503050406030204" pitchFamily="18" charset="0"/>
+                              </a:rPr>
+                            </m:ctrlPr>
+                          </m:sSubPr>
+                          <m:e>
+                            <m:r>
+                              <a:rPr lang="en-US" altLang="zh-CN" b="0" i="1" smtClean="0">
+                                <a:solidFill>
+                                  <a:schemeClr val="tx1"/>
+                                </a:solidFill>
+                                <a:latin typeface="Cambria Math" panose="02040503050406030204" pitchFamily="18" charset="0"/>
+                              </a:rPr>
+                              <m:t>𝑣</m:t>
+                            </m:r>
+                          </m:e>
+                          <m:sub>
+                            <m:r>
+                              <a:rPr lang="en-US" altLang="zh-CN" b="0" i="1" smtClean="0">
+                                <a:solidFill>
+                                  <a:schemeClr val="tx1"/>
+                                </a:solidFill>
+                                <a:latin typeface="Cambria Math" panose="02040503050406030204" pitchFamily="18" charset="0"/>
+                              </a:rPr>
+                              <m:t>0</m:t>
+                            </m:r>
+                          </m:sub>
+                        </m:sSub>
+                      </m:oMath>
+                    </m:oMathPara>
+                  </a14:m>
+                  <a:endParaRPr lang="zh-CN" altLang="en-US" dirty="0"/>
+                </a:p>
+              </p:txBody>
+            </p:sp>
+          </mc:Choice>
+          <mc:Fallback xmlns="">
+            <p:sp>
+              <p:nvSpPr>
+                <p:cNvPr id="6" name="矩形: 圆角 5">
+                  <a:extLst>
+                    <a:ext uri="{FF2B5EF4-FFF2-40B4-BE49-F238E27FC236}">
+                      <a16:creationId xmlns:a16="http://schemas.microsoft.com/office/drawing/2014/main" id="{BF729185-A9BE-4493-8846-561085A4D3FD}"/>
+                    </a:ext>
+                  </a:extLst>
+                </p:cNvPr>
+                <p:cNvSpPr>
+                  <a:spLocks noRot="1" noChangeAspect="1" noMove="1" noResize="1" noEditPoints="1" noAdjustHandles="1" noChangeArrowheads="1" noChangeShapeType="1" noTextEdit="1"/>
+                </p:cNvSpPr>
+                <p:nvPr/>
+              </p:nvSpPr>
+              <p:spPr>
+                <a:xfrm>
+                  <a:off x="2499360" y="995680"/>
+                  <a:ext cx="680720" cy="680720"/>
+                </a:xfrm>
+                <a:prstGeom prst="roundRect">
+                  <a:avLst/>
+                </a:prstGeom>
+                <a:blipFill>
+                  <a:blip r:embed="rId4"/>
+                  <a:stretch>
+                    <a:fillRect/>
+                  </a:stretch>
+                </a:blipFill>
+                <a:ln w="19050">
+                  <a:solidFill>
+                    <a:schemeClr val="tx1"/>
+                  </a:solidFill>
+                </a:ln>
+              </p:spPr>
+              <p:txBody>
+                <a:bodyPr/>
+                <a:lstStyle/>
+                <a:p>
+                  <a:r>
+                    <a:rPr lang="zh-CN" altLang="en-US">
+                      <a:noFill/>
+                    </a:rPr>
+                    <a:t> </a:t>
+                  </a:r>
+                </a:p>
+              </p:txBody>
+            </p:sp>
+          </mc:Fallback>
+        </mc:AlternateContent>
+        <p:cxnSp>
+          <p:nvCxnSpPr>
+            <p:cNvPr id="8" name="直接箭头连接符 7">
+              <a:extLst>
+                <a:ext uri="{FF2B5EF4-FFF2-40B4-BE49-F238E27FC236}">
+                  <a16:creationId xmlns:a16="http://schemas.microsoft.com/office/drawing/2014/main" id="{99F269E7-9848-40C0-98DB-55502E4E4974}"/>
+                </a:ext>
+              </a:extLst>
+            </p:cNvPr>
+            <p:cNvCxnSpPr>
+              <a:cxnSpLocks/>
+              <a:stCxn id="4" idx="3"/>
+              <a:endCxn id="6" idx="1"/>
+            </p:cNvCxnSpPr>
+            <p:nvPr/>
+          </p:nvCxnSpPr>
+          <p:spPr>
+            <a:xfrm>
+              <a:off x="1818640" y="1336040"/>
+              <a:ext cx="680720" cy="0"/>
+            </a:xfrm>
+            <a:prstGeom prst="straightConnector1">
+              <a:avLst/>
+            </a:prstGeom>
+            <a:ln w="19050">
+              <a:solidFill>
+                <a:schemeClr val="tx1"/>
+              </a:solidFill>
+              <a:tailEnd type="triangle"/>
+            </a:ln>
+          </p:spPr>
+          <p:style>
+            <a:lnRef idx="1">
+              <a:schemeClr val="accent1"/>
+            </a:lnRef>
+            <a:fillRef idx="0">
+              <a:schemeClr val="accent1"/>
+            </a:fillRef>
+            <a:effectRef idx="0">
+              <a:schemeClr val="accent1"/>
+            </a:effectRef>
+            <a:fontRef idx="minor">
+              <a:schemeClr val="tx1"/>
+            </a:fontRef>
+          </p:style>
+        </p:cxnSp>
+        <mc:AlternateContent xmlns:mc="http://schemas.openxmlformats.org/markup-compatibility/2006" xmlns:a14="http://schemas.microsoft.com/office/drawing/2010/main">
+          <mc:Choice Requires="a14">
+            <p:sp>
+              <p:nvSpPr>
+                <p:cNvPr id="10" name="矩形: 圆角 9">
+                  <a:extLst>
+                    <a:ext uri="{FF2B5EF4-FFF2-40B4-BE49-F238E27FC236}">
+                      <a16:creationId xmlns:a16="http://schemas.microsoft.com/office/drawing/2014/main" id="{C0A4AD93-35DB-49F9-B2CF-18A69FDDFA46}"/>
+                    </a:ext>
+                  </a:extLst>
+                </p:cNvPr>
+                <p:cNvSpPr/>
+                <p:nvPr/>
+              </p:nvSpPr>
+              <p:spPr>
+                <a:xfrm>
+                  <a:off x="2499360" y="2641600"/>
+                  <a:ext cx="680720" cy="680720"/>
+                </a:xfrm>
+                <a:prstGeom prst="roundRect">
+                  <a:avLst/>
+                </a:prstGeom>
+                <a:solidFill>
+                  <a:schemeClr val="bg1"/>
+                </a:solidFill>
+                <a:ln w="19050">
+                  <a:solidFill>
+                    <a:schemeClr val="tx1"/>
+                  </a:solidFill>
+                </a:ln>
+              </p:spPr>
+              <p:style>
+                <a:lnRef idx="2">
+                  <a:schemeClr val="accent1">
+                    <a:shade val="50000"/>
+                  </a:schemeClr>
+                </a:lnRef>
+                <a:fillRef idx="1">
+                  <a:schemeClr val="accent1"/>
+                </a:fillRef>
+                <a:effectRef idx="0">
+                  <a:schemeClr val="accent1"/>
+                </a:effectRef>
+                <a:fontRef idx="minor">
+                  <a:schemeClr val="lt1"/>
+                </a:fontRef>
+              </p:style>
+              <p:txBody>
+                <a:bodyPr rtlCol="0" anchor="ctr"/>
+                <a:lstStyle/>
+                <a:p>
+                  <a:pPr algn="ctr"/>
+                  <a14:m>
+                    <m:oMathPara xmlns:m="http://schemas.openxmlformats.org/officeDocument/2006/math">
+                      <m:oMathParaPr>
+                        <m:jc m:val="centerGroup"/>
+                      </m:oMathParaPr>
+                      <m:oMath xmlns:m="http://schemas.openxmlformats.org/officeDocument/2006/math">
+                        <m:sSub>
+                          <m:sSubPr>
+                            <m:ctrlPr>
+                              <a:rPr lang="en-US" altLang="zh-CN" b="0" i="1" smtClean="0">
+                                <a:solidFill>
+                                  <a:schemeClr val="tx1"/>
+                                </a:solidFill>
+                                <a:latin typeface="Cambria Math" panose="02040503050406030204" pitchFamily="18" charset="0"/>
+                              </a:rPr>
+                            </m:ctrlPr>
+                          </m:sSubPr>
+                          <m:e>
+                            <m:r>
+                              <a:rPr lang="en-US" altLang="zh-CN" b="0" i="1" smtClean="0">
+                                <a:solidFill>
+                                  <a:schemeClr val="tx1"/>
+                                </a:solidFill>
+                                <a:latin typeface="Cambria Math" panose="02040503050406030204" pitchFamily="18" charset="0"/>
+                              </a:rPr>
+                              <m:t>𝑣</m:t>
+                            </m:r>
+                          </m:e>
+                          <m:sub>
+                            <m:r>
+                              <a:rPr lang="en-US" altLang="zh-CN" b="0" i="1" smtClean="0">
+                                <a:solidFill>
+                                  <a:schemeClr val="tx1"/>
+                                </a:solidFill>
+                                <a:latin typeface="Cambria Math" panose="02040503050406030204" pitchFamily="18" charset="0"/>
+                              </a:rPr>
+                              <m:t>1</m:t>
+                            </m:r>
+                          </m:sub>
+                        </m:sSub>
+                      </m:oMath>
+                    </m:oMathPara>
+                  </a14:m>
+                  <a:endParaRPr lang="zh-CN" altLang="en-US" dirty="0"/>
+                </a:p>
+              </p:txBody>
+            </p:sp>
+          </mc:Choice>
+          <mc:Fallback xmlns="">
+            <p:sp>
+              <p:nvSpPr>
+                <p:cNvPr id="10" name="矩形: 圆角 9">
+                  <a:extLst>
+                    <a:ext uri="{FF2B5EF4-FFF2-40B4-BE49-F238E27FC236}">
+                      <a16:creationId xmlns:a16="http://schemas.microsoft.com/office/drawing/2014/main" id="{C0A4AD93-35DB-49F9-B2CF-18A69FDDFA46}"/>
+                    </a:ext>
+                  </a:extLst>
+                </p:cNvPr>
+                <p:cNvSpPr>
+                  <a:spLocks noRot="1" noChangeAspect="1" noMove="1" noResize="1" noEditPoints="1" noAdjustHandles="1" noChangeArrowheads="1" noChangeShapeType="1" noTextEdit="1"/>
+                </p:cNvSpPr>
+                <p:nvPr/>
+              </p:nvSpPr>
+              <p:spPr>
+                <a:xfrm>
+                  <a:off x="2499360" y="2641600"/>
+                  <a:ext cx="680720" cy="680720"/>
+                </a:xfrm>
+                <a:prstGeom prst="roundRect">
+                  <a:avLst/>
+                </a:prstGeom>
+                <a:blipFill>
+                  <a:blip r:embed="rId5"/>
+                  <a:stretch>
+                    <a:fillRect/>
+                  </a:stretch>
+                </a:blipFill>
+                <a:ln w="19050">
+                  <a:solidFill>
+                    <a:schemeClr val="tx1"/>
+                  </a:solidFill>
+                </a:ln>
+              </p:spPr>
+              <p:txBody>
+                <a:bodyPr/>
+                <a:lstStyle/>
+                <a:p>
+                  <a:r>
+                    <a:rPr lang="zh-CN" altLang="en-US">
+                      <a:noFill/>
+                    </a:rPr>
+                    <a:t> </a:t>
+                  </a:r>
+                </a:p>
+              </p:txBody>
+            </p:sp>
+          </mc:Fallback>
+        </mc:AlternateContent>
+        <p:cxnSp>
+          <p:nvCxnSpPr>
+            <p:cNvPr id="12" name="直接箭头连接符 11">
+              <a:extLst>
+                <a:ext uri="{FF2B5EF4-FFF2-40B4-BE49-F238E27FC236}">
+                  <a16:creationId xmlns:a16="http://schemas.microsoft.com/office/drawing/2014/main" id="{41275DB4-9CEE-45D3-B7B9-85FC168E18A2}"/>
+                </a:ext>
+              </a:extLst>
+            </p:cNvPr>
+            <p:cNvCxnSpPr>
+              <a:stCxn id="5" idx="3"/>
+              <a:endCxn id="10" idx="1"/>
+            </p:cNvCxnSpPr>
+            <p:nvPr/>
+          </p:nvCxnSpPr>
+          <p:spPr>
+            <a:xfrm>
+              <a:off x="1818640" y="2981960"/>
+              <a:ext cx="680720" cy="0"/>
+            </a:xfrm>
+            <a:prstGeom prst="straightConnector1">
+              <a:avLst/>
+            </a:prstGeom>
+            <a:ln w="19050">
+              <a:tailEnd type="triangle"/>
+            </a:ln>
+          </p:spPr>
+          <p:style>
+            <a:lnRef idx="1">
+              <a:schemeClr val="dk1"/>
+            </a:lnRef>
+            <a:fillRef idx="0">
+              <a:schemeClr val="dk1"/>
+            </a:fillRef>
+            <a:effectRef idx="0">
+              <a:schemeClr val="dk1"/>
+            </a:effectRef>
+            <a:fontRef idx="minor">
+              <a:schemeClr val="tx1"/>
+            </a:fontRef>
+          </p:style>
+        </p:cxnSp>
+        <mc:AlternateContent xmlns:mc="http://schemas.openxmlformats.org/markup-compatibility/2006" xmlns:a14="http://schemas.microsoft.com/office/drawing/2010/main">
+          <mc:Choice Requires="a14">
+            <p:sp>
+              <p:nvSpPr>
+                <p:cNvPr id="14" name="矩形: 圆角 13">
+                  <a:extLst>
+                    <a:ext uri="{FF2B5EF4-FFF2-40B4-BE49-F238E27FC236}">
+                      <a16:creationId xmlns:a16="http://schemas.microsoft.com/office/drawing/2014/main" id="{F13A12D1-C960-48A8-9AE3-646D9D98F4E7}"/>
+                    </a:ext>
+                  </a:extLst>
+                </p:cNvPr>
+                <p:cNvSpPr/>
+                <p:nvPr/>
+              </p:nvSpPr>
+              <p:spPr>
+                <a:xfrm>
+                  <a:off x="3860800" y="995680"/>
+                  <a:ext cx="680720" cy="680720"/>
+                </a:xfrm>
+                <a:prstGeom prst="roundRect">
+                  <a:avLst/>
+                </a:prstGeom>
+                <a:solidFill>
+                  <a:schemeClr val="bg1"/>
+                </a:solidFill>
+                <a:ln w="19050">
+                  <a:solidFill>
+                    <a:schemeClr val="tx1"/>
+                  </a:solidFill>
+                </a:ln>
+              </p:spPr>
+              <p:style>
+                <a:lnRef idx="2">
+                  <a:schemeClr val="accent1">
+                    <a:shade val="50000"/>
+                  </a:schemeClr>
+                </a:lnRef>
+                <a:fillRef idx="1">
+                  <a:schemeClr val="accent1"/>
+                </a:fillRef>
+                <a:effectRef idx="0">
+                  <a:schemeClr val="accent1"/>
+                </a:effectRef>
+                <a:fontRef idx="minor">
+                  <a:schemeClr val="lt1"/>
+                </a:fontRef>
+              </p:style>
+              <p:txBody>
+                <a:bodyPr rtlCol="0" anchor="ctr"/>
+                <a:lstStyle/>
+                <a:p>
+                  <a:pPr algn="ctr"/>
+                  <a14:m>
+                    <m:oMathPara xmlns:m="http://schemas.openxmlformats.org/officeDocument/2006/math">
+                      <m:oMathParaPr>
+                        <m:jc m:val="centerGroup"/>
+                      </m:oMathParaPr>
+                      <m:oMath xmlns:m="http://schemas.openxmlformats.org/officeDocument/2006/math">
+                        <m:sSub>
+                          <m:sSubPr>
+                            <m:ctrlPr>
+                              <a:rPr lang="en-US" altLang="zh-CN" b="0" i="1" smtClean="0">
+                                <a:solidFill>
+                                  <a:schemeClr val="tx1"/>
+                                </a:solidFill>
+                                <a:latin typeface="Cambria Math" panose="02040503050406030204" pitchFamily="18" charset="0"/>
+                              </a:rPr>
+                            </m:ctrlPr>
+                          </m:sSubPr>
+                          <m:e>
+                            <m:r>
+                              <a:rPr lang="en-US" altLang="zh-CN" b="0" i="1" smtClean="0">
+                                <a:solidFill>
+                                  <a:schemeClr val="tx1"/>
+                                </a:solidFill>
+                                <a:latin typeface="Cambria Math" panose="02040503050406030204" pitchFamily="18" charset="0"/>
+                              </a:rPr>
+                              <m:t>𝑣</m:t>
+                            </m:r>
+                          </m:e>
+                          <m:sub>
+                            <m:r>
+                              <a:rPr lang="en-US" altLang="zh-CN" b="0" i="1" smtClean="0">
+                                <a:solidFill>
+                                  <a:schemeClr val="tx1"/>
+                                </a:solidFill>
+                                <a:latin typeface="Cambria Math" panose="02040503050406030204" pitchFamily="18" charset="0"/>
+                              </a:rPr>
+                              <m:t>2</m:t>
+                            </m:r>
+                          </m:sub>
+                        </m:sSub>
+                      </m:oMath>
+                    </m:oMathPara>
+                  </a14:m>
+                  <a:endParaRPr lang="zh-CN" altLang="en-US" dirty="0"/>
+                </a:p>
+              </p:txBody>
+            </p:sp>
+          </mc:Choice>
+          <mc:Fallback xmlns="">
+            <p:sp>
+              <p:nvSpPr>
+                <p:cNvPr id="14" name="矩形: 圆角 13">
+                  <a:extLst>
+                    <a:ext uri="{FF2B5EF4-FFF2-40B4-BE49-F238E27FC236}">
+                      <a16:creationId xmlns:a16="http://schemas.microsoft.com/office/drawing/2014/main" id="{F13A12D1-C960-48A8-9AE3-646D9D98F4E7}"/>
+                    </a:ext>
+                  </a:extLst>
+                </p:cNvPr>
+                <p:cNvSpPr>
+                  <a:spLocks noRot="1" noChangeAspect="1" noMove="1" noResize="1" noEditPoints="1" noAdjustHandles="1" noChangeArrowheads="1" noChangeShapeType="1" noTextEdit="1"/>
+                </p:cNvSpPr>
+                <p:nvPr/>
+              </p:nvSpPr>
+              <p:spPr>
+                <a:xfrm>
+                  <a:off x="3860800" y="995680"/>
+                  <a:ext cx="680720" cy="680720"/>
+                </a:xfrm>
+                <a:prstGeom prst="roundRect">
+                  <a:avLst/>
+                </a:prstGeom>
+                <a:blipFill>
+                  <a:blip r:embed="rId6"/>
+                  <a:stretch>
+                    <a:fillRect/>
+                  </a:stretch>
+                </a:blipFill>
+                <a:ln w="19050">
+                  <a:solidFill>
+                    <a:schemeClr val="tx1"/>
+                  </a:solidFill>
+                </a:ln>
+              </p:spPr>
+              <p:txBody>
+                <a:bodyPr/>
+                <a:lstStyle/>
+                <a:p>
+                  <a:r>
+                    <a:rPr lang="zh-CN" altLang="en-US">
+                      <a:noFill/>
+                    </a:rPr>
+                    <a:t> </a:t>
+                  </a:r>
+                </a:p>
+              </p:txBody>
+            </p:sp>
+          </mc:Fallback>
+        </mc:AlternateContent>
+        <p:cxnSp>
+          <p:nvCxnSpPr>
+            <p:cNvPr id="15" name="直接箭头连接符 14">
+              <a:extLst>
+                <a:ext uri="{FF2B5EF4-FFF2-40B4-BE49-F238E27FC236}">
+                  <a16:creationId xmlns:a16="http://schemas.microsoft.com/office/drawing/2014/main" id="{77DA69CB-66FD-49FB-B06D-9DA25DA551F2}"/>
+                </a:ext>
+              </a:extLst>
+            </p:cNvPr>
+            <p:cNvCxnSpPr>
+              <a:cxnSpLocks/>
+              <a:stCxn id="6" idx="3"/>
+              <a:endCxn id="14" idx="1"/>
+            </p:cNvCxnSpPr>
+            <p:nvPr/>
+          </p:nvCxnSpPr>
+          <p:spPr>
+            <a:xfrm>
+              <a:off x="3180080" y="1336040"/>
+              <a:ext cx="680720" cy="0"/>
+            </a:xfrm>
+            <a:prstGeom prst="straightConnector1">
+              <a:avLst/>
+            </a:prstGeom>
+            <a:ln w="19050">
+              <a:solidFill>
+                <a:schemeClr val="tx1"/>
+              </a:solidFill>
+              <a:tailEnd type="triangle"/>
+            </a:ln>
+          </p:spPr>
+          <p:style>
+            <a:lnRef idx="1">
+              <a:schemeClr val="accent1"/>
+            </a:lnRef>
+            <a:fillRef idx="0">
+              <a:schemeClr val="accent1"/>
+            </a:fillRef>
+            <a:effectRef idx="0">
+              <a:schemeClr val="accent1"/>
+            </a:effectRef>
+            <a:fontRef idx="minor">
+              <a:schemeClr val="tx1"/>
+            </a:fontRef>
+          </p:style>
+        </p:cxnSp>
+        <mc:AlternateContent xmlns:mc="http://schemas.openxmlformats.org/markup-compatibility/2006" xmlns:a14="http://schemas.microsoft.com/office/drawing/2010/main">
+          <mc:Choice Requires="a14">
+            <p:sp>
+              <p:nvSpPr>
+                <p:cNvPr id="18" name="矩形 17">
+                  <a:extLst>
+                    <a:ext uri="{FF2B5EF4-FFF2-40B4-BE49-F238E27FC236}">
+                      <a16:creationId xmlns:a16="http://schemas.microsoft.com/office/drawing/2014/main" id="{5066A194-773D-4B31-AAAF-1B6B98EE87F3}"/>
+                    </a:ext>
+                  </a:extLst>
+                </p:cNvPr>
+                <p:cNvSpPr/>
+                <p:nvPr/>
+              </p:nvSpPr>
+              <p:spPr>
+                <a:xfrm>
+                  <a:off x="3180080" y="944880"/>
+                  <a:ext cx="680720" cy="462280"/>
+                </a:xfrm>
+                <a:prstGeom prst="rect">
+                  <a:avLst/>
+                </a:prstGeom>
+                <a:noFill/>
+                <a:ln>
+                  <a:noFill/>
+                </a:ln>
+              </p:spPr>
+              <p:style>
+                <a:lnRef idx="2">
+                  <a:schemeClr val="accent1">
+                    <a:shade val="50000"/>
+                  </a:schemeClr>
+                </a:lnRef>
+                <a:fillRef idx="1">
+                  <a:schemeClr val="accent1"/>
+                </a:fillRef>
+                <a:effectRef idx="0">
+                  <a:schemeClr val="accent1"/>
+                </a:effectRef>
+                <a:fontRef idx="minor">
+                  <a:schemeClr val="lt1"/>
+                </a:fontRef>
+              </p:style>
+              <p:txBody>
+                <a:bodyPr rtlCol="0" anchor="ctr"/>
+                <a:lstStyle/>
+                <a:p>
+                  <a:pPr algn="ctr"/>
+                  <a14:m>
+                    <m:oMathPara xmlns:m="http://schemas.openxmlformats.org/officeDocument/2006/math">
+                      <m:oMathParaPr>
+                        <m:jc m:val="centerGroup"/>
+                      </m:oMathParaPr>
+                      <m:oMath xmlns:m="http://schemas.openxmlformats.org/officeDocument/2006/math">
+                        <m:r>
+                          <a:rPr lang="en-US" altLang="zh-CN" b="0" i="1" smtClean="0">
+                            <a:solidFill>
+                              <a:schemeClr val="tx1"/>
+                            </a:solidFill>
+                            <a:latin typeface="Cambria Math" panose="02040503050406030204" pitchFamily="18" charset="0"/>
+                          </a:rPr>
+                          <m:t>𝑙𝑜𝑔</m:t>
+                        </m:r>
+                      </m:oMath>
+                    </m:oMathPara>
+                  </a14:m>
+                  <a:endParaRPr lang="zh-CN" altLang="en-US" dirty="0">
+                    <a:solidFill>
+                      <a:schemeClr val="tx1"/>
+                    </a:solidFill>
+                  </a:endParaRPr>
+                </a:p>
+              </p:txBody>
+            </p:sp>
+          </mc:Choice>
+          <mc:Fallback xmlns="">
+            <p:sp>
+              <p:nvSpPr>
+                <p:cNvPr id="18" name="矩形 17">
+                  <a:extLst>
+                    <a:ext uri="{FF2B5EF4-FFF2-40B4-BE49-F238E27FC236}">
+                      <a16:creationId xmlns:a16="http://schemas.microsoft.com/office/drawing/2014/main" id="{5066A194-773D-4B31-AAAF-1B6B98EE87F3}"/>
+                    </a:ext>
+                  </a:extLst>
+                </p:cNvPr>
+                <p:cNvSpPr>
+                  <a:spLocks noRot="1" noChangeAspect="1" noMove="1" noResize="1" noEditPoints="1" noAdjustHandles="1" noChangeArrowheads="1" noChangeShapeType="1" noTextEdit="1"/>
+                </p:cNvSpPr>
+                <p:nvPr/>
+              </p:nvSpPr>
+              <p:spPr>
+                <a:xfrm>
+                  <a:off x="3180080" y="944880"/>
+                  <a:ext cx="680720" cy="462280"/>
+                </a:xfrm>
+                <a:prstGeom prst="rect">
+                  <a:avLst/>
+                </a:prstGeom>
+                <a:blipFill>
+                  <a:blip r:embed="rId7"/>
+                  <a:stretch>
+                    <a:fillRect l="-3158" b="-11290"/>
+                  </a:stretch>
+                </a:blipFill>
+                <a:ln>
+                  <a:noFill/>
+                </a:ln>
+              </p:spPr>
+              <p:txBody>
+                <a:bodyPr/>
+                <a:lstStyle/>
+                <a:p>
+                  <a:r>
+                    <a:rPr lang="zh-CN" altLang="en-US">
+                      <a:noFill/>
+                    </a:rPr>
+                    <a:t> </a:t>
+                  </a:r>
+                </a:p>
+              </p:txBody>
+            </p:sp>
+          </mc:Fallback>
+        </mc:AlternateContent>
+        <mc:AlternateContent xmlns:mc="http://schemas.openxmlformats.org/markup-compatibility/2006" xmlns:a14="http://schemas.microsoft.com/office/drawing/2010/main">
+          <mc:Choice Requires="a14">
+            <p:sp>
+              <p:nvSpPr>
+                <p:cNvPr id="20" name="矩形: 圆角 19">
+                  <a:extLst>
+                    <a:ext uri="{FF2B5EF4-FFF2-40B4-BE49-F238E27FC236}">
+                      <a16:creationId xmlns:a16="http://schemas.microsoft.com/office/drawing/2014/main" id="{4A90F957-4C43-4251-9C77-263FE003EB12}"/>
+                    </a:ext>
+                  </a:extLst>
+                </p:cNvPr>
+                <p:cNvSpPr/>
+                <p:nvPr/>
+              </p:nvSpPr>
+              <p:spPr>
+                <a:xfrm>
+                  <a:off x="3860800" y="1808480"/>
+                  <a:ext cx="680720" cy="680720"/>
+                </a:xfrm>
+                <a:prstGeom prst="roundRect">
+                  <a:avLst/>
+                </a:prstGeom>
+                <a:solidFill>
+                  <a:schemeClr val="bg1"/>
+                </a:solidFill>
+                <a:ln w="19050">
+                  <a:solidFill>
+                    <a:schemeClr val="tx1"/>
+                  </a:solidFill>
+                </a:ln>
+              </p:spPr>
+              <p:style>
+                <a:lnRef idx="2">
+                  <a:schemeClr val="accent1">
+                    <a:shade val="50000"/>
+                  </a:schemeClr>
+                </a:lnRef>
+                <a:fillRef idx="1">
+                  <a:schemeClr val="accent1"/>
+                </a:fillRef>
+                <a:effectRef idx="0">
+                  <a:schemeClr val="accent1"/>
+                </a:effectRef>
+                <a:fontRef idx="minor">
+                  <a:schemeClr val="lt1"/>
+                </a:fontRef>
+              </p:style>
+              <p:txBody>
+                <a:bodyPr rtlCol="0" anchor="ctr"/>
+                <a:lstStyle/>
+                <a:p>
+                  <a:pPr algn="ctr"/>
+                  <a14:m>
+                    <m:oMathPara xmlns:m="http://schemas.openxmlformats.org/officeDocument/2006/math">
+                      <m:oMathParaPr>
+                        <m:jc m:val="centerGroup"/>
+                      </m:oMathParaPr>
+                      <m:oMath xmlns:m="http://schemas.openxmlformats.org/officeDocument/2006/math">
+                        <m:sSub>
+                          <m:sSubPr>
+                            <m:ctrlPr>
+                              <a:rPr lang="en-US" altLang="zh-CN" b="0" i="1" smtClean="0">
+                                <a:solidFill>
+                                  <a:schemeClr val="tx1"/>
+                                </a:solidFill>
+                                <a:latin typeface="Cambria Math" panose="02040503050406030204" pitchFamily="18" charset="0"/>
+                              </a:rPr>
+                            </m:ctrlPr>
+                          </m:sSubPr>
+                          <m:e>
+                            <m:r>
+                              <a:rPr lang="en-US" altLang="zh-CN" b="0" i="1" smtClean="0">
+                                <a:solidFill>
+                                  <a:schemeClr val="tx1"/>
+                                </a:solidFill>
+                                <a:latin typeface="Cambria Math" panose="02040503050406030204" pitchFamily="18" charset="0"/>
+                              </a:rPr>
+                              <m:t>𝑣</m:t>
+                            </m:r>
+                          </m:e>
+                          <m:sub>
+                            <m:r>
+                              <a:rPr lang="en-US" altLang="zh-CN" b="0" i="1" smtClean="0">
+                                <a:solidFill>
+                                  <a:schemeClr val="tx1"/>
+                                </a:solidFill>
+                                <a:latin typeface="Cambria Math" panose="02040503050406030204" pitchFamily="18" charset="0"/>
+                              </a:rPr>
+                              <m:t>3</m:t>
+                            </m:r>
+                          </m:sub>
+                        </m:sSub>
+                      </m:oMath>
+                    </m:oMathPara>
+                  </a14:m>
+                  <a:endParaRPr lang="zh-CN" altLang="en-US" dirty="0"/>
+                </a:p>
+              </p:txBody>
+            </p:sp>
+          </mc:Choice>
+          <mc:Fallback xmlns="">
+            <p:sp>
+              <p:nvSpPr>
+                <p:cNvPr id="20" name="矩形: 圆角 19">
+                  <a:extLst>
+                    <a:ext uri="{FF2B5EF4-FFF2-40B4-BE49-F238E27FC236}">
+                      <a16:creationId xmlns:a16="http://schemas.microsoft.com/office/drawing/2014/main" id="{4A90F957-4C43-4251-9C77-263FE003EB12}"/>
+                    </a:ext>
+                  </a:extLst>
+                </p:cNvPr>
+                <p:cNvSpPr>
+                  <a:spLocks noRot="1" noChangeAspect="1" noMove="1" noResize="1" noEditPoints="1" noAdjustHandles="1" noChangeArrowheads="1" noChangeShapeType="1" noTextEdit="1"/>
+                </p:cNvSpPr>
+                <p:nvPr/>
+              </p:nvSpPr>
+              <p:spPr>
+                <a:xfrm>
+                  <a:off x="3860800" y="1808480"/>
+                  <a:ext cx="680720" cy="680720"/>
+                </a:xfrm>
+                <a:prstGeom prst="roundRect">
+                  <a:avLst/>
+                </a:prstGeom>
+                <a:blipFill>
+                  <a:blip r:embed="rId8"/>
+                  <a:stretch>
+                    <a:fillRect/>
+                  </a:stretch>
+                </a:blipFill>
+                <a:ln w="19050">
+                  <a:solidFill>
+                    <a:schemeClr val="tx1"/>
+                  </a:solidFill>
+                </a:ln>
+              </p:spPr>
+              <p:txBody>
+                <a:bodyPr/>
+                <a:lstStyle/>
+                <a:p>
+                  <a:r>
+                    <a:rPr lang="zh-CN" altLang="en-US">
+                      <a:noFill/>
+                    </a:rPr>
+                    <a:t> </a:t>
+                  </a:r>
+                </a:p>
+              </p:txBody>
+            </p:sp>
+          </mc:Fallback>
+        </mc:AlternateContent>
+        <mc:AlternateContent xmlns:mc="http://schemas.openxmlformats.org/markup-compatibility/2006" xmlns:a14="http://schemas.microsoft.com/office/drawing/2010/main">
+          <mc:Choice Requires="a14">
+            <p:sp>
+              <p:nvSpPr>
+                <p:cNvPr id="21" name="矩形: 圆角 20">
+                  <a:extLst>
+                    <a:ext uri="{FF2B5EF4-FFF2-40B4-BE49-F238E27FC236}">
+                      <a16:creationId xmlns:a16="http://schemas.microsoft.com/office/drawing/2014/main" id="{7B3E9A7C-F06C-47BE-BECD-2E5E5DCC7461}"/>
+                    </a:ext>
+                  </a:extLst>
+                </p:cNvPr>
+                <p:cNvSpPr/>
+                <p:nvPr/>
+              </p:nvSpPr>
+              <p:spPr>
+                <a:xfrm>
+                  <a:off x="3860800" y="2651760"/>
+                  <a:ext cx="680720" cy="680720"/>
+                </a:xfrm>
+                <a:prstGeom prst="roundRect">
+                  <a:avLst/>
+                </a:prstGeom>
+                <a:solidFill>
+                  <a:schemeClr val="bg1"/>
+                </a:solidFill>
+                <a:ln w="19050">
+                  <a:solidFill>
+                    <a:schemeClr val="tx1"/>
+                  </a:solidFill>
+                </a:ln>
+              </p:spPr>
+              <p:style>
+                <a:lnRef idx="2">
+                  <a:schemeClr val="accent1">
+                    <a:shade val="50000"/>
+                  </a:schemeClr>
+                </a:lnRef>
+                <a:fillRef idx="1">
+                  <a:schemeClr val="accent1"/>
+                </a:fillRef>
+                <a:effectRef idx="0">
+                  <a:schemeClr val="accent1"/>
+                </a:effectRef>
+                <a:fontRef idx="minor">
+                  <a:schemeClr val="lt1"/>
+                </a:fontRef>
+              </p:style>
+              <p:txBody>
+                <a:bodyPr rtlCol="0" anchor="ctr"/>
+                <a:lstStyle/>
+                <a:p>
+                  <a:pPr algn="ctr"/>
+                  <a14:m>
+                    <m:oMathPara xmlns:m="http://schemas.openxmlformats.org/officeDocument/2006/math">
+                      <m:oMathParaPr>
+                        <m:jc m:val="centerGroup"/>
+                      </m:oMathParaPr>
+                      <m:oMath xmlns:m="http://schemas.openxmlformats.org/officeDocument/2006/math">
+                        <m:sSub>
+                          <m:sSubPr>
+                            <m:ctrlPr>
+                              <a:rPr lang="en-US" altLang="zh-CN" b="0" i="1" smtClean="0">
+                                <a:solidFill>
+                                  <a:schemeClr val="tx1"/>
+                                </a:solidFill>
+                                <a:latin typeface="Cambria Math" panose="02040503050406030204" pitchFamily="18" charset="0"/>
+                              </a:rPr>
+                            </m:ctrlPr>
+                          </m:sSubPr>
+                          <m:e>
+                            <m:r>
+                              <a:rPr lang="en-US" altLang="zh-CN" b="0" i="1" smtClean="0">
+                                <a:solidFill>
+                                  <a:schemeClr val="tx1"/>
+                                </a:solidFill>
+                                <a:latin typeface="Cambria Math" panose="02040503050406030204" pitchFamily="18" charset="0"/>
+                              </a:rPr>
+                              <m:t>𝑣</m:t>
+                            </m:r>
+                          </m:e>
+                          <m:sub>
+                            <m:r>
+                              <a:rPr lang="en-US" altLang="zh-CN" b="0" i="1" smtClean="0">
+                                <a:solidFill>
+                                  <a:schemeClr val="tx1"/>
+                                </a:solidFill>
+                                <a:latin typeface="Cambria Math" panose="02040503050406030204" pitchFamily="18" charset="0"/>
+                              </a:rPr>
+                              <m:t>4</m:t>
+                            </m:r>
+                          </m:sub>
+                        </m:sSub>
+                      </m:oMath>
+                    </m:oMathPara>
+                  </a14:m>
+                  <a:endParaRPr lang="zh-CN" altLang="en-US" dirty="0"/>
+                </a:p>
+              </p:txBody>
+            </p:sp>
+          </mc:Choice>
+          <mc:Fallback xmlns="">
+            <p:sp>
+              <p:nvSpPr>
+                <p:cNvPr id="21" name="矩形: 圆角 20">
+                  <a:extLst>
+                    <a:ext uri="{FF2B5EF4-FFF2-40B4-BE49-F238E27FC236}">
+                      <a16:creationId xmlns:a16="http://schemas.microsoft.com/office/drawing/2014/main" id="{7B3E9A7C-F06C-47BE-BECD-2E5E5DCC7461}"/>
+                    </a:ext>
+                  </a:extLst>
+                </p:cNvPr>
+                <p:cNvSpPr>
+                  <a:spLocks noRot="1" noChangeAspect="1" noMove="1" noResize="1" noEditPoints="1" noAdjustHandles="1" noChangeArrowheads="1" noChangeShapeType="1" noTextEdit="1"/>
+                </p:cNvSpPr>
+                <p:nvPr/>
+              </p:nvSpPr>
+              <p:spPr>
+                <a:xfrm>
+                  <a:off x="3860800" y="2651760"/>
+                  <a:ext cx="680720" cy="680720"/>
+                </a:xfrm>
+                <a:prstGeom prst="roundRect">
+                  <a:avLst/>
+                </a:prstGeom>
+                <a:blipFill>
+                  <a:blip r:embed="rId9"/>
+                  <a:stretch>
+                    <a:fillRect/>
+                  </a:stretch>
+                </a:blipFill>
+                <a:ln w="19050">
+                  <a:solidFill>
+                    <a:schemeClr val="tx1"/>
+                  </a:solidFill>
+                </a:ln>
+              </p:spPr>
+              <p:txBody>
+                <a:bodyPr/>
+                <a:lstStyle/>
+                <a:p>
+                  <a:r>
+                    <a:rPr lang="zh-CN" altLang="en-US">
+                      <a:noFill/>
+                    </a:rPr>
+                    <a:t> </a:t>
+                  </a:r>
+                </a:p>
+              </p:txBody>
+            </p:sp>
+          </mc:Fallback>
+        </mc:AlternateContent>
+        <p:cxnSp>
+          <p:nvCxnSpPr>
+            <p:cNvPr id="23" name="直接箭头连接符 22">
+              <a:extLst>
+                <a:ext uri="{FF2B5EF4-FFF2-40B4-BE49-F238E27FC236}">
+                  <a16:creationId xmlns:a16="http://schemas.microsoft.com/office/drawing/2014/main" id="{3778F48E-FFEE-4EBE-B6C2-3598F00ED55C}"/>
+                </a:ext>
+              </a:extLst>
+            </p:cNvPr>
+            <p:cNvCxnSpPr>
+              <a:stCxn id="6" idx="2"/>
+              <a:endCxn id="20" idx="1"/>
+            </p:cNvCxnSpPr>
+            <p:nvPr/>
+          </p:nvCxnSpPr>
+          <p:spPr>
+            <a:xfrm>
+              <a:off x="2839720" y="1676400"/>
+              <a:ext cx="1021080" cy="472440"/>
+            </a:xfrm>
+            <a:prstGeom prst="straightConnector1">
+              <a:avLst/>
+            </a:prstGeom>
+            <a:ln w="19050">
+              <a:tailEnd type="triangle"/>
+            </a:ln>
+          </p:spPr>
+          <p:style>
+            <a:lnRef idx="1">
+              <a:schemeClr val="dk1"/>
+            </a:lnRef>
+            <a:fillRef idx="0">
+              <a:schemeClr val="dk1"/>
+            </a:fillRef>
+            <a:effectRef idx="0">
+              <a:schemeClr val="dk1"/>
+            </a:effectRef>
+            <a:fontRef idx="minor">
+              <a:schemeClr val="tx1"/>
+            </a:fontRef>
+          </p:style>
+        </p:cxnSp>
+        <p:cxnSp>
+          <p:nvCxnSpPr>
+            <p:cNvPr id="25" name="直接箭头连接符 24">
+              <a:extLst>
+                <a:ext uri="{FF2B5EF4-FFF2-40B4-BE49-F238E27FC236}">
+                  <a16:creationId xmlns:a16="http://schemas.microsoft.com/office/drawing/2014/main" id="{376217C2-119D-439B-8A27-177D1BD054A3}"/>
+                </a:ext>
+              </a:extLst>
+            </p:cNvPr>
+            <p:cNvCxnSpPr>
+              <a:stCxn id="10" idx="0"/>
+              <a:endCxn id="20" idx="1"/>
+            </p:cNvCxnSpPr>
+            <p:nvPr/>
+          </p:nvCxnSpPr>
+          <p:spPr>
+            <a:xfrm flipV="1">
+              <a:off x="2839720" y="2148840"/>
+              <a:ext cx="1021080" cy="492760"/>
+            </a:xfrm>
+            <a:prstGeom prst="straightConnector1">
+              <a:avLst/>
+            </a:prstGeom>
+            <a:ln w="19050">
+              <a:tailEnd type="triangle"/>
+            </a:ln>
+          </p:spPr>
+          <p:style>
+            <a:lnRef idx="1">
+              <a:schemeClr val="dk1"/>
+            </a:lnRef>
+            <a:fillRef idx="0">
+              <a:schemeClr val="dk1"/>
+            </a:fillRef>
+            <a:effectRef idx="0">
+              <a:schemeClr val="dk1"/>
+            </a:effectRef>
+            <a:fontRef idx="minor">
+              <a:schemeClr val="tx1"/>
+            </a:fontRef>
+          </p:style>
+        </p:cxnSp>
+        <p:sp>
+          <p:nvSpPr>
+            <p:cNvPr id="26" name="矩形 25">
+              <a:extLst>
+                <a:ext uri="{FF2B5EF4-FFF2-40B4-BE49-F238E27FC236}">
+                  <a16:creationId xmlns:a16="http://schemas.microsoft.com/office/drawing/2014/main" id="{7E4D8761-3460-4394-89E9-CB6D8EE3DE0C}"/>
+                </a:ext>
+              </a:extLst>
+            </p:cNvPr>
+            <p:cNvSpPr/>
+            <p:nvPr/>
+          </p:nvSpPr>
+          <p:spPr>
+            <a:xfrm>
+              <a:off x="3304540" y="1920240"/>
+              <a:ext cx="434340" cy="462280"/>
+            </a:xfrm>
+            <a:prstGeom prst="rect">
+              <a:avLst/>
+            </a:prstGeom>
+            <a:noFill/>
+            <a:ln>
+              <a:noFill/>
+            </a:ln>
+          </p:spPr>
+          <p:style>
+            <a:lnRef idx="2">
+              <a:schemeClr val="accent1">
+                <a:shade val="50000"/>
+              </a:schemeClr>
+            </a:lnRef>
+            <a:fillRef idx="1">
+              <a:schemeClr val="accent1"/>
+            </a:fillRef>
+            <a:effectRef idx="0">
+              <a:schemeClr val="accent1"/>
+            </a:effectRef>
+            <a:fontRef idx="minor">
+              <a:schemeClr val="lt1"/>
+            </a:fontRef>
+          </p:style>
+          <p:txBody>
+            <a:bodyPr rtlCol="0" anchor="ctr"/>
+            <a:lstStyle/>
+            <a:p>
+              <a:pPr algn="ctr"/>
+              <a:r>
+                <a:rPr lang="en-US" altLang="zh-CN" dirty="0">
+                  <a:solidFill>
+                    <a:schemeClr val="tx1"/>
+                  </a:solidFill>
+                </a:rPr>
+                <a:t>*</a:t>
+              </a:r>
+              <a:endParaRPr lang="zh-CN" altLang="en-US" dirty="0">
+                <a:solidFill>
+                  <a:schemeClr val="tx1"/>
+                </a:solidFill>
+              </a:endParaRPr>
+            </a:p>
+          </p:txBody>
+        </p:sp>
+        <p:cxnSp>
+          <p:nvCxnSpPr>
+            <p:cNvPr id="28" name="直接箭头连接符 27">
+              <a:extLst>
+                <a:ext uri="{FF2B5EF4-FFF2-40B4-BE49-F238E27FC236}">
+                  <a16:creationId xmlns:a16="http://schemas.microsoft.com/office/drawing/2014/main" id="{ADDEB29C-C97C-4B57-86C3-38F915829CF0}"/>
+                </a:ext>
+              </a:extLst>
+            </p:cNvPr>
+            <p:cNvCxnSpPr>
+              <a:stCxn id="10" idx="3"/>
+              <a:endCxn id="21" idx="1"/>
+            </p:cNvCxnSpPr>
+            <p:nvPr/>
+          </p:nvCxnSpPr>
+          <p:spPr>
+            <a:xfrm>
+              <a:off x="3180080" y="2981960"/>
+              <a:ext cx="680720" cy="10160"/>
+            </a:xfrm>
+            <a:prstGeom prst="straightConnector1">
+              <a:avLst/>
+            </a:prstGeom>
+            <a:ln w="19050">
+              <a:tailEnd type="triangle"/>
+            </a:ln>
+          </p:spPr>
+          <p:style>
+            <a:lnRef idx="1">
+              <a:schemeClr val="dk1"/>
+            </a:lnRef>
+            <a:fillRef idx="0">
+              <a:schemeClr val="dk1"/>
+            </a:fillRef>
+            <a:effectRef idx="0">
+              <a:schemeClr val="dk1"/>
+            </a:effectRef>
+            <a:fontRef idx="minor">
+              <a:schemeClr val="tx1"/>
+            </a:fontRef>
+          </p:style>
+        </p:cxnSp>
+        <mc:AlternateContent xmlns:mc="http://schemas.openxmlformats.org/markup-compatibility/2006" xmlns:a14="http://schemas.microsoft.com/office/drawing/2010/main">
+          <mc:Choice Requires="a14">
+            <p:sp>
+              <p:nvSpPr>
+                <p:cNvPr id="29" name="矩形 28">
+                  <a:extLst>
+                    <a:ext uri="{FF2B5EF4-FFF2-40B4-BE49-F238E27FC236}">
+                      <a16:creationId xmlns:a16="http://schemas.microsoft.com/office/drawing/2014/main" id="{BC5A1653-A33A-4949-B7EE-BAA8BC26A1BB}"/>
+                    </a:ext>
+                  </a:extLst>
+                </p:cNvPr>
+                <p:cNvSpPr/>
+                <p:nvPr/>
+              </p:nvSpPr>
+              <p:spPr>
+                <a:xfrm>
+                  <a:off x="3180080" y="2573020"/>
+                  <a:ext cx="680720" cy="462280"/>
+                </a:xfrm>
+                <a:prstGeom prst="rect">
+                  <a:avLst/>
+                </a:prstGeom>
+                <a:noFill/>
+                <a:ln>
+                  <a:noFill/>
+                </a:ln>
+              </p:spPr>
+              <p:style>
+                <a:lnRef idx="2">
+                  <a:schemeClr val="accent1">
+                    <a:shade val="50000"/>
+                  </a:schemeClr>
+                </a:lnRef>
+                <a:fillRef idx="1">
+                  <a:schemeClr val="accent1"/>
+                </a:fillRef>
+                <a:effectRef idx="0">
+                  <a:schemeClr val="accent1"/>
+                </a:effectRef>
+                <a:fontRef idx="minor">
+                  <a:schemeClr val="lt1"/>
+                </a:fontRef>
+              </p:style>
+              <p:txBody>
+                <a:bodyPr rtlCol="0" anchor="ctr"/>
+                <a:lstStyle/>
+                <a:p>
+                  <a:pPr algn="ctr"/>
+                  <a14:m>
+                    <m:oMathPara xmlns:m="http://schemas.openxmlformats.org/officeDocument/2006/math">
+                      <m:oMathParaPr>
+                        <m:jc m:val="centerGroup"/>
+                      </m:oMathParaPr>
+                      <m:oMath xmlns:m="http://schemas.openxmlformats.org/officeDocument/2006/math">
+                        <m:r>
+                          <a:rPr lang="en-US" altLang="zh-CN" b="0" i="1" smtClean="0">
+                            <a:solidFill>
+                              <a:schemeClr val="tx1"/>
+                            </a:solidFill>
+                            <a:latin typeface="Cambria Math" panose="02040503050406030204" pitchFamily="18" charset="0"/>
+                          </a:rPr>
+                          <m:t>𝑠𝑖𝑛</m:t>
+                        </m:r>
+                      </m:oMath>
+                    </m:oMathPara>
+                  </a14:m>
+                  <a:endParaRPr lang="zh-CN" altLang="en-US" dirty="0">
+                    <a:solidFill>
+                      <a:schemeClr val="tx1"/>
+                    </a:solidFill>
+                  </a:endParaRPr>
+                </a:p>
+              </p:txBody>
+            </p:sp>
+          </mc:Choice>
+          <mc:Fallback xmlns="">
+            <p:sp>
+              <p:nvSpPr>
+                <p:cNvPr id="29" name="矩形 28">
+                  <a:extLst>
+                    <a:ext uri="{FF2B5EF4-FFF2-40B4-BE49-F238E27FC236}">
+                      <a16:creationId xmlns:a16="http://schemas.microsoft.com/office/drawing/2014/main" id="{BC5A1653-A33A-4949-B7EE-BAA8BC26A1BB}"/>
+                    </a:ext>
+                  </a:extLst>
+                </p:cNvPr>
+                <p:cNvSpPr>
+                  <a:spLocks noRot="1" noChangeAspect="1" noMove="1" noResize="1" noEditPoints="1" noAdjustHandles="1" noChangeArrowheads="1" noChangeShapeType="1" noTextEdit="1"/>
+                </p:cNvSpPr>
+                <p:nvPr/>
+              </p:nvSpPr>
+              <p:spPr>
+                <a:xfrm>
+                  <a:off x="3180080" y="2573020"/>
+                  <a:ext cx="680720" cy="462280"/>
+                </a:xfrm>
+                <a:prstGeom prst="rect">
+                  <a:avLst/>
+                </a:prstGeom>
+                <a:blipFill>
+                  <a:blip r:embed="rId10"/>
+                  <a:stretch>
+                    <a:fillRect/>
+                  </a:stretch>
+                </a:blipFill>
+                <a:ln>
+                  <a:noFill/>
+                </a:ln>
+              </p:spPr>
+              <p:txBody>
+                <a:bodyPr/>
+                <a:lstStyle/>
+                <a:p>
+                  <a:r>
+                    <a:rPr lang="zh-CN" altLang="en-US">
+                      <a:noFill/>
+                    </a:rPr>
+                    <a:t> </a:t>
+                  </a:r>
+                </a:p>
+              </p:txBody>
+            </p:sp>
+          </mc:Fallback>
+        </mc:AlternateContent>
+        <mc:AlternateContent xmlns:mc="http://schemas.openxmlformats.org/markup-compatibility/2006" xmlns:a14="http://schemas.microsoft.com/office/drawing/2010/main">
+          <mc:Choice Requires="a14">
+            <p:sp>
+              <p:nvSpPr>
+                <p:cNvPr id="31" name="矩形: 圆角 30">
+                  <a:extLst>
+                    <a:ext uri="{FF2B5EF4-FFF2-40B4-BE49-F238E27FC236}">
+                      <a16:creationId xmlns:a16="http://schemas.microsoft.com/office/drawing/2014/main" id="{03DC9C04-76D7-40DF-AFC9-4A5D1CD10044}"/>
+                    </a:ext>
+                  </a:extLst>
+                </p:cNvPr>
+                <p:cNvSpPr/>
+                <p:nvPr/>
+              </p:nvSpPr>
+              <p:spPr>
+                <a:xfrm>
+                  <a:off x="5222240" y="995680"/>
+                  <a:ext cx="680720" cy="680720"/>
+                </a:xfrm>
+                <a:prstGeom prst="roundRect">
+                  <a:avLst/>
+                </a:prstGeom>
+                <a:solidFill>
+                  <a:schemeClr val="bg1"/>
+                </a:solidFill>
+                <a:ln w="19050">
+                  <a:solidFill>
+                    <a:schemeClr val="tx1"/>
+                  </a:solidFill>
+                </a:ln>
+              </p:spPr>
+              <p:style>
+                <a:lnRef idx="2">
+                  <a:schemeClr val="accent1">
+                    <a:shade val="50000"/>
+                  </a:schemeClr>
+                </a:lnRef>
+                <a:fillRef idx="1">
+                  <a:schemeClr val="accent1"/>
+                </a:fillRef>
+                <a:effectRef idx="0">
+                  <a:schemeClr val="accent1"/>
+                </a:effectRef>
+                <a:fontRef idx="minor">
+                  <a:schemeClr val="lt1"/>
+                </a:fontRef>
+              </p:style>
+              <p:txBody>
+                <a:bodyPr rtlCol="0" anchor="ctr"/>
+                <a:lstStyle/>
+                <a:p>
+                  <a:pPr algn="ctr"/>
+                  <a14:m>
+                    <m:oMathPara xmlns:m="http://schemas.openxmlformats.org/officeDocument/2006/math">
+                      <m:oMathParaPr>
+                        <m:jc m:val="centerGroup"/>
+                      </m:oMathParaPr>
+                      <m:oMath xmlns:m="http://schemas.openxmlformats.org/officeDocument/2006/math">
+                        <m:sSub>
+                          <m:sSubPr>
+                            <m:ctrlPr>
+                              <a:rPr lang="en-US" altLang="zh-CN" b="0" i="1" smtClean="0">
+                                <a:solidFill>
+                                  <a:schemeClr val="tx1"/>
+                                </a:solidFill>
+                                <a:latin typeface="Cambria Math" panose="02040503050406030204" pitchFamily="18" charset="0"/>
+                              </a:rPr>
+                            </m:ctrlPr>
+                          </m:sSubPr>
+                          <m:e>
+                            <m:r>
+                              <a:rPr lang="en-US" altLang="zh-CN" b="0" i="1" smtClean="0">
+                                <a:solidFill>
+                                  <a:schemeClr val="tx1"/>
+                                </a:solidFill>
+                                <a:latin typeface="Cambria Math" panose="02040503050406030204" pitchFamily="18" charset="0"/>
+                              </a:rPr>
+                              <m:t>𝑣</m:t>
+                            </m:r>
+                          </m:e>
+                          <m:sub>
+                            <m:r>
+                              <a:rPr lang="en-US" altLang="zh-CN" b="0" i="1" smtClean="0">
+                                <a:solidFill>
+                                  <a:schemeClr val="tx1"/>
+                                </a:solidFill>
+                                <a:latin typeface="Cambria Math" panose="02040503050406030204" pitchFamily="18" charset="0"/>
+                              </a:rPr>
+                              <m:t>5</m:t>
+                            </m:r>
+                          </m:sub>
+                        </m:sSub>
+                      </m:oMath>
+                    </m:oMathPara>
+                  </a14:m>
+                  <a:endParaRPr lang="zh-CN" altLang="en-US" dirty="0"/>
+                </a:p>
+              </p:txBody>
+            </p:sp>
+          </mc:Choice>
+          <mc:Fallback xmlns="">
+            <p:sp>
+              <p:nvSpPr>
+                <p:cNvPr id="31" name="矩形: 圆角 30">
+                  <a:extLst>
+                    <a:ext uri="{FF2B5EF4-FFF2-40B4-BE49-F238E27FC236}">
+                      <a16:creationId xmlns:a16="http://schemas.microsoft.com/office/drawing/2014/main" id="{03DC9C04-76D7-40DF-AFC9-4A5D1CD10044}"/>
+                    </a:ext>
+                  </a:extLst>
+                </p:cNvPr>
+                <p:cNvSpPr>
+                  <a:spLocks noRot="1" noChangeAspect="1" noMove="1" noResize="1" noEditPoints="1" noAdjustHandles="1" noChangeArrowheads="1" noChangeShapeType="1" noTextEdit="1"/>
+                </p:cNvSpPr>
+                <p:nvPr/>
+              </p:nvSpPr>
+              <p:spPr>
+                <a:xfrm>
+                  <a:off x="5222240" y="995680"/>
+                  <a:ext cx="680720" cy="680720"/>
+                </a:xfrm>
+                <a:prstGeom prst="roundRect">
+                  <a:avLst/>
+                </a:prstGeom>
+                <a:blipFill>
+                  <a:blip r:embed="rId11"/>
+                  <a:stretch>
+                    <a:fillRect/>
+                  </a:stretch>
+                </a:blipFill>
+                <a:ln w="19050">
+                  <a:solidFill>
+                    <a:schemeClr val="tx1"/>
+                  </a:solidFill>
+                </a:ln>
+              </p:spPr>
+              <p:txBody>
+                <a:bodyPr/>
+                <a:lstStyle/>
+                <a:p>
+                  <a:r>
+                    <a:rPr lang="zh-CN" altLang="en-US">
+                      <a:noFill/>
+                    </a:rPr>
+                    <a:t> </a:t>
+                  </a:r>
+                </a:p>
+              </p:txBody>
+            </p:sp>
+          </mc:Fallback>
+        </mc:AlternateContent>
+        <p:cxnSp>
+          <p:nvCxnSpPr>
+            <p:cNvPr id="33" name="直接箭头连接符 32">
+              <a:extLst>
+                <a:ext uri="{FF2B5EF4-FFF2-40B4-BE49-F238E27FC236}">
+                  <a16:creationId xmlns:a16="http://schemas.microsoft.com/office/drawing/2014/main" id="{06C6F248-8ADC-4DB6-8EAB-E8EC45A8E340}"/>
+                </a:ext>
+              </a:extLst>
+            </p:cNvPr>
+            <p:cNvCxnSpPr>
+              <a:stCxn id="14" idx="3"/>
+              <a:endCxn id="31" idx="1"/>
+            </p:cNvCxnSpPr>
+            <p:nvPr/>
+          </p:nvCxnSpPr>
+          <p:spPr>
+            <a:xfrm>
+              <a:off x="4541520" y="1336040"/>
+              <a:ext cx="680720" cy="0"/>
+            </a:xfrm>
+            <a:prstGeom prst="straightConnector1">
+              <a:avLst/>
+            </a:prstGeom>
+            <a:ln w="19050">
+              <a:tailEnd type="triangle"/>
+            </a:ln>
+          </p:spPr>
+          <p:style>
+            <a:lnRef idx="1">
+              <a:schemeClr val="dk1"/>
+            </a:lnRef>
+            <a:fillRef idx="0">
+              <a:schemeClr val="dk1"/>
+            </a:fillRef>
+            <a:effectRef idx="0">
+              <a:schemeClr val="dk1"/>
+            </a:effectRef>
+            <a:fontRef idx="minor">
+              <a:schemeClr val="tx1"/>
+            </a:fontRef>
+          </p:style>
+        </p:cxnSp>
+        <p:cxnSp>
+          <p:nvCxnSpPr>
+            <p:cNvPr id="35" name="直接箭头连接符 34">
+              <a:extLst>
+                <a:ext uri="{FF2B5EF4-FFF2-40B4-BE49-F238E27FC236}">
+                  <a16:creationId xmlns:a16="http://schemas.microsoft.com/office/drawing/2014/main" id="{CC21D1ED-95B2-4D54-BEBA-0F0B03C0423A}"/>
+                </a:ext>
+              </a:extLst>
+            </p:cNvPr>
+            <p:cNvCxnSpPr>
+              <a:stCxn id="20" idx="3"/>
+              <a:endCxn id="31" idx="1"/>
+            </p:cNvCxnSpPr>
+            <p:nvPr/>
+          </p:nvCxnSpPr>
+          <p:spPr>
+            <a:xfrm flipV="1">
+              <a:off x="4541520" y="1336040"/>
+              <a:ext cx="680720" cy="812800"/>
+            </a:xfrm>
+            <a:prstGeom prst="straightConnector1">
+              <a:avLst/>
+            </a:prstGeom>
+            <a:ln w="19050">
+              <a:tailEnd type="triangle"/>
+            </a:ln>
+          </p:spPr>
+          <p:style>
+            <a:lnRef idx="1">
+              <a:schemeClr val="dk1"/>
+            </a:lnRef>
+            <a:fillRef idx="0">
+              <a:schemeClr val="dk1"/>
+            </a:fillRef>
+            <a:effectRef idx="0">
+              <a:schemeClr val="dk1"/>
+            </a:effectRef>
+            <a:fontRef idx="minor">
+              <a:schemeClr val="tx1"/>
+            </a:fontRef>
+          </p:style>
+        </p:cxnSp>
+        <p:sp>
+          <p:nvSpPr>
+            <p:cNvPr id="36" name="矩形 35">
+              <a:extLst>
+                <a:ext uri="{FF2B5EF4-FFF2-40B4-BE49-F238E27FC236}">
+                  <a16:creationId xmlns:a16="http://schemas.microsoft.com/office/drawing/2014/main" id="{E4DF9282-F3FD-434C-B8F3-60BF8F344072}"/>
+                </a:ext>
+              </a:extLst>
+            </p:cNvPr>
+            <p:cNvSpPr/>
+            <p:nvPr/>
+          </p:nvSpPr>
+          <p:spPr>
+            <a:xfrm>
+              <a:off x="4667250" y="1219201"/>
+              <a:ext cx="434340" cy="462280"/>
+            </a:xfrm>
+            <a:prstGeom prst="rect">
+              <a:avLst/>
+            </a:prstGeom>
+            <a:noFill/>
+            <a:ln>
+              <a:noFill/>
+            </a:ln>
+          </p:spPr>
+          <p:style>
+            <a:lnRef idx="2">
+              <a:schemeClr val="accent1">
+                <a:shade val="50000"/>
+              </a:schemeClr>
+            </a:lnRef>
+            <a:fillRef idx="1">
+              <a:schemeClr val="accent1"/>
+            </a:fillRef>
+            <a:effectRef idx="0">
+              <a:schemeClr val="accent1"/>
+            </a:effectRef>
+            <a:fontRef idx="minor">
+              <a:schemeClr val="lt1"/>
+            </a:fontRef>
+          </p:style>
+          <p:txBody>
+            <a:bodyPr rtlCol="0" anchor="ctr"/>
+            <a:lstStyle/>
+            <a:p>
+              <a:pPr algn="ctr"/>
+              <a:r>
+                <a:rPr lang="en-US" altLang="zh-CN" dirty="0">
+                  <a:solidFill>
+                    <a:schemeClr val="tx1"/>
+                  </a:solidFill>
+                </a:rPr>
+                <a:t>+</a:t>
+              </a:r>
+              <a:endParaRPr lang="zh-CN" altLang="en-US" dirty="0">
+                <a:solidFill>
+                  <a:schemeClr val="tx1"/>
+                </a:solidFill>
+              </a:endParaRPr>
+            </a:p>
+          </p:txBody>
+        </p:sp>
+        <mc:AlternateContent xmlns:mc="http://schemas.openxmlformats.org/markup-compatibility/2006" xmlns:a14="http://schemas.microsoft.com/office/drawing/2010/main">
+          <mc:Choice Requires="a14">
+            <p:sp>
+              <p:nvSpPr>
+                <p:cNvPr id="39" name="矩形: 圆角 38">
+                  <a:extLst>
+                    <a:ext uri="{FF2B5EF4-FFF2-40B4-BE49-F238E27FC236}">
+                      <a16:creationId xmlns:a16="http://schemas.microsoft.com/office/drawing/2014/main" id="{A9FBD84B-0B17-48C5-9909-3E035369AB37}"/>
+                    </a:ext>
+                  </a:extLst>
+                </p:cNvPr>
+                <p:cNvSpPr/>
+                <p:nvPr/>
+              </p:nvSpPr>
+              <p:spPr>
+                <a:xfrm>
+                  <a:off x="6858000" y="1818639"/>
+                  <a:ext cx="680720" cy="680720"/>
+                </a:xfrm>
+                <a:prstGeom prst="roundRect">
+                  <a:avLst/>
+                </a:prstGeom>
+                <a:solidFill>
+                  <a:schemeClr val="bg1"/>
+                </a:solidFill>
+                <a:ln w="19050">
+                  <a:solidFill>
+                    <a:schemeClr val="tx1"/>
+                  </a:solidFill>
+                </a:ln>
+              </p:spPr>
+              <p:style>
+                <a:lnRef idx="2">
+                  <a:schemeClr val="accent1">
+                    <a:shade val="50000"/>
+                  </a:schemeClr>
+                </a:lnRef>
+                <a:fillRef idx="1">
+                  <a:schemeClr val="accent1"/>
+                </a:fillRef>
+                <a:effectRef idx="0">
+                  <a:schemeClr val="accent1"/>
+                </a:effectRef>
+                <a:fontRef idx="minor">
+                  <a:schemeClr val="lt1"/>
+                </a:fontRef>
+              </p:style>
+              <p:txBody>
+                <a:bodyPr rtlCol="0" anchor="ctr"/>
+                <a:lstStyle/>
+                <a:p>
+                  <a:pPr algn="ctr"/>
+                  <a14:m>
+                    <m:oMathPara xmlns:m="http://schemas.openxmlformats.org/officeDocument/2006/math">
+                      <m:oMathParaPr>
+                        <m:jc m:val="centerGroup"/>
+                      </m:oMathParaPr>
+                      <m:oMath xmlns:m="http://schemas.openxmlformats.org/officeDocument/2006/math">
+                        <m:sSub>
+                          <m:sSubPr>
+                            <m:ctrlPr>
+                              <a:rPr lang="en-US" altLang="zh-CN" b="0" i="1" smtClean="0">
+                                <a:solidFill>
+                                  <a:schemeClr val="tx1"/>
+                                </a:solidFill>
+                                <a:latin typeface="Cambria Math" panose="02040503050406030204" pitchFamily="18" charset="0"/>
+                              </a:rPr>
+                            </m:ctrlPr>
+                          </m:sSubPr>
+                          <m:e>
+                            <m:r>
+                              <a:rPr lang="en-US" altLang="zh-CN" b="0" i="1" smtClean="0">
+                                <a:solidFill>
+                                  <a:schemeClr val="tx1"/>
+                                </a:solidFill>
+                                <a:latin typeface="Cambria Math" panose="02040503050406030204" pitchFamily="18" charset="0"/>
+                              </a:rPr>
+                              <m:t>𝑣</m:t>
+                            </m:r>
+                          </m:e>
+                          <m:sub>
+                            <m:r>
+                              <a:rPr lang="en-US" altLang="zh-CN" b="0" i="1" smtClean="0">
+                                <a:solidFill>
+                                  <a:schemeClr val="tx1"/>
+                                </a:solidFill>
+                                <a:latin typeface="Cambria Math" panose="02040503050406030204" pitchFamily="18" charset="0"/>
+                              </a:rPr>
+                              <m:t>7</m:t>
+                            </m:r>
+                          </m:sub>
+                        </m:sSub>
+                      </m:oMath>
+                    </m:oMathPara>
+                  </a14:m>
+                  <a:endParaRPr lang="zh-CN" altLang="en-US" dirty="0"/>
+                </a:p>
+              </p:txBody>
+            </p:sp>
+          </mc:Choice>
+          <mc:Fallback xmlns="">
+            <p:sp>
+              <p:nvSpPr>
+                <p:cNvPr id="39" name="矩形: 圆角 38">
+                  <a:extLst>
+                    <a:ext uri="{FF2B5EF4-FFF2-40B4-BE49-F238E27FC236}">
+                      <a16:creationId xmlns:a16="http://schemas.microsoft.com/office/drawing/2014/main" id="{A9FBD84B-0B17-48C5-9909-3E035369AB37}"/>
+                    </a:ext>
+                  </a:extLst>
+                </p:cNvPr>
+                <p:cNvSpPr>
+                  <a:spLocks noRot="1" noChangeAspect="1" noMove="1" noResize="1" noEditPoints="1" noAdjustHandles="1" noChangeArrowheads="1" noChangeShapeType="1" noTextEdit="1"/>
+                </p:cNvSpPr>
+                <p:nvPr/>
+              </p:nvSpPr>
+              <p:spPr>
+                <a:xfrm>
+                  <a:off x="6858000" y="1818639"/>
+                  <a:ext cx="680720" cy="680720"/>
+                </a:xfrm>
+                <a:prstGeom prst="roundRect">
+                  <a:avLst/>
+                </a:prstGeom>
+                <a:blipFill>
+                  <a:blip r:embed="rId12"/>
+                  <a:stretch>
+                    <a:fillRect/>
+                  </a:stretch>
+                </a:blipFill>
+                <a:ln w="19050">
+                  <a:solidFill>
+                    <a:schemeClr val="tx1"/>
+                  </a:solidFill>
+                </a:ln>
+              </p:spPr>
+              <p:txBody>
+                <a:bodyPr/>
+                <a:lstStyle/>
+                <a:p>
+                  <a:r>
+                    <a:rPr lang="zh-CN" altLang="en-US">
+                      <a:noFill/>
+                    </a:rPr>
+                    <a:t> </a:t>
+                  </a:r>
+                </a:p>
+              </p:txBody>
+            </p:sp>
+          </mc:Fallback>
+        </mc:AlternateContent>
+        <mc:AlternateContent xmlns:mc="http://schemas.openxmlformats.org/markup-compatibility/2006" xmlns:a14="http://schemas.microsoft.com/office/drawing/2010/main">
+          <mc:Choice Requires="a14">
+            <p:sp>
+              <p:nvSpPr>
+                <p:cNvPr id="40" name="矩形: 圆角 39">
+                  <a:extLst>
+                    <a:ext uri="{FF2B5EF4-FFF2-40B4-BE49-F238E27FC236}">
+                      <a16:creationId xmlns:a16="http://schemas.microsoft.com/office/drawing/2014/main" id="{D2E02341-247D-4706-A7A2-D047F7F64BCF}"/>
+                    </a:ext>
+                  </a:extLst>
+                </p:cNvPr>
+                <p:cNvSpPr/>
+                <p:nvPr/>
+              </p:nvSpPr>
+              <p:spPr>
+                <a:xfrm>
+                  <a:off x="5222240" y="2651760"/>
+                  <a:ext cx="680720" cy="680720"/>
+                </a:xfrm>
+                <a:prstGeom prst="roundRect">
+                  <a:avLst/>
+                </a:prstGeom>
+                <a:solidFill>
+                  <a:schemeClr val="bg1"/>
+                </a:solidFill>
+                <a:ln w="19050">
+                  <a:solidFill>
+                    <a:schemeClr val="tx1"/>
+                  </a:solidFill>
+                </a:ln>
+              </p:spPr>
+              <p:style>
+                <a:lnRef idx="2">
+                  <a:schemeClr val="accent1">
+                    <a:shade val="50000"/>
+                  </a:schemeClr>
+                </a:lnRef>
+                <a:fillRef idx="1">
+                  <a:schemeClr val="accent1"/>
+                </a:fillRef>
+                <a:effectRef idx="0">
+                  <a:schemeClr val="accent1"/>
+                </a:effectRef>
+                <a:fontRef idx="minor">
+                  <a:schemeClr val="lt1"/>
+                </a:fontRef>
+              </p:style>
+              <p:txBody>
+                <a:bodyPr rtlCol="0" anchor="ctr"/>
+                <a:lstStyle/>
+                <a:p>
+                  <a:pPr algn="ctr"/>
+                  <a14:m>
+                    <m:oMathPara xmlns:m="http://schemas.openxmlformats.org/officeDocument/2006/math">
+                      <m:oMathParaPr>
+                        <m:jc m:val="centerGroup"/>
+                      </m:oMathParaPr>
+                      <m:oMath xmlns:m="http://schemas.openxmlformats.org/officeDocument/2006/math">
+                        <m:sSub>
+                          <m:sSubPr>
+                            <m:ctrlPr>
+                              <a:rPr lang="en-US" altLang="zh-CN" b="0" i="1" smtClean="0">
+                                <a:solidFill>
+                                  <a:schemeClr val="tx1"/>
+                                </a:solidFill>
+                                <a:latin typeface="Cambria Math" panose="02040503050406030204" pitchFamily="18" charset="0"/>
+                              </a:rPr>
+                            </m:ctrlPr>
+                          </m:sSubPr>
+                          <m:e>
+                            <m:r>
+                              <a:rPr lang="en-US" altLang="zh-CN" b="0" i="1" smtClean="0">
+                                <a:solidFill>
+                                  <a:schemeClr val="tx1"/>
+                                </a:solidFill>
+                                <a:latin typeface="Cambria Math" panose="02040503050406030204" pitchFamily="18" charset="0"/>
+                              </a:rPr>
+                              <m:t>𝑣</m:t>
+                            </m:r>
+                          </m:e>
+                          <m:sub>
+                            <m:r>
+                              <a:rPr lang="en-US" altLang="zh-CN" b="0" i="1" smtClean="0">
+                                <a:solidFill>
+                                  <a:schemeClr val="tx1"/>
+                                </a:solidFill>
+                                <a:latin typeface="Cambria Math" panose="02040503050406030204" pitchFamily="18" charset="0"/>
+                              </a:rPr>
+                              <m:t>6</m:t>
+                            </m:r>
+                          </m:sub>
+                        </m:sSub>
+                      </m:oMath>
+                    </m:oMathPara>
+                  </a14:m>
+                  <a:endParaRPr lang="zh-CN" altLang="en-US" dirty="0"/>
+                </a:p>
+              </p:txBody>
+            </p:sp>
+          </mc:Choice>
+          <mc:Fallback xmlns="">
+            <p:sp>
+              <p:nvSpPr>
+                <p:cNvPr id="40" name="矩形: 圆角 39">
+                  <a:extLst>
+                    <a:ext uri="{FF2B5EF4-FFF2-40B4-BE49-F238E27FC236}">
+                      <a16:creationId xmlns:a16="http://schemas.microsoft.com/office/drawing/2014/main" id="{D2E02341-247D-4706-A7A2-D047F7F64BCF}"/>
+                    </a:ext>
+                  </a:extLst>
+                </p:cNvPr>
+                <p:cNvSpPr>
+                  <a:spLocks noRot="1" noChangeAspect="1" noMove="1" noResize="1" noEditPoints="1" noAdjustHandles="1" noChangeArrowheads="1" noChangeShapeType="1" noTextEdit="1"/>
+                </p:cNvSpPr>
+                <p:nvPr/>
+              </p:nvSpPr>
+              <p:spPr>
+                <a:xfrm>
+                  <a:off x="5222240" y="2651760"/>
+                  <a:ext cx="680720" cy="680720"/>
+                </a:xfrm>
+                <a:prstGeom prst="roundRect">
+                  <a:avLst/>
+                </a:prstGeom>
+                <a:blipFill>
+                  <a:blip r:embed="rId13"/>
+                  <a:stretch>
+                    <a:fillRect/>
+                  </a:stretch>
+                </a:blipFill>
+                <a:ln w="19050">
+                  <a:solidFill>
+                    <a:schemeClr val="tx1"/>
+                  </a:solidFill>
+                </a:ln>
+              </p:spPr>
+              <p:txBody>
+                <a:bodyPr/>
+                <a:lstStyle/>
+                <a:p>
+                  <a:r>
+                    <a:rPr lang="zh-CN" altLang="en-US">
+                      <a:noFill/>
+                    </a:rPr>
+                    <a:t> </a:t>
+                  </a:r>
+                </a:p>
+              </p:txBody>
+            </p:sp>
+          </mc:Fallback>
+        </mc:AlternateContent>
+        <p:cxnSp>
+          <p:nvCxnSpPr>
+            <p:cNvPr id="42" name="直接箭头连接符 41">
+              <a:extLst>
+                <a:ext uri="{FF2B5EF4-FFF2-40B4-BE49-F238E27FC236}">
+                  <a16:creationId xmlns:a16="http://schemas.microsoft.com/office/drawing/2014/main" id="{4B17A628-F1BB-4F5D-89DE-3B660A9117C7}"/>
+                </a:ext>
+              </a:extLst>
+            </p:cNvPr>
+            <p:cNvCxnSpPr>
+              <a:stCxn id="21" idx="3"/>
+              <a:endCxn id="40" idx="1"/>
+            </p:cNvCxnSpPr>
+            <p:nvPr/>
+          </p:nvCxnSpPr>
+          <p:spPr>
+            <a:xfrm>
+              <a:off x="4541520" y="2992120"/>
+              <a:ext cx="680720" cy="0"/>
+            </a:xfrm>
+            <a:prstGeom prst="straightConnector1">
+              <a:avLst/>
+            </a:prstGeom>
+            <a:ln w="19050">
+              <a:tailEnd type="triangle"/>
+            </a:ln>
+          </p:spPr>
+          <p:style>
+            <a:lnRef idx="1">
+              <a:schemeClr val="dk1"/>
+            </a:lnRef>
+            <a:fillRef idx="0">
+              <a:schemeClr val="dk1"/>
+            </a:fillRef>
+            <a:effectRef idx="0">
+              <a:schemeClr val="dk1"/>
+            </a:effectRef>
+            <a:fontRef idx="minor">
+              <a:schemeClr val="tx1"/>
+            </a:fontRef>
+          </p:style>
+        </p:cxnSp>
+        <p:cxnSp>
+          <p:nvCxnSpPr>
+            <p:cNvPr id="44" name="直接箭头连接符 43">
+              <a:extLst>
+                <a:ext uri="{FF2B5EF4-FFF2-40B4-BE49-F238E27FC236}">
+                  <a16:creationId xmlns:a16="http://schemas.microsoft.com/office/drawing/2014/main" id="{FCA88FB5-28DB-4A32-82A2-04C7BA299F18}"/>
+                </a:ext>
+              </a:extLst>
+            </p:cNvPr>
+            <p:cNvCxnSpPr>
+              <a:stCxn id="31" idx="3"/>
+              <a:endCxn id="39" idx="1"/>
+            </p:cNvCxnSpPr>
+            <p:nvPr/>
+          </p:nvCxnSpPr>
+          <p:spPr>
+            <a:xfrm>
+              <a:off x="5902960" y="1336040"/>
+              <a:ext cx="955040" cy="822959"/>
+            </a:xfrm>
+            <a:prstGeom prst="straightConnector1">
+              <a:avLst/>
+            </a:prstGeom>
+            <a:ln w="19050">
+              <a:tailEnd type="triangle"/>
+            </a:ln>
+          </p:spPr>
+          <p:style>
+            <a:lnRef idx="1">
+              <a:schemeClr val="dk1"/>
+            </a:lnRef>
+            <a:fillRef idx="0">
+              <a:schemeClr val="dk1"/>
+            </a:fillRef>
+            <a:effectRef idx="0">
+              <a:schemeClr val="dk1"/>
+            </a:effectRef>
+            <a:fontRef idx="minor">
+              <a:schemeClr val="tx1"/>
+            </a:fontRef>
+          </p:style>
+        </p:cxnSp>
+        <p:cxnSp>
+          <p:nvCxnSpPr>
+            <p:cNvPr id="46" name="直接箭头连接符 45">
+              <a:extLst>
+                <a:ext uri="{FF2B5EF4-FFF2-40B4-BE49-F238E27FC236}">
+                  <a16:creationId xmlns:a16="http://schemas.microsoft.com/office/drawing/2014/main" id="{4F9207CE-168A-4568-B58D-30D226EADA28}"/>
+                </a:ext>
+              </a:extLst>
+            </p:cNvPr>
+            <p:cNvCxnSpPr>
+              <a:stCxn id="40" idx="3"/>
+              <a:endCxn id="39" idx="1"/>
+            </p:cNvCxnSpPr>
+            <p:nvPr/>
+          </p:nvCxnSpPr>
+          <p:spPr>
+            <a:xfrm flipV="1">
+              <a:off x="5902960" y="2158999"/>
+              <a:ext cx="955040" cy="833121"/>
+            </a:xfrm>
+            <a:prstGeom prst="straightConnector1">
+              <a:avLst/>
+            </a:prstGeom>
+            <a:ln w="19050">
+              <a:tailEnd type="triangle"/>
+            </a:ln>
+          </p:spPr>
+          <p:style>
+            <a:lnRef idx="1">
+              <a:schemeClr val="dk1"/>
+            </a:lnRef>
+            <a:fillRef idx="0">
+              <a:schemeClr val="dk1"/>
+            </a:fillRef>
+            <a:effectRef idx="0">
+              <a:schemeClr val="dk1"/>
+            </a:effectRef>
+            <a:fontRef idx="minor">
+              <a:schemeClr val="tx1"/>
+            </a:fontRef>
+          </p:style>
+        </p:cxnSp>
+        <p:sp>
+          <p:nvSpPr>
+            <p:cNvPr id="47" name="矩形 46">
+              <a:extLst>
+                <a:ext uri="{FF2B5EF4-FFF2-40B4-BE49-F238E27FC236}">
+                  <a16:creationId xmlns:a16="http://schemas.microsoft.com/office/drawing/2014/main" id="{7DD26855-99FD-4F1B-BA7C-60FD7B33B83B}"/>
+                </a:ext>
+              </a:extLst>
+            </p:cNvPr>
+            <p:cNvSpPr/>
+            <p:nvPr/>
+          </p:nvSpPr>
+          <p:spPr>
+            <a:xfrm>
+              <a:off x="4667250" y="2639060"/>
+              <a:ext cx="434340" cy="462280"/>
+            </a:xfrm>
+            <a:prstGeom prst="rect">
+              <a:avLst/>
+            </a:prstGeom>
+            <a:noFill/>
+            <a:ln>
+              <a:noFill/>
+            </a:ln>
+          </p:spPr>
+          <p:style>
+            <a:lnRef idx="2">
+              <a:schemeClr val="accent1">
+                <a:shade val="50000"/>
+              </a:schemeClr>
+            </a:lnRef>
+            <a:fillRef idx="1">
+              <a:schemeClr val="accent1"/>
+            </a:fillRef>
+            <a:effectRef idx="0">
+              <a:schemeClr val="accent1"/>
+            </a:effectRef>
+            <a:fontRef idx="minor">
+              <a:schemeClr val="lt1"/>
+            </a:fontRef>
+          </p:style>
+          <p:txBody>
+            <a:bodyPr rtlCol="0" anchor="ctr"/>
+            <a:lstStyle/>
+            <a:p>
+              <a:pPr algn="ctr"/>
+              <a:r>
+                <a:rPr lang="en-US" altLang="zh-CN" dirty="0">
+                  <a:solidFill>
+                    <a:schemeClr val="tx1"/>
+                  </a:solidFill>
+                </a:rPr>
+                <a:t>-</a:t>
+              </a:r>
+              <a:endParaRPr lang="zh-CN" altLang="en-US" dirty="0">
+                <a:solidFill>
+                  <a:schemeClr val="tx1"/>
+                </a:solidFill>
+              </a:endParaRPr>
+            </a:p>
+          </p:txBody>
+        </p:sp>
+        <p:sp>
+          <p:nvSpPr>
+            <p:cNvPr id="48" name="矩形 47">
+              <a:extLst>
+                <a:ext uri="{FF2B5EF4-FFF2-40B4-BE49-F238E27FC236}">
+                  <a16:creationId xmlns:a16="http://schemas.microsoft.com/office/drawing/2014/main" id="{0F9C2414-88DF-47DB-BFBA-2EF2FA90CBF5}"/>
+                </a:ext>
+              </a:extLst>
+            </p:cNvPr>
+            <p:cNvSpPr/>
+            <p:nvPr/>
+          </p:nvSpPr>
+          <p:spPr>
+            <a:xfrm>
+              <a:off x="6380480" y="1917700"/>
+              <a:ext cx="434340" cy="462280"/>
+            </a:xfrm>
+            <a:prstGeom prst="rect">
+              <a:avLst/>
+            </a:prstGeom>
+            <a:noFill/>
+            <a:ln>
+              <a:noFill/>
+            </a:ln>
+          </p:spPr>
+          <p:style>
+            <a:lnRef idx="2">
+              <a:schemeClr val="accent1">
+                <a:shade val="50000"/>
+              </a:schemeClr>
+            </a:lnRef>
+            <a:fillRef idx="1">
+              <a:schemeClr val="accent1"/>
+            </a:fillRef>
+            <a:effectRef idx="0">
+              <a:schemeClr val="accent1"/>
+            </a:effectRef>
+            <a:fontRef idx="minor">
+              <a:schemeClr val="lt1"/>
+            </a:fontRef>
+          </p:style>
+          <p:txBody>
+            <a:bodyPr rtlCol="0" anchor="ctr"/>
+            <a:lstStyle/>
+            <a:p>
+              <a:pPr algn="ctr"/>
+              <a:r>
+                <a:rPr lang="en-US" altLang="zh-CN" dirty="0">
+                  <a:solidFill>
+                    <a:schemeClr val="tx1"/>
+                  </a:solidFill>
+                </a:rPr>
+                <a:t>+</a:t>
+              </a:r>
+              <a:endParaRPr lang="zh-CN" altLang="en-US" dirty="0">
+                <a:solidFill>
+                  <a:schemeClr val="tx1"/>
+                </a:solidFill>
+              </a:endParaRPr>
+            </a:p>
+          </p:txBody>
+        </p:sp>
+      </p:grpSp>
+    </p:spTree>
+    <p:extLst>
+      <p:ext uri="{BB962C8B-B14F-4D97-AF65-F5344CB8AC3E}">
+        <p14:creationId xmlns:p14="http://schemas.microsoft.com/office/powerpoint/2010/main" val="4101823178"/>
+      </p:ext>
+    </p:extLst>
+  </p:cSld>
+  <p:clrMapOvr>
+    <a:masterClrMapping/>
+  </p:clrMapOvr>
+</p:sld>
+</file>
+
+<file path=ppt/slides/slide3.xml><?xml version="1.0" encoding="utf-8"?>
+<p:sld xmlns:a="http://schemas.openxmlformats.org/drawingml/2006/main" xmlns:r="http://schemas.openxmlformats.org/officeDocument/2006/relationships" xmlns:p="http://schemas.openxmlformats.org/presentationml/2006/main">
+  <p:cSld>
+    <p:spTree>
+      <p:nvGrpSpPr>
+        <p:cNvPr id="1" name=""/>
+        <p:cNvGrpSpPr/>
+        <p:nvPr/>
+      </p:nvGrpSpPr>
+      <p:grpSpPr>
+        <a:xfrm>
+          <a:off x="0" y="0"/>
+          <a:ext cx="0" cy="0"/>
+          <a:chOff x="0" y="0"/>
+          <a:chExt cx="0" cy="0"/>
+        </a:xfrm>
+      </p:grpSpPr>
+      <p:grpSp>
+        <p:nvGrpSpPr>
+          <p:cNvPr id="86" name="组合 85">
+            <a:extLst>
+              <a:ext uri="{FF2B5EF4-FFF2-40B4-BE49-F238E27FC236}">
+                <a16:creationId xmlns:a16="http://schemas.microsoft.com/office/drawing/2014/main" id="{BFCA8165-1773-41F1-A806-3334EF03A5C6}"/>
+              </a:ext>
+            </a:extLst>
+          </p:cNvPr>
+          <p:cNvGrpSpPr/>
+          <p:nvPr/>
+        </p:nvGrpSpPr>
+        <p:grpSpPr>
+          <a:xfrm>
+            <a:off x="812800" y="692152"/>
+            <a:ext cx="4724400" cy="3742689"/>
+            <a:chOff x="812800" y="692152"/>
+            <a:chExt cx="4724400" cy="3742689"/>
+          </a:xfrm>
+        </p:grpSpPr>
+        <p:cxnSp>
+          <p:nvCxnSpPr>
+            <p:cNvPr id="57" name="连接符: 曲线 56">
+              <a:extLst>
+                <a:ext uri="{FF2B5EF4-FFF2-40B4-BE49-F238E27FC236}">
+                  <a16:creationId xmlns:a16="http://schemas.microsoft.com/office/drawing/2014/main" id="{B3EA4553-9DDB-4380-9999-C0559CCD8A29}"/>
+                </a:ext>
+              </a:extLst>
+            </p:cNvPr>
+            <p:cNvCxnSpPr>
+              <a:stCxn id="5" idx="3"/>
+              <a:endCxn id="28" idx="0"/>
+            </p:cNvCxnSpPr>
+            <p:nvPr/>
+          </p:nvCxnSpPr>
+          <p:spPr>
+            <a:xfrm>
+              <a:off x="1239520" y="2913380"/>
+              <a:ext cx="3495040" cy="241300"/>
+            </a:xfrm>
+            <a:prstGeom prst="curvedConnector2">
+              <a:avLst/>
+            </a:prstGeom>
+            <a:ln w="19050">
+              <a:solidFill>
+                <a:srgbClr val="FF0000"/>
+              </a:solidFill>
+              <a:tailEnd type="triangle"/>
+            </a:ln>
+          </p:spPr>
+          <p:style>
+            <a:lnRef idx="1">
+              <a:schemeClr val="accent1"/>
+            </a:lnRef>
+            <a:fillRef idx="0">
+              <a:schemeClr val="accent1"/>
+            </a:fillRef>
+            <a:effectRef idx="0">
+              <a:schemeClr val="accent1"/>
+            </a:effectRef>
+            <a:fontRef idx="minor">
+              <a:schemeClr val="tx1"/>
+            </a:fontRef>
+          </p:style>
+        </p:cxnSp>
+        <mc:AlternateContent xmlns:mc="http://schemas.openxmlformats.org/markup-compatibility/2006">
+          <mc:Choice xmlns:a14="http://schemas.microsoft.com/office/drawing/2010/main" Requires="a14">
+            <p:sp>
+              <p:nvSpPr>
+                <p:cNvPr id="4" name="矩形: 圆角 3">
+                  <a:extLst>
+                    <a:ext uri="{FF2B5EF4-FFF2-40B4-BE49-F238E27FC236}">
+                      <a16:creationId xmlns:a16="http://schemas.microsoft.com/office/drawing/2014/main" id="{E3BAC634-1B2C-4C27-9598-7D9858608B0E}"/>
+                    </a:ext>
+                  </a:extLst>
+                </p:cNvPr>
+                <p:cNvSpPr/>
+                <p:nvPr/>
+              </p:nvSpPr>
+              <p:spPr>
+                <a:xfrm>
+                  <a:off x="812800" y="1778000"/>
+                  <a:ext cx="426720" cy="462280"/>
+                </a:xfrm>
+                <a:prstGeom prst="roundRect">
+                  <a:avLst/>
+                </a:prstGeom>
+                <a:solidFill>
+                  <a:schemeClr val="bg1"/>
+                </a:solidFill>
+                <a:ln w="19050">
+                  <a:solidFill>
+                    <a:schemeClr val="tx1"/>
+                  </a:solidFill>
+                </a:ln>
+              </p:spPr>
+              <p:style>
+                <a:lnRef idx="2">
+                  <a:schemeClr val="accent1">
+                    <a:shade val="50000"/>
+                  </a:schemeClr>
+                </a:lnRef>
+                <a:fillRef idx="1">
+                  <a:schemeClr val="accent1"/>
+                </a:fillRef>
+                <a:effectRef idx="0">
+                  <a:schemeClr val="accent1"/>
+                </a:effectRef>
+                <a:fontRef idx="minor">
+                  <a:schemeClr val="lt1"/>
+                </a:fontRef>
+              </p:style>
+              <p:txBody>
+                <a:bodyPr rtlCol="0" anchor="ctr"/>
+                <a:lstStyle/>
+                <a:p>
+                  <a:pPr algn="ctr"/>
+                  <a14:m>
+                    <m:oMathPara xmlns:m="http://schemas.openxmlformats.org/officeDocument/2006/math">
+                      <m:oMathParaPr>
+                        <m:jc m:val="centerGroup"/>
+                      </m:oMathParaPr>
+                      <m:oMath xmlns:m="http://schemas.openxmlformats.org/officeDocument/2006/math">
+                        <m:sSub>
+                          <m:sSubPr>
+                            <m:ctrlPr>
+                              <a:rPr lang="en-US" altLang="zh-CN" b="0" i="1" smtClean="0">
+                                <a:solidFill>
+                                  <a:schemeClr val="tx1"/>
+                                </a:solidFill>
+                                <a:latin typeface="Cambria Math" panose="02040503050406030204" pitchFamily="18" charset="0"/>
+                              </a:rPr>
+                            </m:ctrlPr>
+                          </m:sSubPr>
+                          <m:e>
+                            <m:r>
+                              <a:rPr lang="en-US" altLang="zh-CN" b="0" i="1" smtClean="0">
+                                <a:solidFill>
+                                  <a:schemeClr val="tx1"/>
+                                </a:solidFill>
+                                <a:latin typeface="Cambria Math" panose="02040503050406030204" pitchFamily="18" charset="0"/>
+                              </a:rPr>
+                              <m:t>𝑥</m:t>
+                            </m:r>
+                          </m:e>
+                          <m:sub>
+                            <m:r>
+                              <a:rPr lang="en-US" altLang="zh-CN" b="0" i="1" smtClean="0">
+                                <a:solidFill>
+                                  <a:schemeClr val="tx1"/>
+                                </a:solidFill>
+                                <a:latin typeface="Cambria Math" panose="02040503050406030204" pitchFamily="18" charset="0"/>
+                              </a:rPr>
+                              <m:t>1</m:t>
+                            </m:r>
+                          </m:sub>
+                        </m:sSub>
+                      </m:oMath>
+                    </m:oMathPara>
+                  </a14:m>
+                  <a:endParaRPr lang="zh-CN" altLang="en-US" dirty="0">
+                    <a:solidFill>
+                      <a:schemeClr val="tx1"/>
+                    </a:solidFill>
+                  </a:endParaRPr>
+                </a:p>
+              </p:txBody>
+            </p:sp>
+          </mc:Choice>
+          <mc:Fallback>
+            <p:sp>
+              <p:nvSpPr>
+                <p:cNvPr id="4" name="矩形: 圆角 3">
+                  <a:extLst>
+                    <a:ext uri="{FF2B5EF4-FFF2-40B4-BE49-F238E27FC236}">
+                      <a16:creationId xmlns:a16="http://schemas.microsoft.com/office/drawing/2014/main" id="{E3BAC634-1B2C-4C27-9598-7D9858608B0E}"/>
+                    </a:ext>
+                  </a:extLst>
+                </p:cNvPr>
+                <p:cNvSpPr>
+                  <a:spLocks noRot="1" noChangeAspect="1" noMove="1" noResize="1" noEditPoints="1" noAdjustHandles="1" noChangeArrowheads="1" noChangeShapeType="1" noTextEdit="1"/>
+                </p:cNvSpPr>
+                <p:nvPr/>
+              </p:nvSpPr>
+              <p:spPr>
+                <a:xfrm>
+                  <a:off x="812800" y="1778000"/>
+                  <a:ext cx="426720" cy="462280"/>
+                </a:xfrm>
+                <a:prstGeom prst="roundRect">
+                  <a:avLst/>
+                </a:prstGeom>
+                <a:blipFill>
+                  <a:blip r:embed="rId2"/>
+                  <a:stretch>
+                    <a:fillRect/>
+                  </a:stretch>
+                </a:blipFill>
+                <a:ln w="19050">
+                  <a:solidFill>
+                    <a:schemeClr val="tx1"/>
+                  </a:solidFill>
+                </a:ln>
+              </p:spPr>
+              <p:txBody>
+                <a:bodyPr/>
+                <a:lstStyle/>
+                <a:p>
+                  <a:r>
+                    <a:rPr lang="zh-CN" altLang="en-US">
+                      <a:noFill/>
+                    </a:rPr>
+                    <a:t> </a:t>
+                  </a:r>
+                </a:p>
+              </p:txBody>
+            </p:sp>
+          </mc:Fallback>
+        </mc:AlternateContent>
+        <mc:AlternateContent xmlns:mc="http://schemas.openxmlformats.org/markup-compatibility/2006">
+          <mc:Choice xmlns:a14="http://schemas.microsoft.com/office/drawing/2010/main" Requires="a14">
+            <p:sp>
+              <p:nvSpPr>
+                <p:cNvPr id="5" name="矩形: 圆角 4">
+                  <a:extLst>
+                    <a:ext uri="{FF2B5EF4-FFF2-40B4-BE49-F238E27FC236}">
+                      <a16:creationId xmlns:a16="http://schemas.microsoft.com/office/drawing/2014/main" id="{04A4D580-036C-479D-BA5C-B477545568CB}"/>
+                    </a:ext>
+                  </a:extLst>
+                </p:cNvPr>
+                <p:cNvSpPr/>
+                <p:nvPr/>
+              </p:nvSpPr>
+              <p:spPr>
+                <a:xfrm>
+                  <a:off x="812800" y="2682240"/>
+                  <a:ext cx="426720" cy="462280"/>
+                </a:xfrm>
+                <a:prstGeom prst="roundRect">
+                  <a:avLst/>
+                </a:prstGeom>
+                <a:solidFill>
+                  <a:schemeClr val="bg1"/>
+                </a:solidFill>
+                <a:ln w="19050">
+                  <a:solidFill>
+                    <a:schemeClr val="tx1"/>
+                  </a:solidFill>
+                </a:ln>
+              </p:spPr>
+              <p:style>
+                <a:lnRef idx="2">
+                  <a:schemeClr val="accent1">
+                    <a:shade val="50000"/>
+                  </a:schemeClr>
+                </a:lnRef>
+                <a:fillRef idx="1">
+                  <a:schemeClr val="accent1"/>
+                </a:fillRef>
+                <a:effectRef idx="0">
+                  <a:schemeClr val="accent1"/>
+                </a:effectRef>
+                <a:fontRef idx="minor">
+                  <a:schemeClr val="lt1"/>
+                </a:fontRef>
+              </p:style>
+              <p:txBody>
+                <a:bodyPr rtlCol="0" anchor="ctr"/>
+                <a:lstStyle/>
+                <a:p>
+                  <a:pPr algn="ctr"/>
+                  <a14:m>
+                    <m:oMathPara xmlns:m="http://schemas.openxmlformats.org/officeDocument/2006/math">
+                      <m:oMathParaPr>
+                        <m:jc m:val="centerGroup"/>
+                      </m:oMathParaPr>
+                      <m:oMath xmlns:m="http://schemas.openxmlformats.org/officeDocument/2006/math">
+                        <m:sSub>
+                          <m:sSubPr>
+                            <m:ctrlPr>
+                              <a:rPr lang="en-US" altLang="zh-CN" b="0" i="1" smtClean="0">
+                                <a:solidFill>
+                                  <a:schemeClr val="tx1"/>
+                                </a:solidFill>
+                                <a:latin typeface="Cambria Math" panose="02040503050406030204" pitchFamily="18" charset="0"/>
+                              </a:rPr>
+                            </m:ctrlPr>
+                          </m:sSubPr>
+                          <m:e>
+                            <m:r>
+                              <a:rPr lang="en-US" altLang="zh-CN" b="0" i="1" smtClean="0">
+                                <a:solidFill>
+                                  <a:schemeClr val="tx1"/>
+                                </a:solidFill>
+                                <a:latin typeface="Cambria Math" panose="02040503050406030204" pitchFamily="18" charset="0"/>
+                              </a:rPr>
+                              <m:t>𝑥</m:t>
+                            </m:r>
+                          </m:e>
+                          <m:sub>
+                            <m:r>
+                              <a:rPr lang="en-US" altLang="zh-CN" b="0" i="1" smtClean="0">
+                                <a:solidFill>
+                                  <a:schemeClr val="tx1"/>
+                                </a:solidFill>
+                                <a:latin typeface="Cambria Math" panose="02040503050406030204" pitchFamily="18" charset="0"/>
+                              </a:rPr>
+                              <m:t>2</m:t>
+                            </m:r>
+                          </m:sub>
+                        </m:sSub>
+                      </m:oMath>
+                    </m:oMathPara>
+                  </a14:m>
+                  <a:endParaRPr lang="zh-CN" altLang="en-US" dirty="0">
+                    <a:solidFill>
+                      <a:schemeClr val="tx1"/>
+                    </a:solidFill>
+                  </a:endParaRPr>
+                </a:p>
+              </p:txBody>
+            </p:sp>
+          </mc:Choice>
+          <mc:Fallback>
+            <p:sp>
+              <p:nvSpPr>
+                <p:cNvPr id="5" name="矩形: 圆角 4">
+                  <a:extLst>
+                    <a:ext uri="{FF2B5EF4-FFF2-40B4-BE49-F238E27FC236}">
+                      <a16:creationId xmlns:a16="http://schemas.microsoft.com/office/drawing/2014/main" id="{04A4D580-036C-479D-BA5C-B477545568CB}"/>
+                    </a:ext>
+                  </a:extLst>
+                </p:cNvPr>
+                <p:cNvSpPr>
+                  <a:spLocks noRot="1" noChangeAspect="1" noMove="1" noResize="1" noEditPoints="1" noAdjustHandles="1" noChangeArrowheads="1" noChangeShapeType="1" noTextEdit="1"/>
+                </p:cNvSpPr>
+                <p:nvPr/>
+              </p:nvSpPr>
+              <p:spPr>
+                <a:xfrm>
+                  <a:off x="812800" y="2682240"/>
+                  <a:ext cx="426720" cy="462280"/>
+                </a:xfrm>
+                <a:prstGeom prst="roundRect">
+                  <a:avLst/>
+                </a:prstGeom>
+                <a:blipFill>
+                  <a:blip r:embed="rId3"/>
+                  <a:stretch>
+                    <a:fillRect/>
+                  </a:stretch>
+                </a:blipFill>
+                <a:ln w="19050">
+                  <a:solidFill>
+                    <a:schemeClr val="tx1"/>
+                  </a:solidFill>
+                </a:ln>
+              </p:spPr>
+              <p:txBody>
+                <a:bodyPr/>
+                <a:lstStyle/>
+                <a:p>
+                  <a:r>
+                    <a:rPr lang="zh-CN" altLang="en-US">
+                      <a:noFill/>
+                    </a:rPr>
+                    <a:t> </a:t>
+                  </a:r>
+                </a:p>
+              </p:txBody>
+            </p:sp>
+          </mc:Fallback>
+        </mc:AlternateContent>
+        <mc:AlternateContent xmlns:mc="http://schemas.openxmlformats.org/markup-compatibility/2006">
+          <mc:Choice xmlns:a14="http://schemas.microsoft.com/office/drawing/2010/main" Requires="a14">
+            <p:sp>
+              <p:nvSpPr>
+                <p:cNvPr id="6" name="矩形 5">
+                  <a:extLst>
+                    <a:ext uri="{FF2B5EF4-FFF2-40B4-BE49-F238E27FC236}">
+                      <a16:creationId xmlns:a16="http://schemas.microsoft.com/office/drawing/2014/main" id="{C0CE2890-0B01-42D5-97E8-D5034255B06B}"/>
+                    </a:ext>
+                  </a:extLst>
+                </p:cNvPr>
+                <p:cNvSpPr/>
+                <p:nvPr/>
+              </p:nvSpPr>
+              <p:spPr>
+                <a:xfrm>
+                  <a:off x="1016000" y="2240280"/>
+                  <a:ext cx="528320" cy="355600"/>
+                </a:xfrm>
+                <a:prstGeom prst="rect">
+                  <a:avLst/>
+                </a:prstGeom>
+                <a:noFill/>
+                <a:ln>
+                  <a:noFill/>
+                </a:ln>
+              </p:spPr>
+              <p:style>
+                <a:lnRef idx="2">
+                  <a:schemeClr val="accent1">
+                    <a:shade val="50000"/>
+                  </a:schemeClr>
+                </a:lnRef>
+                <a:fillRef idx="1">
+                  <a:schemeClr val="accent1"/>
+                </a:fillRef>
+                <a:effectRef idx="0">
+                  <a:schemeClr val="accent1"/>
+                </a:effectRef>
+                <a:fontRef idx="minor">
+                  <a:schemeClr val="lt1"/>
+                </a:fontRef>
+              </p:style>
+              <p:txBody>
+                <a:bodyPr rtlCol="0" anchor="ctr"/>
+                <a:lstStyle/>
+                <a:p>
+                  <a:pPr algn="ctr"/>
+                  <a14:m>
+                    <m:oMathPara xmlns:m="http://schemas.openxmlformats.org/officeDocument/2006/math">
+                      <m:oMathParaPr>
+                        <m:jc m:val="centerGroup"/>
+                      </m:oMathParaPr>
+                      <m:oMath xmlns:m="http://schemas.openxmlformats.org/officeDocument/2006/math">
+                        <m:r>
+                          <m:rPr>
+                            <m:sty m:val="p"/>
+                          </m:rPr>
+                          <a:rPr lang="en-US" altLang="zh-CN" i="1" dirty="0">
+                            <a:solidFill>
+                              <a:schemeClr val="tx1"/>
+                            </a:solidFill>
+                            <a:latin typeface="Cambria Math" panose="02040503050406030204" pitchFamily="18" charset="0"/>
+                          </a:rPr>
+                          <m:t>e</m:t>
+                        </m:r>
+                        <m:r>
+                          <a:rPr lang="en-US" altLang="zh-CN" b="0" i="1" dirty="0" smtClean="0">
+                            <a:solidFill>
+                              <a:schemeClr val="tx1"/>
+                            </a:solidFill>
+                            <a:latin typeface="Cambria Math" panose="02040503050406030204" pitchFamily="18" charset="0"/>
+                          </a:rPr>
+                          <m:t>𝑥𝑝</m:t>
+                        </m:r>
+                        <m:r>
+                          <a:rPr lang="zh-CN" altLang="en-US" i="1" dirty="0" smtClean="0">
+                            <a:solidFill>
+                              <a:schemeClr val="tx1"/>
+                            </a:solidFill>
+                            <a:latin typeface="Cambria Math" panose="02040503050406030204" pitchFamily="18" charset="0"/>
+                          </a:rPr>
+                          <m:t>⁡</m:t>
+                        </m:r>
+                      </m:oMath>
+                    </m:oMathPara>
+                  </a14:m>
+                  <a:endParaRPr lang="zh-CN" altLang="en-US" dirty="0">
+                    <a:solidFill>
+                      <a:schemeClr val="tx1"/>
+                    </a:solidFill>
+                  </a:endParaRPr>
+                </a:p>
+              </p:txBody>
+            </p:sp>
+          </mc:Choice>
+          <mc:Fallback>
+            <p:sp>
+              <p:nvSpPr>
+                <p:cNvPr id="6" name="矩形 5">
+                  <a:extLst>
+                    <a:ext uri="{FF2B5EF4-FFF2-40B4-BE49-F238E27FC236}">
+                      <a16:creationId xmlns:a16="http://schemas.microsoft.com/office/drawing/2014/main" id="{C0CE2890-0B01-42D5-97E8-D5034255B06B}"/>
+                    </a:ext>
+                  </a:extLst>
+                </p:cNvPr>
+                <p:cNvSpPr>
+                  <a:spLocks noRot="1" noChangeAspect="1" noMove="1" noResize="1" noEditPoints="1" noAdjustHandles="1" noChangeArrowheads="1" noChangeShapeType="1" noTextEdit="1"/>
+                </p:cNvSpPr>
+                <p:nvPr/>
+              </p:nvSpPr>
+              <p:spPr>
+                <a:xfrm>
+                  <a:off x="1016000" y="2240280"/>
+                  <a:ext cx="528320" cy="355600"/>
+                </a:xfrm>
+                <a:prstGeom prst="rect">
+                  <a:avLst/>
+                </a:prstGeom>
+                <a:blipFill>
+                  <a:blip r:embed="rId4"/>
+                  <a:stretch>
+                    <a:fillRect l="-6977" b="-8621"/>
+                  </a:stretch>
+                </a:blipFill>
+                <a:ln>
+                  <a:noFill/>
+                </a:ln>
+              </p:spPr>
+              <p:txBody>
+                <a:bodyPr/>
+                <a:lstStyle/>
+                <a:p>
+                  <a:r>
+                    <a:rPr lang="zh-CN" altLang="en-US">
+                      <a:noFill/>
+                    </a:rPr>
+                    <a:t> </a:t>
+                  </a:r>
+                </a:p>
+              </p:txBody>
+            </p:sp>
+          </mc:Fallback>
+        </mc:AlternateContent>
+        <p:cxnSp>
+          <p:nvCxnSpPr>
+            <p:cNvPr id="8" name="直接箭头连接符 7">
+              <a:extLst>
+                <a:ext uri="{FF2B5EF4-FFF2-40B4-BE49-F238E27FC236}">
+                  <a16:creationId xmlns:a16="http://schemas.microsoft.com/office/drawing/2014/main" id="{DFCF0407-9341-48AD-B868-81A344397A9D}"/>
+                </a:ext>
+              </a:extLst>
+            </p:cNvPr>
+            <p:cNvCxnSpPr>
+              <a:stCxn id="4" idx="2"/>
+              <a:endCxn id="5" idx="0"/>
+            </p:cNvCxnSpPr>
+            <p:nvPr/>
+          </p:nvCxnSpPr>
+          <p:spPr>
+            <a:xfrm>
+              <a:off x="1026160" y="2240280"/>
+              <a:ext cx="0" cy="441960"/>
+            </a:xfrm>
+            <a:prstGeom prst="straightConnector1">
+              <a:avLst/>
+            </a:prstGeom>
+            <a:ln w="19050">
+              <a:tailEnd type="triangle"/>
+            </a:ln>
+          </p:spPr>
+          <p:style>
+            <a:lnRef idx="1">
+              <a:schemeClr val="dk1"/>
+            </a:lnRef>
+            <a:fillRef idx="0">
+              <a:schemeClr val="dk1"/>
+            </a:fillRef>
+            <a:effectRef idx="0">
+              <a:schemeClr val="dk1"/>
+            </a:effectRef>
+            <a:fontRef idx="minor">
+              <a:schemeClr val="tx1"/>
+            </a:fontRef>
+          </p:style>
+        </p:cxnSp>
+        <mc:AlternateContent xmlns:mc="http://schemas.openxmlformats.org/markup-compatibility/2006">
+          <mc:Choice xmlns:a14="http://schemas.microsoft.com/office/drawing/2010/main" Requires="a14">
+            <p:sp>
+              <p:nvSpPr>
+                <p:cNvPr id="10" name="矩形: 圆角 9">
+                  <a:extLst>
+                    <a:ext uri="{FF2B5EF4-FFF2-40B4-BE49-F238E27FC236}">
+                      <a16:creationId xmlns:a16="http://schemas.microsoft.com/office/drawing/2014/main" id="{2E68877D-2445-4294-903B-4FC527AB7414}"/>
+                    </a:ext>
+                  </a:extLst>
+                </p:cNvPr>
+                <p:cNvSpPr/>
+                <p:nvPr/>
+              </p:nvSpPr>
+              <p:spPr>
+                <a:xfrm>
+                  <a:off x="1828800" y="2090420"/>
+                  <a:ext cx="426720" cy="462280"/>
+                </a:xfrm>
+                <a:prstGeom prst="roundRect">
+                  <a:avLst/>
+                </a:prstGeom>
+                <a:solidFill>
+                  <a:schemeClr val="bg1"/>
+                </a:solidFill>
+                <a:ln w="19050">
+                  <a:solidFill>
+                    <a:schemeClr val="tx1"/>
+                  </a:solidFill>
+                </a:ln>
+              </p:spPr>
+              <p:style>
+                <a:lnRef idx="2">
+                  <a:schemeClr val="accent1">
+                    <a:shade val="50000"/>
+                  </a:schemeClr>
+                </a:lnRef>
+                <a:fillRef idx="1">
+                  <a:schemeClr val="accent1"/>
+                </a:fillRef>
+                <a:effectRef idx="0">
+                  <a:schemeClr val="accent1"/>
+                </a:effectRef>
+                <a:fontRef idx="minor">
+                  <a:schemeClr val="lt1"/>
+                </a:fontRef>
+              </p:style>
+              <p:txBody>
+                <a:bodyPr rtlCol="0" anchor="ctr"/>
+                <a:lstStyle/>
+                <a:p>
+                  <a:pPr algn="ctr"/>
+                  <a14:m>
+                    <m:oMathPara xmlns:m="http://schemas.openxmlformats.org/officeDocument/2006/math">
+                      <m:oMathParaPr>
+                        <m:jc m:val="centerGroup"/>
+                      </m:oMathParaPr>
+                      <m:oMath xmlns:m="http://schemas.openxmlformats.org/officeDocument/2006/math">
+                        <m:r>
+                          <a:rPr lang="en-US" altLang="zh-CN" i="1" dirty="0" smtClean="0">
+                            <a:solidFill>
+                              <a:schemeClr val="tx1"/>
+                            </a:solidFill>
+                            <a:latin typeface="Cambria Math" panose="02040503050406030204" pitchFamily="18" charset="0"/>
+                          </a:rPr>
+                          <m:t>1</m:t>
+                        </m:r>
+                      </m:oMath>
+                    </m:oMathPara>
+                  </a14:m>
+                  <a:endParaRPr lang="zh-CN" altLang="en-US" dirty="0">
+                    <a:solidFill>
+                      <a:schemeClr val="tx1"/>
+                    </a:solidFill>
+                  </a:endParaRPr>
+                </a:p>
+              </p:txBody>
+            </p:sp>
+          </mc:Choice>
+          <mc:Fallback>
+            <p:sp>
+              <p:nvSpPr>
+                <p:cNvPr id="10" name="矩形: 圆角 9">
+                  <a:extLst>
+                    <a:ext uri="{FF2B5EF4-FFF2-40B4-BE49-F238E27FC236}">
+                      <a16:creationId xmlns:a16="http://schemas.microsoft.com/office/drawing/2014/main" id="{2E68877D-2445-4294-903B-4FC527AB7414}"/>
+                    </a:ext>
+                  </a:extLst>
+                </p:cNvPr>
+                <p:cNvSpPr>
+                  <a:spLocks noRot="1" noChangeAspect="1" noMove="1" noResize="1" noEditPoints="1" noAdjustHandles="1" noChangeArrowheads="1" noChangeShapeType="1" noTextEdit="1"/>
+                </p:cNvSpPr>
+                <p:nvPr/>
+              </p:nvSpPr>
+              <p:spPr>
+                <a:xfrm>
+                  <a:off x="1828800" y="2090420"/>
+                  <a:ext cx="426720" cy="462280"/>
+                </a:xfrm>
+                <a:prstGeom prst="roundRect">
+                  <a:avLst/>
+                </a:prstGeom>
+                <a:blipFill>
+                  <a:blip r:embed="rId5"/>
+                  <a:stretch>
+                    <a:fillRect/>
+                  </a:stretch>
+                </a:blipFill>
+                <a:ln w="19050">
+                  <a:solidFill>
+                    <a:schemeClr val="tx1"/>
+                  </a:solidFill>
+                </a:ln>
+              </p:spPr>
+              <p:txBody>
+                <a:bodyPr/>
+                <a:lstStyle/>
+                <a:p>
+                  <a:r>
+                    <a:rPr lang="zh-CN" altLang="en-US">
+                      <a:noFill/>
+                    </a:rPr>
+                    <a:t> </a:t>
+                  </a:r>
+                </a:p>
+              </p:txBody>
+            </p:sp>
+          </mc:Fallback>
+        </mc:AlternateContent>
+        <mc:AlternateContent xmlns:mc="http://schemas.openxmlformats.org/markup-compatibility/2006">
+          <mc:Choice xmlns:a14="http://schemas.microsoft.com/office/drawing/2010/main" Requires="a14">
+            <p:sp>
+              <p:nvSpPr>
+                <p:cNvPr id="11" name="矩形: 圆角 10">
+                  <a:extLst>
+                    <a:ext uri="{FF2B5EF4-FFF2-40B4-BE49-F238E27FC236}">
+                      <a16:creationId xmlns:a16="http://schemas.microsoft.com/office/drawing/2014/main" id="{3EA8E2AC-343C-479C-BB13-0D90F94CA6F1}"/>
+                    </a:ext>
+                  </a:extLst>
+                </p:cNvPr>
+                <p:cNvSpPr/>
+                <p:nvPr/>
+              </p:nvSpPr>
+              <p:spPr>
+                <a:xfrm>
+                  <a:off x="1828800" y="3144520"/>
+                  <a:ext cx="426720" cy="462280"/>
+                </a:xfrm>
+                <a:prstGeom prst="roundRect">
+                  <a:avLst/>
+                </a:prstGeom>
+                <a:solidFill>
+                  <a:schemeClr val="bg1"/>
+                </a:solidFill>
+                <a:ln w="19050">
+                  <a:solidFill>
+                    <a:schemeClr val="tx1"/>
+                  </a:solidFill>
+                </a:ln>
+              </p:spPr>
+              <p:style>
+                <a:lnRef idx="2">
+                  <a:schemeClr val="accent1">
+                    <a:shade val="50000"/>
+                  </a:schemeClr>
+                </a:lnRef>
+                <a:fillRef idx="1">
+                  <a:schemeClr val="accent1"/>
+                </a:fillRef>
+                <a:effectRef idx="0">
+                  <a:schemeClr val="accent1"/>
+                </a:effectRef>
+                <a:fontRef idx="minor">
+                  <a:schemeClr val="lt1"/>
+                </a:fontRef>
+              </p:style>
+              <p:txBody>
+                <a:bodyPr rtlCol="0" anchor="ctr"/>
+                <a:lstStyle/>
+                <a:p>
+                  <a:pPr algn="ctr"/>
+                  <a14:m>
+                    <m:oMathPara xmlns:m="http://schemas.openxmlformats.org/officeDocument/2006/math">
+                      <m:oMathParaPr>
+                        <m:jc m:val="centerGroup"/>
+                      </m:oMathParaPr>
+                      <m:oMath xmlns:m="http://schemas.openxmlformats.org/officeDocument/2006/math">
+                        <m:sSub>
+                          <m:sSubPr>
+                            <m:ctrlPr>
+                              <a:rPr lang="en-US" altLang="zh-CN" b="0" i="1" smtClean="0">
+                                <a:solidFill>
+                                  <a:schemeClr val="tx1"/>
+                                </a:solidFill>
+                                <a:latin typeface="Cambria Math" panose="02040503050406030204" pitchFamily="18" charset="0"/>
+                              </a:rPr>
+                            </m:ctrlPr>
+                          </m:sSubPr>
+                          <m:e>
+                            <m:r>
+                              <a:rPr lang="en-US" altLang="zh-CN" b="0" i="1" smtClean="0">
+                                <a:solidFill>
+                                  <a:schemeClr val="tx1"/>
+                                </a:solidFill>
+                                <a:latin typeface="Cambria Math" panose="02040503050406030204" pitchFamily="18" charset="0"/>
+                              </a:rPr>
+                              <m:t>𝑥</m:t>
+                            </m:r>
+                          </m:e>
+                          <m:sub>
+                            <m:r>
+                              <a:rPr lang="en-US" altLang="zh-CN" b="0" i="1" smtClean="0">
+                                <a:solidFill>
+                                  <a:schemeClr val="tx1"/>
+                                </a:solidFill>
+                                <a:latin typeface="Cambria Math" panose="02040503050406030204" pitchFamily="18" charset="0"/>
+                              </a:rPr>
+                              <m:t>3</m:t>
+                            </m:r>
+                          </m:sub>
+                        </m:sSub>
+                      </m:oMath>
+                    </m:oMathPara>
+                  </a14:m>
+                  <a:endParaRPr lang="zh-CN" altLang="en-US" dirty="0">
+                    <a:solidFill>
+                      <a:schemeClr val="tx1"/>
+                    </a:solidFill>
+                  </a:endParaRPr>
+                </a:p>
+              </p:txBody>
+            </p:sp>
+          </mc:Choice>
+          <mc:Fallback>
+            <p:sp>
+              <p:nvSpPr>
+                <p:cNvPr id="11" name="矩形: 圆角 10">
+                  <a:extLst>
+                    <a:ext uri="{FF2B5EF4-FFF2-40B4-BE49-F238E27FC236}">
+                      <a16:creationId xmlns:a16="http://schemas.microsoft.com/office/drawing/2014/main" id="{3EA8E2AC-343C-479C-BB13-0D90F94CA6F1}"/>
+                    </a:ext>
+                  </a:extLst>
+                </p:cNvPr>
+                <p:cNvSpPr>
+                  <a:spLocks noRot="1" noChangeAspect="1" noMove="1" noResize="1" noEditPoints="1" noAdjustHandles="1" noChangeArrowheads="1" noChangeShapeType="1" noTextEdit="1"/>
+                </p:cNvSpPr>
+                <p:nvPr/>
+              </p:nvSpPr>
+              <p:spPr>
+                <a:xfrm>
+                  <a:off x="1828800" y="3144520"/>
+                  <a:ext cx="426720" cy="462280"/>
+                </a:xfrm>
+                <a:prstGeom prst="roundRect">
+                  <a:avLst/>
+                </a:prstGeom>
+                <a:blipFill>
+                  <a:blip r:embed="rId6"/>
+                  <a:stretch>
+                    <a:fillRect/>
+                  </a:stretch>
+                </a:blipFill>
+                <a:ln w="19050">
+                  <a:solidFill>
+                    <a:schemeClr val="tx1"/>
+                  </a:solidFill>
+                </a:ln>
+              </p:spPr>
+              <p:txBody>
+                <a:bodyPr/>
+                <a:lstStyle/>
+                <a:p>
+                  <a:r>
+                    <a:rPr lang="zh-CN" altLang="en-US">
+                      <a:noFill/>
+                    </a:rPr>
+                    <a:t> </a:t>
+                  </a:r>
+                </a:p>
+              </p:txBody>
+            </p:sp>
+          </mc:Fallback>
+        </mc:AlternateContent>
+        <p:cxnSp>
+          <p:nvCxnSpPr>
+            <p:cNvPr id="13" name="直接箭头连接符 12">
+              <a:extLst>
+                <a:ext uri="{FF2B5EF4-FFF2-40B4-BE49-F238E27FC236}">
+                  <a16:creationId xmlns:a16="http://schemas.microsoft.com/office/drawing/2014/main" id="{C286A369-F6FD-471B-A381-B41FA5822452}"/>
+                </a:ext>
+              </a:extLst>
+            </p:cNvPr>
+            <p:cNvCxnSpPr>
+              <a:stCxn id="10" idx="2"/>
+              <a:endCxn id="11" idx="0"/>
+            </p:cNvCxnSpPr>
+            <p:nvPr/>
+          </p:nvCxnSpPr>
+          <p:spPr>
+            <a:xfrm>
+              <a:off x="2042160" y="2552700"/>
+              <a:ext cx="0" cy="591820"/>
+            </a:xfrm>
+            <a:prstGeom prst="straightConnector1">
+              <a:avLst/>
+            </a:prstGeom>
+            <a:ln w="19050">
+              <a:tailEnd type="triangle"/>
+            </a:ln>
+          </p:spPr>
+          <p:style>
+            <a:lnRef idx="1">
+              <a:schemeClr val="dk1"/>
+            </a:lnRef>
+            <a:fillRef idx="0">
+              <a:schemeClr val="dk1"/>
+            </a:fillRef>
+            <a:effectRef idx="0">
+              <a:schemeClr val="dk1"/>
+            </a:effectRef>
+            <a:fontRef idx="minor">
+              <a:schemeClr val="tx1"/>
+            </a:fontRef>
+          </p:style>
+        </p:cxnSp>
+        <p:cxnSp>
+          <p:nvCxnSpPr>
+            <p:cNvPr id="15" name="直接箭头连接符 14">
+              <a:extLst>
+                <a:ext uri="{FF2B5EF4-FFF2-40B4-BE49-F238E27FC236}">
+                  <a16:creationId xmlns:a16="http://schemas.microsoft.com/office/drawing/2014/main" id="{9AEDFB37-6E24-4A55-ACB4-43816D8123BD}"/>
+                </a:ext>
+              </a:extLst>
+            </p:cNvPr>
+            <p:cNvCxnSpPr>
+              <a:stCxn id="5" idx="3"/>
+              <a:endCxn id="11" idx="0"/>
+            </p:cNvCxnSpPr>
+            <p:nvPr/>
+          </p:nvCxnSpPr>
+          <p:spPr>
+            <a:xfrm>
+              <a:off x="1239520" y="2913380"/>
+              <a:ext cx="802640" cy="231140"/>
+            </a:xfrm>
+            <a:prstGeom prst="straightConnector1">
+              <a:avLst/>
+            </a:prstGeom>
+            <a:ln w="19050">
+              <a:tailEnd type="triangle"/>
+            </a:ln>
+          </p:spPr>
+          <p:style>
+            <a:lnRef idx="1">
+              <a:schemeClr val="dk1"/>
+            </a:lnRef>
+            <a:fillRef idx="0">
+              <a:schemeClr val="dk1"/>
+            </a:fillRef>
+            <a:effectRef idx="0">
+              <a:schemeClr val="dk1"/>
+            </a:effectRef>
+            <a:fontRef idx="minor">
+              <a:schemeClr val="tx1"/>
+            </a:fontRef>
+          </p:style>
+        </p:cxnSp>
+        <mc:AlternateContent xmlns:mc="http://schemas.openxmlformats.org/markup-compatibility/2006">
+          <mc:Choice xmlns:a14="http://schemas.microsoft.com/office/drawing/2010/main" Requires="a14">
+            <p:sp>
+              <p:nvSpPr>
+                <p:cNvPr id="16" name="矩形 15">
+                  <a:extLst>
+                    <a:ext uri="{FF2B5EF4-FFF2-40B4-BE49-F238E27FC236}">
+                      <a16:creationId xmlns:a16="http://schemas.microsoft.com/office/drawing/2014/main" id="{33BCF9A1-8758-431F-8F9B-FDADCD3889A2}"/>
+                    </a:ext>
+                  </a:extLst>
+                </p:cNvPr>
+                <p:cNvSpPr/>
+                <p:nvPr/>
+              </p:nvSpPr>
+              <p:spPr>
+                <a:xfrm>
+                  <a:off x="1732280" y="2827020"/>
+                  <a:ext cx="528320" cy="355600"/>
+                </a:xfrm>
+                <a:prstGeom prst="rect">
+                  <a:avLst/>
+                </a:prstGeom>
+                <a:noFill/>
+                <a:ln>
+                  <a:noFill/>
+                </a:ln>
+              </p:spPr>
+              <p:style>
+                <a:lnRef idx="2">
+                  <a:schemeClr val="accent1">
+                    <a:shade val="50000"/>
+                  </a:schemeClr>
+                </a:lnRef>
+                <a:fillRef idx="1">
+                  <a:schemeClr val="accent1"/>
+                </a:fillRef>
+                <a:effectRef idx="0">
+                  <a:schemeClr val="accent1"/>
+                </a:effectRef>
+                <a:fontRef idx="minor">
+                  <a:schemeClr val="lt1"/>
+                </a:fontRef>
+              </p:style>
+              <p:txBody>
+                <a:bodyPr rtlCol="0" anchor="ctr"/>
+                <a:lstStyle/>
+                <a:p>
+                  <a:pPr algn="ctr"/>
+                  <a14:m>
+                    <m:oMathPara xmlns:m="http://schemas.openxmlformats.org/officeDocument/2006/math">
+                      <m:oMathParaPr>
+                        <m:jc m:val="centerGroup"/>
+                      </m:oMathParaPr>
+                      <m:oMath xmlns:m="http://schemas.openxmlformats.org/officeDocument/2006/math">
+                        <m:r>
+                          <a:rPr lang="en-US" altLang="zh-CN" i="1" dirty="0" smtClean="0">
+                            <a:solidFill>
+                              <a:schemeClr val="tx1"/>
+                            </a:solidFill>
+                            <a:latin typeface="Cambria Math" panose="02040503050406030204" pitchFamily="18" charset="0"/>
+                          </a:rPr>
+                          <m:t>+</m:t>
+                        </m:r>
+                        <m:r>
+                          <a:rPr lang="zh-CN" altLang="en-US" i="1" dirty="0" smtClean="0">
+                            <a:solidFill>
+                              <a:schemeClr val="tx1"/>
+                            </a:solidFill>
+                            <a:latin typeface="Cambria Math" panose="02040503050406030204" pitchFamily="18" charset="0"/>
+                          </a:rPr>
+                          <m:t>⁡</m:t>
+                        </m:r>
+                      </m:oMath>
+                    </m:oMathPara>
+                  </a14:m>
+                  <a:endParaRPr lang="zh-CN" altLang="en-US" dirty="0">
+                    <a:solidFill>
+                      <a:schemeClr val="tx1"/>
+                    </a:solidFill>
+                  </a:endParaRPr>
+                </a:p>
+              </p:txBody>
+            </p:sp>
+          </mc:Choice>
+          <mc:Fallback>
+            <p:sp>
+              <p:nvSpPr>
+                <p:cNvPr id="16" name="矩形 15">
+                  <a:extLst>
+                    <a:ext uri="{FF2B5EF4-FFF2-40B4-BE49-F238E27FC236}">
+                      <a16:creationId xmlns:a16="http://schemas.microsoft.com/office/drawing/2014/main" id="{33BCF9A1-8758-431F-8F9B-FDADCD3889A2}"/>
+                    </a:ext>
+                  </a:extLst>
+                </p:cNvPr>
+                <p:cNvSpPr>
+                  <a:spLocks noRot="1" noChangeAspect="1" noMove="1" noResize="1" noEditPoints="1" noAdjustHandles="1" noChangeArrowheads="1" noChangeShapeType="1" noTextEdit="1"/>
+                </p:cNvSpPr>
+                <p:nvPr/>
+              </p:nvSpPr>
+              <p:spPr>
+                <a:xfrm>
+                  <a:off x="1732280" y="2827020"/>
+                  <a:ext cx="528320" cy="355600"/>
+                </a:xfrm>
+                <a:prstGeom prst="rect">
+                  <a:avLst/>
+                </a:prstGeom>
+                <a:blipFill>
+                  <a:blip r:embed="rId7"/>
+                  <a:stretch>
+                    <a:fillRect/>
+                  </a:stretch>
+                </a:blipFill>
+                <a:ln>
+                  <a:noFill/>
+                </a:ln>
+              </p:spPr>
+              <p:txBody>
+                <a:bodyPr/>
+                <a:lstStyle/>
+                <a:p>
+                  <a:r>
+                    <a:rPr lang="zh-CN" altLang="en-US">
+                      <a:noFill/>
+                    </a:rPr>
+                    <a:t> </a:t>
+                  </a:r>
+                </a:p>
+              </p:txBody>
+            </p:sp>
+          </mc:Fallback>
+        </mc:AlternateContent>
+        <mc:AlternateContent xmlns:mc="http://schemas.openxmlformats.org/markup-compatibility/2006">
+          <mc:Choice xmlns:a14="http://schemas.microsoft.com/office/drawing/2010/main" Requires="a14">
+            <p:sp>
+              <p:nvSpPr>
+                <p:cNvPr id="19" name="矩形: 圆角 18">
+                  <a:extLst>
+                    <a:ext uri="{FF2B5EF4-FFF2-40B4-BE49-F238E27FC236}">
+                      <a16:creationId xmlns:a16="http://schemas.microsoft.com/office/drawing/2014/main" id="{14EEA22C-4152-462B-A0DD-C768E753E965}"/>
+                    </a:ext>
+                  </a:extLst>
+                </p:cNvPr>
+                <p:cNvSpPr/>
+                <p:nvPr/>
+              </p:nvSpPr>
+              <p:spPr>
+                <a:xfrm>
+                  <a:off x="1310640" y="3949700"/>
+                  <a:ext cx="426720" cy="462280"/>
+                </a:xfrm>
+                <a:prstGeom prst="roundRect">
+                  <a:avLst/>
+                </a:prstGeom>
+                <a:solidFill>
+                  <a:schemeClr val="bg1"/>
+                </a:solidFill>
+                <a:ln w="19050">
+                  <a:solidFill>
+                    <a:schemeClr val="tx1"/>
+                  </a:solidFill>
+                </a:ln>
+              </p:spPr>
+              <p:style>
+                <a:lnRef idx="2">
+                  <a:schemeClr val="accent1">
+                    <a:shade val="50000"/>
+                  </a:schemeClr>
+                </a:lnRef>
+                <a:fillRef idx="1">
+                  <a:schemeClr val="accent1"/>
+                </a:fillRef>
+                <a:effectRef idx="0">
+                  <a:schemeClr val="accent1"/>
+                </a:effectRef>
+                <a:fontRef idx="minor">
+                  <a:schemeClr val="lt1"/>
+                </a:fontRef>
+              </p:style>
+              <p:txBody>
+                <a:bodyPr rtlCol="0" anchor="ctr"/>
+                <a:lstStyle/>
+                <a:p>
+                  <a:pPr algn="ctr"/>
+                  <a14:m>
+                    <m:oMathPara xmlns:m="http://schemas.openxmlformats.org/officeDocument/2006/math">
+                      <m:oMathParaPr>
+                        <m:jc m:val="centerGroup"/>
+                      </m:oMathParaPr>
+                      <m:oMath xmlns:m="http://schemas.openxmlformats.org/officeDocument/2006/math">
+                        <m:sSub>
+                          <m:sSubPr>
+                            <m:ctrlPr>
+                              <a:rPr lang="en-US" altLang="zh-CN" b="0" i="1" smtClean="0">
+                                <a:solidFill>
+                                  <a:schemeClr val="tx1"/>
+                                </a:solidFill>
+                                <a:latin typeface="Cambria Math" panose="02040503050406030204" pitchFamily="18" charset="0"/>
+                              </a:rPr>
+                            </m:ctrlPr>
+                          </m:sSubPr>
+                          <m:e>
+                            <m:r>
+                              <a:rPr lang="en-US" altLang="zh-CN" b="0" i="1" smtClean="0">
+                                <a:solidFill>
+                                  <a:schemeClr val="tx1"/>
+                                </a:solidFill>
+                                <a:latin typeface="Cambria Math" panose="02040503050406030204" pitchFamily="18" charset="0"/>
+                              </a:rPr>
+                              <m:t>𝑥</m:t>
+                            </m:r>
+                          </m:e>
+                          <m:sub>
+                            <m:r>
+                              <a:rPr lang="en-US" altLang="zh-CN" b="0" i="1" smtClean="0">
+                                <a:solidFill>
+                                  <a:schemeClr val="tx1"/>
+                                </a:solidFill>
+                                <a:latin typeface="Cambria Math" panose="02040503050406030204" pitchFamily="18" charset="0"/>
+                              </a:rPr>
+                              <m:t>4</m:t>
+                            </m:r>
+                          </m:sub>
+                        </m:sSub>
+                      </m:oMath>
+                    </m:oMathPara>
+                  </a14:m>
+                  <a:endParaRPr lang="zh-CN" altLang="en-US" dirty="0">
+                    <a:solidFill>
+                      <a:schemeClr val="tx1"/>
+                    </a:solidFill>
+                  </a:endParaRPr>
+                </a:p>
+              </p:txBody>
+            </p:sp>
+          </mc:Choice>
+          <mc:Fallback>
+            <p:sp>
+              <p:nvSpPr>
+                <p:cNvPr id="19" name="矩形: 圆角 18">
+                  <a:extLst>
+                    <a:ext uri="{FF2B5EF4-FFF2-40B4-BE49-F238E27FC236}">
+                      <a16:creationId xmlns:a16="http://schemas.microsoft.com/office/drawing/2014/main" id="{14EEA22C-4152-462B-A0DD-C768E753E965}"/>
+                    </a:ext>
+                  </a:extLst>
+                </p:cNvPr>
+                <p:cNvSpPr>
+                  <a:spLocks noRot="1" noChangeAspect="1" noMove="1" noResize="1" noEditPoints="1" noAdjustHandles="1" noChangeArrowheads="1" noChangeShapeType="1" noTextEdit="1"/>
+                </p:cNvSpPr>
+                <p:nvPr/>
+              </p:nvSpPr>
+              <p:spPr>
+                <a:xfrm>
+                  <a:off x="1310640" y="3949700"/>
+                  <a:ext cx="426720" cy="462280"/>
+                </a:xfrm>
+                <a:prstGeom prst="roundRect">
+                  <a:avLst/>
+                </a:prstGeom>
+                <a:blipFill>
+                  <a:blip r:embed="rId8"/>
+                  <a:stretch>
+                    <a:fillRect/>
+                  </a:stretch>
+                </a:blipFill>
+                <a:ln w="19050">
+                  <a:solidFill>
+                    <a:schemeClr val="tx1"/>
+                  </a:solidFill>
+                </a:ln>
+              </p:spPr>
+              <p:txBody>
+                <a:bodyPr/>
+                <a:lstStyle/>
+                <a:p>
+                  <a:r>
+                    <a:rPr lang="zh-CN" altLang="en-US">
+                      <a:noFill/>
+                    </a:rPr>
+                    <a:t> </a:t>
+                  </a:r>
+                </a:p>
+              </p:txBody>
+            </p:sp>
+          </mc:Fallback>
+        </mc:AlternateContent>
+        <p:cxnSp>
+          <p:nvCxnSpPr>
+            <p:cNvPr id="21" name="直接箭头连接符 20">
+              <a:extLst>
+                <a:ext uri="{FF2B5EF4-FFF2-40B4-BE49-F238E27FC236}">
+                  <a16:creationId xmlns:a16="http://schemas.microsoft.com/office/drawing/2014/main" id="{55A2158F-2F83-4D88-B320-B33198AEB4EB}"/>
+                </a:ext>
+              </a:extLst>
+            </p:cNvPr>
+            <p:cNvCxnSpPr>
+              <a:stCxn id="5" idx="2"/>
+              <a:endCxn id="19" idx="0"/>
+            </p:cNvCxnSpPr>
+            <p:nvPr/>
+          </p:nvCxnSpPr>
+          <p:spPr>
+            <a:xfrm>
+              <a:off x="1026160" y="3144520"/>
+              <a:ext cx="497840" cy="805180"/>
+            </a:xfrm>
+            <a:prstGeom prst="straightConnector1">
+              <a:avLst/>
+            </a:prstGeom>
+            <a:ln w="19050">
+              <a:tailEnd type="triangle"/>
+            </a:ln>
+          </p:spPr>
+          <p:style>
+            <a:lnRef idx="1">
+              <a:schemeClr val="dk1"/>
+            </a:lnRef>
+            <a:fillRef idx="0">
+              <a:schemeClr val="dk1"/>
+            </a:fillRef>
+            <a:effectRef idx="0">
+              <a:schemeClr val="dk1"/>
+            </a:effectRef>
+            <a:fontRef idx="minor">
+              <a:schemeClr val="tx1"/>
+            </a:fontRef>
+          </p:style>
+        </p:cxnSp>
+        <p:cxnSp>
+          <p:nvCxnSpPr>
+            <p:cNvPr id="23" name="直接箭头连接符 22">
+              <a:extLst>
+                <a:ext uri="{FF2B5EF4-FFF2-40B4-BE49-F238E27FC236}">
+                  <a16:creationId xmlns:a16="http://schemas.microsoft.com/office/drawing/2014/main" id="{BCC9F6E1-10D7-45BB-AACB-0E9B276993F7}"/>
+                </a:ext>
+              </a:extLst>
+            </p:cNvPr>
+            <p:cNvCxnSpPr>
+              <a:stCxn id="11" idx="2"/>
+              <a:endCxn id="19" idx="0"/>
+            </p:cNvCxnSpPr>
+            <p:nvPr/>
+          </p:nvCxnSpPr>
+          <p:spPr>
+            <a:xfrm flipH="1">
+              <a:off x="1524000" y="3606800"/>
+              <a:ext cx="518160" cy="342900"/>
+            </a:xfrm>
+            <a:prstGeom prst="straightConnector1">
+              <a:avLst/>
+            </a:prstGeom>
+            <a:ln w="19050">
+              <a:tailEnd type="triangle"/>
+            </a:ln>
+          </p:spPr>
+          <p:style>
+            <a:lnRef idx="1">
+              <a:schemeClr val="dk1"/>
+            </a:lnRef>
+            <a:fillRef idx="0">
+              <a:schemeClr val="dk1"/>
+            </a:fillRef>
+            <a:effectRef idx="0">
+              <a:schemeClr val="dk1"/>
+            </a:effectRef>
+            <a:fontRef idx="minor">
+              <a:schemeClr val="tx1"/>
+            </a:fontRef>
+          </p:style>
+        </p:cxnSp>
+        <mc:AlternateContent xmlns:mc="http://schemas.openxmlformats.org/markup-compatibility/2006">
+          <mc:Choice xmlns:a14="http://schemas.microsoft.com/office/drawing/2010/main" Requires="a14">
+            <p:sp>
+              <p:nvSpPr>
+                <p:cNvPr id="24" name="矩形 23">
+                  <a:extLst>
+                    <a:ext uri="{FF2B5EF4-FFF2-40B4-BE49-F238E27FC236}">
+                      <a16:creationId xmlns:a16="http://schemas.microsoft.com/office/drawing/2014/main" id="{B3BF6FCE-FC9B-4358-85C7-77AFC9062F04}"/>
+                    </a:ext>
+                  </a:extLst>
+                </p:cNvPr>
+                <p:cNvSpPr/>
+                <p:nvPr/>
+              </p:nvSpPr>
+              <p:spPr>
+                <a:xfrm>
+                  <a:off x="1346200" y="3616960"/>
+                  <a:ext cx="528320" cy="355600"/>
+                </a:xfrm>
+                <a:prstGeom prst="rect">
+                  <a:avLst/>
+                </a:prstGeom>
+                <a:noFill/>
+                <a:ln>
+                  <a:noFill/>
+                </a:ln>
+              </p:spPr>
+              <p:style>
+                <a:lnRef idx="2">
+                  <a:schemeClr val="accent1">
+                    <a:shade val="50000"/>
+                  </a:schemeClr>
+                </a:lnRef>
+                <a:fillRef idx="1">
+                  <a:schemeClr val="accent1"/>
+                </a:fillRef>
+                <a:effectRef idx="0">
+                  <a:schemeClr val="accent1"/>
+                </a:effectRef>
+                <a:fontRef idx="minor">
+                  <a:schemeClr val="lt1"/>
+                </a:fontRef>
+              </p:style>
+              <p:txBody>
+                <a:bodyPr rtlCol="0" anchor="ctr"/>
+                <a:lstStyle/>
+                <a:p>
+                  <a:pPr algn="ctr"/>
+                  <a14:m>
+                    <m:oMathPara xmlns:m="http://schemas.openxmlformats.org/officeDocument/2006/math">
+                      <m:oMathParaPr>
+                        <m:jc m:val="centerGroup"/>
+                      </m:oMathParaPr>
+                      <m:oMath xmlns:m="http://schemas.openxmlformats.org/officeDocument/2006/math">
+                        <m:r>
+                          <a:rPr lang="en-US" altLang="zh-CN" i="1" dirty="0">
+                            <a:solidFill>
+                              <a:schemeClr val="tx1"/>
+                            </a:solidFill>
+                            <a:latin typeface="Cambria Math" panose="02040503050406030204" pitchFamily="18" charset="0"/>
+                          </a:rPr>
+                          <m:t>*</m:t>
+                        </m:r>
+                        <m:r>
+                          <a:rPr lang="zh-CN" altLang="en-US" i="1" dirty="0" smtClean="0">
+                            <a:solidFill>
+                              <a:schemeClr val="tx1"/>
+                            </a:solidFill>
+                            <a:latin typeface="Cambria Math" panose="02040503050406030204" pitchFamily="18" charset="0"/>
+                          </a:rPr>
+                          <m:t>⁡</m:t>
+                        </m:r>
+                      </m:oMath>
+                    </m:oMathPara>
+                  </a14:m>
+                  <a:endParaRPr lang="zh-CN" altLang="en-US" dirty="0">
+                    <a:solidFill>
+                      <a:schemeClr val="tx1"/>
+                    </a:solidFill>
+                  </a:endParaRPr>
+                </a:p>
+              </p:txBody>
+            </p:sp>
+          </mc:Choice>
+          <mc:Fallback>
+            <p:sp>
+              <p:nvSpPr>
+                <p:cNvPr id="24" name="矩形 23">
+                  <a:extLst>
+                    <a:ext uri="{FF2B5EF4-FFF2-40B4-BE49-F238E27FC236}">
+                      <a16:creationId xmlns:a16="http://schemas.microsoft.com/office/drawing/2014/main" id="{B3BF6FCE-FC9B-4358-85C7-77AFC9062F04}"/>
+                    </a:ext>
+                  </a:extLst>
+                </p:cNvPr>
+                <p:cNvSpPr>
+                  <a:spLocks noRot="1" noChangeAspect="1" noMove="1" noResize="1" noEditPoints="1" noAdjustHandles="1" noChangeArrowheads="1" noChangeShapeType="1" noTextEdit="1"/>
+                </p:cNvSpPr>
+                <p:nvPr/>
+              </p:nvSpPr>
+              <p:spPr>
+                <a:xfrm>
+                  <a:off x="1346200" y="3616960"/>
+                  <a:ext cx="528320" cy="355600"/>
+                </a:xfrm>
+                <a:prstGeom prst="rect">
+                  <a:avLst/>
+                </a:prstGeom>
+                <a:blipFill>
+                  <a:blip r:embed="rId9"/>
+                  <a:stretch>
+                    <a:fillRect/>
+                  </a:stretch>
+                </a:blipFill>
+                <a:ln>
+                  <a:noFill/>
+                </a:ln>
+              </p:spPr>
+              <p:txBody>
+                <a:bodyPr/>
+                <a:lstStyle/>
+                <a:p>
+                  <a:r>
+                    <a:rPr lang="zh-CN" altLang="en-US">
+                      <a:noFill/>
+                    </a:rPr>
+                    <a:t> </a:t>
+                  </a:r>
+                </a:p>
+              </p:txBody>
+            </p:sp>
+          </mc:Fallback>
+        </mc:AlternateContent>
+        <mc:AlternateContent xmlns:mc="http://schemas.openxmlformats.org/markup-compatibility/2006">
+          <mc:Choice xmlns:a14="http://schemas.microsoft.com/office/drawing/2010/main" Requires="a14">
+            <p:sp>
+              <p:nvSpPr>
+                <p:cNvPr id="27" name="矩形: 圆角 26">
+                  <a:extLst>
+                    <a:ext uri="{FF2B5EF4-FFF2-40B4-BE49-F238E27FC236}">
+                      <a16:creationId xmlns:a16="http://schemas.microsoft.com/office/drawing/2014/main" id="{ED88605B-F6B3-412B-9600-CF0D221AC5C1}"/>
+                    </a:ext>
+                  </a:extLst>
+                </p:cNvPr>
+                <p:cNvSpPr/>
+                <p:nvPr/>
+              </p:nvSpPr>
+              <p:spPr>
+                <a:xfrm>
+                  <a:off x="3820160" y="3972561"/>
+                  <a:ext cx="426720" cy="462280"/>
+                </a:xfrm>
+                <a:prstGeom prst="roundRect">
+                  <a:avLst/>
+                </a:prstGeom>
+                <a:solidFill>
+                  <a:schemeClr val="bg1"/>
+                </a:solidFill>
+                <a:ln w="19050">
+                  <a:solidFill>
+                    <a:srgbClr val="FF0000"/>
+                  </a:solidFill>
+                </a:ln>
+              </p:spPr>
+              <p:style>
+                <a:lnRef idx="2">
+                  <a:schemeClr val="accent1">
+                    <a:shade val="50000"/>
+                  </a:schemeClr>
+                </a:lnRef>
+                <a:fillRef idx="1">
+                  <a:schemeClr val="accent1"/>
+                </a:fillRef>
+                <a:effectRef idx="0">
+                  <a:schemeClr val="accent1"/>
+                </a:effectRef>
+                <a:fontRef idx="minor">
+                  <a:schemeClr val="lt1"/>
+                </a:fontRef>
+              </p:style>
+              <p:txBody>
+                <a:bodyPr rtlCol="0" anchor="ctr"/>
+                <a:lstStyle/>
+                <a:p>
+                  <a:pPr algn="ctr"/>
+                  <a14:m>
+                    <m:oMathPara xmlns:m="http://schemas.openxmlformats.org/officeDocument/2006/math">
+                      <m:oMathParaPr>
+                        <m:jc m:val="centerGroup"/>
+                      </m:oMathParaPr>
+                      <m:oMath xmlns:m="http://schemas.openxmlformats.org/officeDocument/2006/math">
+                        <m:acc>
+                          <m:accPr>
+                            <m:chr m:val="̅"/>
+                            <m:ctrlPr>
+                              <a:rPr lang="en-US" altLang="zh-CN" b="0" i="1" smtClean="0">
+                                <a:solidFill>
+                                  <a:srgbClr val="FF0000"/>
+                                </a:solidFill>
+                                <a:latin typeface="Cambria Math" panose="02040503050406030204" pitchFamily="18" charset="0"/>
+                              </a:rPr>
+                            </m:ctrlPr>
+                          </m:accPr>
+                          <m:e>
+                            <m:sSub>
+                              <m:sSubPr>
+                                <m:ctrlPr>
+                                  <a:rPr lang="en-US" altLang="zh-CN" b="0" i="1" smtClean="0">
+                                    <a:solidFill>
+                                      <a:srgbClr val="FF0000"/>
+                                    </a:solidFill>
+                                    <a:latin typeface="Cambria Math" panose="02040503050406030204" pitchFamily="18" charset="0"/>
+                                  </a:rPr>
+                                </m:ctrlPr>
+                              </m:sSubPr>
+                              <m:e>
+                                <m:r>
+                                  <a:rPr lang="en-US" altLang="zh-CN" b="0" i="1" smtClean="0">
+                                    <a:solidFill>
+                                      <a:srgbClr val="FF0000"/>
+                                    </a:solidFill>
+                                    <a:latin typeface="Cambria Math" panose="02040503050406030204" pitchFamily="18" charset="0"/>
+                                  </a:rPr>
+                                  <m:t>𝑥</m:t>
+                                </m:r>
+                              </m:e>
+                              <m:sub>
+                                <m:r>
+                                  <a:rPr lang="en-US" altLang="zh-CN" b="0" i="1" smtClean="0">
+                                    <a:solidFill>
+                                      <a:srgbClr val="FF0000"/>
+                                    </a:solidFill>
+                                    <a:latin typeface="Cambria Math" panose="02040503050406030204" pitchFamily="18" charset="0"/>
+                                  </a:rPr>
+                                  <m:t>4</m:t>
+                                </m:r>
+                              </m:sub>
+                            </m:sSub>
+                          </m:e>
+                        </m:acc>
+                      </m:oMath>
+                    </m:oMathPara>
+                  </a14:m>
+                  <a:endParaRPr lang="zh-CN" altLang="en-US" dirty="0">
+                    <a:solidFill>
+                      <a:schemeClr val="tx1"/>
+                    </a:solidFill>
+                  </a:endParaRPr>
+                </a:p>
+              </p:txBody>
+            </p:sp>
+          </mc:Choice>
+          <mc:Fallback>
+            <p:sp>
+              <p:nvSpPr>
+                <p:cNvPr id="27" name="矩形: 圆角 26">
+                  <a:extLst>
+                    <a:ext uri="{FF2B5EF4-FFF2-40B4-BE49-F238E27FC236}">
+                      <a16:creationId xmlns:a16="http://schemas.microsoft.com/office/drawing/2014/main" id="{ED88605B-F6B3-412B-9600-CF0D221AC5C1}"/>
+                    </a:ext>
+                  </a:extLst>
+                </p:cNvPr>
+                <p:cNvSpPr>
+                  <a:spLocks noRot="1" noChangeAspect="1" noMove="1" noResize="1" noEditPoints="1" noAdjustHandles="1" noChangeArrowheads="1" noChangeShapeType="1" noTextEdit="1"/>
+                </p:cNvSpPr>
+                <p:nvPr/>
+              </p:nvSpPr>
+              <p:spPr>
+                <a:xfrm>
+                  <a:off x="3820160" y="3972561"/>
+                  <a:ext cx="426720" cy="462280"/>
+                </a:xfrm>
+                <a:prstGeom prst="roundRect">
+                  <a:avLst/>
+                </a:prstGeom>
+                <a:blipFill>
+                  <a:blip r:embed="rId10"/>
+                  <a:stretch>
+                    <a:fillRect/>
+                  </a:stretch>
+                </a:blipFill>
+                <a:ln w="19050">
+                  <a:solidFill>
+                    <a:srgbClr val="FF0000"/>
+                  </a:solidFill>
+                </a:ln>
+              </p:spPr>
+              <p:txBody>
+                <a:bodyPr/>
+                <a:lstStyle/>
+                <a:p>
+                  <a:r>
+                    <a:rPr lang="zh-CN" altLang="en-US">
+                      <a:noFill/>
+                    </a:rPr>
+                    <a:t> </a:t>
+                  </a:r>
+                </a:p>
+              </p:txBody>
+            </p:sp>
+          </mc:Fallback>
+        </mc:AlternateContent>
+        <mc:AlternateContent xmlns:mc="http://schemas.openxmlformats.org/markup-compatibility/2006">
+          <mc:Choice xmlns:a14="http://schemas.microsoft.com/office/drawing/2010/main" Requires="a14">
+            <p:sp>
+              <p:nvSpPr>
+                <p:cNvPr id="28" name="矩形: 圆角 27">
+                  <a:extLst>
+                    <a:ext uri="{FF2B5EF4-FFF2-40B4-BE49-F238E27FC236}">
+                      <a16:creationId xmlns:a16="http://schemas.microsoft.com/office/drawing/2014/main" id="{1B285ABB-96D1-4A37-8570-54581A86C3C5}"/>
+                    </a:ext>
+                  </a:extLst>
+                </p:cNvPr>
+                <p:cNvSpPr/>
+                <p:nvPr/>
+              </p:nvSpPr>
+              <p:spPr>
+                <a:xfrm>
+                  <a:off x="4521200" y="3154680"/>
+                  <a:ext cx="426720" cy="462280"/>
+                </a:xfrm>
+                <a:prstGeom prst="roundRect">
+                  <a:avLst/>
+                </a:prstGeom>
+                <a:solidFill>
+                  <a:schemeClr val="bg1"/>
+                </a:solidFill>
+                <a:ln w="19050">
+                  <a:solidFill>
+                    <a:srgbClr val="FF0000"/>
+                  </a:solidFill>
+                </a:ln>
+              </p:spPr>
+              <p:style>
+                <a:lnRef idx="2">
+                  <a:schemeClr val="accent1">
+                    <a:shade val="50000"/>
+                  </a:schemeClr>
+                </a:lnRef>
+                <a:fillRef idx="1">
+                  <a:schemeClr val="accent1"/>
+                </a:fillRef>
+                <a:effectRef idx="0">
+                  <a:schemeClr val="accent1"/>
+                </a:effectRef>
+                <a:fontRef idx="minor">
+                  <a:schemeClr val="lt1"/>
+                </a:fontRef>
+              </p:style>
+              <p:txBody>
+                <a:bodyPr rtlCol="0" anchor="ctr"/>
+                <a:lstStyle/>
+                <a:p>
+                  <a:pPr algn="ctr"/>
+                  <a14:m>
+                    <m:oMathPara xmlns:m="http://schemas.openxmlformats.org/officeDocument/2006/math">
+                      <m:oMathParaPr>
+                        <m:jc m:val="centerGroup"/>
+                      </m:oMathParaPr>
+                      <m:oMath xmlns:m="http://schemas.openxmlformats.org/officeDocument/2006/math">
+                        <m:acc>
+                          <m:accPr>
+                            <m:chr m:val="̅"/>
+                            <m:ctrlPr>
+                              <a:rPr lang="en-US" altLang="zh-CN" b="0" i="1" smtClean="0">
+                                <a:solidFill>
+                                  <a:srgbClr val="FF0000"/>
+                                </a:solidFill>
+                                <a:latin typeface="Cambria Math" panose="02040503050406030204" pitchFamily="18" charset="0"/>
+                              </a:rPr>
+                            </m:ctrlPr>
+                          </m:accPr>
+                          <m:e>
+                            <m:sSub>
+                              <m:sSubPr>
+                                <m:ctrlPr>
+                                  <a:rPr lang="en-US" altLang="zh-CN" b="0" i="1" smtClean="0">
+                                    <a:solidFill>
+                                      <a:srgbClr val="FF0000"/>
+                                    </a:solidFill>
+                                    <a:latin typeface="Cambria Math" panose="02040503050406030204" pitchFamily="18" charset="0"/>
+                                  </a:rPr>
+                                </m:ctrlPr>
+                              </m:sSubPr>
+                              <m:e>
+                                <m:r>
+                                  <a:rPr lang="en-US" altLang="zh-CN" b="0" i="1" smtClean="0">
+                                    <a:solidFill>
+                                      <a:srgbClr val="FF0000"/>
+                                    </a:solidFill>
+                                    <a:latin typeface="Cambria Math" panose="02040503050406030204" pitchFamily="18" charset="0"/>
+                                  </a:rPr>
+                                  <m:t>𝑥</m:t>
+                                </m:r>
+                              </m:e>
+                              <m:sub>
+                                <m:r>
+                                  <a:rPr lang="en-US" altLang="zh-CN" b="0" i="1" smtClean="0">
+                                    <a:solidFill>
+                                      <a:srgbClr val="FF0000"/>
+                                    </a:solidFill>
+                                    <a:latin typeface="Cambria Math" panose="02040503050406030204" pitchFamily="18" charset="0"/>
+                                  </a:rPr>
+                                  <m:t>3</m:t>
+                                </m:r>
+                              </m:sub>
+                            </m:sSub>
+                          </m:e>
+                        </m:acc>
+                      </m:oMath>
+                    </m:oMathPara>
+                  </a14:m>
+                  <a:endParaRPr lang="zh-CN" altLang="en-US" dirty="0">
+                    <a:solidFill>
+                      <a:schemeClr val="tx1"/>
+                    </a:solidFill>
+                  </a:endParaRPr>
+                </a:p>
+              </p:txBody>
+            </p:sp>
+          </mc:Choice>
+          <mc:Fallback>
+            <p:sp>
+              <p:nvSpPr>
+                <p:cNvPr id="28" name="矩形: 圆角 27">
+                  <a:extLst>
+                    <a:ext uri="{FF2B5EF4-FFF2-40B4-BE49-F238E27FC236}">
+                      <a16:creationId xmlns:a16="http://schemas.microsoft.com/office/drawing/2014/main" id="{1B285ABB-96D1-4A37-8570-54581A86C3C5}"/>
+                    </a:ext>
+                  </a:extLst>
+                </p:cNvPr>
+                <p:cNvSpPr>
+                  <a:spLocks noRot="1" noChangeAspect="1" noMove="1" noResize="1" noEditPoints="1" noAdjustHandles="1" noChangeArrowheads="1" noChangeShapeType="1" noTextEdit="1"/>
+                </p:cNvSpPr>
+                <p:nvPr/>
+              </p:nvSpPr>
+              <p:spPr>
+                <a:xfrm>
+                  <a:off x="4521200" y="3154680"/>
+                  <a:ext cx="426720" cy="462280"/>
+                </a:xfrm>
+                <a:prstGeom prst="roundRect">
+                  <a:avLst/>
+                </a:prstGeom>
+                <a:blipFill>
+                  <a:blip r:embed="rId11"/>
+                  <a:stretch>
+                    <a:fillRect/>
+                  </a:stretch>
+                </a:blipFill>
+                <a:ln w="19050">
+                  <a:solidFill>
+                    <a:srgbClr val="FF0000"/>
+                  </a:solidFill>
+                </a:ln>
+              </p:spPr>
+              <p:txBody>
+                <a:bodyPr/>
+                <a:lstStyle/>
+                <a:p>
+                  <a:r>
+                    <a:rPr lang="zh-CN" altLang="en-US">
+                      <a:noFill/>
+                    </a:rPr>
+                    <a:t> </a:t>
+                  </a:r>
+                </a:p>
+              </p:txBody>
+            </p:sp>
+          </mc:Fallback>
+        </mc:AlternateContent>
+        <p:cxnSp>
+          <p:nvCxnSpPr>
+            <p:cNvPr id="30" name="直接箭头连接符 29">
+              <a:extLst>
+                <a:ext uri="{FF2B5EF4-FFF2-40B4-BE49-F238E27FC236}">
+                  <a16:creationId xmlns:a16="http://schemas.microsoft.com/office/drawing/2014/main" id="{C29FE9E4-A9E9-4439-9FDA-A4CE5300F0C8}"/>
+                </a:ext>
+              </a:extLst>
+            </p:cNvPr>
+            <p:cNvCxnSpPr>
+              <a:stCxn id="27" idx="0"/>
+              <a:endCxn id="28" idx="2"/>
+            </p:cNvCxnSpPr>
+            <p:nvPr/>
+          </p:nvCxnSpPr>
+          <p:spPr>
+            <a:xfrm flipV="1">
+              <a:off x="4033520" y="3616960"/>
+              <a:ext cx="701040" cy="355601"/>
+            </a:xfrm>
+            <a:prstGeom prst="straightConnector1">
+              <a:avLst/>
+            </a:prstGeom>
+            <a:ln w="19050">
+              <a:solidFill>
+                <a:srgbClr val="FF0000"/>
+              </a:solidFill>
+              <a:tailEnd type="triangle"/>
+            </a:ln>
+          </p:spPr>
+          <p:style>
+            <a:lnRef idx="1">
+              <a:schemeClr val="accent1"/>
+            </a:lnRef>
+            <a:fillRef idx="0">
+              <a:schemeClr val="accent1"/>
+            </a:fillRef>
+            <a:effectRef idx="0">
+              <a:schemeClr val="accent1"/>
+            </a:effectRef>
+            <a:fontRef idx="minor">
+              <a:schemeClr val="tx1"/>
+            </a:fontRef>
+          </p:style>
+        </p:cxnSp>
+        <mc:AlternateContent xmlns:mc="http://schemas.openxmlformats.org/markup-compatibility/2006">
+          <mc:Choice xmlns:a14="http://schemas.microsoft.com/office/drawing/2010/main" Requires="a14">
+            <p:sp>
+              <p:nvSpPr>
+                <p:cNvPr id="55" name="矩形: 圆角 54">
+                  <a:extLst>
+                    <a:ext uri="{FF2B5EF4-FFF2-40B4-BE49-F238E27FC236}">
+                      <a16:creationId xmlns:a16="http://schemas.microsoft.com/office/drawing/2014/main" id="{F650C60C-F6D0-4468-9B91-CA724AD19F9A}"/>
+                    </a:ext>
+                  </a:extLst>
+                </p:cNvPr>
+                <p:cNvSpPr/>
+                <p:nvPr/>
+              </p:nvSpPr>
+              <p:spPr>
+                <a:xfrm>
+                  <a:off x="3246120" y="3154680"/>
+                  <a:ext cx="426720" cy="462280"/>
+                </a:xfrm>
+                <a:prstGeom prst="roundRect">
+                  <a:avLst/>
+                </a:prstGeom>
+                <a:solidFill>
+                  <a:schemeClr val="bg1"/>
+                </a:solidFill>
+                <a:ln w="19050">
+                  <a:solidFill>
+                    <a:srgbClr val="FF0000"/>
+                  </a:solidFill>
+                </a:ln>
+              </p:spPr>
+              <p:style>
+                <a:lnRef idx="2">
+                  <a:schemeClr val="accent1">
+                    <a:shade val="50000"/>
+                  </a:schemeClr>
+                </a:lnRef>
+                <a:fillRef idx="1">
+                  <a:schemeClr val="accent1"/>
+                </a:fillRef>
+                <a:effectRef idx="0">
+                  <a:schemeClr val="accent1"/>
+                </a:effectRef>
+                <a:fontRef idx="minor">
+                  <a:schemeClr val="lt1"/>
+                </a:fontRef>
+              </p:style>
+              <p:txBody>
+                <a:bodyPr rtlCol="0" anchor="ctr"/>
+                <a:lstStyle/>
+                <a:p>
+                  <a:pPr algn="ctr"/>
+                  <a14:m>
+                    <m:oMathPara xmlns:m="http://schemas.openxmlformats.org/officeDocument/2006/math">
+                      <m:oMathParaPr>
+                        <m:jc m:val="centerGroup"/>
+                      </m:oMathParaPr>
+                      <m:oMath xmlns:m="http://schemas.openxmlformats.org/officeDocument/2006/math">
+                        <m:sSup>
+                          <m:sSupPr>
+                            <m:ctrlPr>
+                              <a:rPr lang="en-US" altLang="zh-CN" b="0" i="1" smtClean="0">
+                                <a:solidFill>
+                                  <a:srgbClr val="FF0000"/>
+                                </a:solidFill>
+                                <a:latin typeface="Cambria Math" panose="02040503050406030204" pitchFamily="18" charset="0"/>
+                              </a:rPr>
+                            </m:ctrlPr>
+                          </m:sSupPr>
+                          <m:e>
+                            <m:acc>
+                              <m:accPr>
+                                <m:chr m:val="̅"/>
+                                <m:ctrlPr>
+                                  <a:rPr lang="en-US" altLang="zh-CN" b="0" i="1" smtClean="0">
+                                    <a:solidFill>
+                                      <a:srgbClr val="FF0000"/>
+                                    </a:solidFill>
+                                    <a:latin typeface="Cambria Math" panose="02040503050406030204" pitchFamily="18" charset="0"/>
+                                  </a:rPr>
+                                </m:ctrlPr>
+                              </m:accPr>
+                              <m:e>
+                                <m:sSub>
+                                  <m:sSubPr>
+                                    <m:ctrlPr>
+                                      <a:rPr lang="en-US" altLang="zh-CN" b="0" i="1" smtClean="0">
+                                        <a:solidFill>
+                                          <a:srgbClr val="FF0000"/>
+                                        </a:solidFill>
+                                        <a:latin typeface="Cambria Math" panose="02040503050406030204" pitchFamily="18" charset="0"/>
+                                      </a:rPr>
+                                    </m:ctrlPr>
+                                  </m:sSubPr>
+                                  <m:e>
+                                    <m:r>
+                                      <a:rPr lang="en-US" altLang="zh-CN" b="0" i="1" smtClean="0">
+                                        <a:solidFill>
+                                          <a:srgbClr val="FF0000"/>
+                                        </a:solidFill>
+                                        <a:latin typeface="Cambria Math" panose="02040503050406030204" pitchFamily="18" charset="0"/>
+                                      </a:rPr>
+                                      <m:t>𝑥</m:t>
+                                    </m:r>
+                                  </m:e>
+                                  <m:sub>
+                                    <m:r>
+                                      <a:rPr lang="en-US" altLang="zh-CN" b="0" i="1" smtClean="0">
+                                        <a:solidFill>
+                                          <a:srgbClr val="FF0000"/>
+                                        </a:solidFill>
+                                        <a:latin typeface="Cambria Math" panose="02040503050406030204" pitchFamily="18" charset="0"/>
+                                      </a:rPr>
+                                      <m:t>2</m:t>
+                                    </m:r>
+                                  </m:sub>
+                                </m:sSub>
+                              </m:e>
+                            </m:acc>
+                          </m:e>
+                          <m:sup>
+                            <m:r>
+                              <a:rPr lang="en-US" altLang="zh-CN" b="0" i="1" smtClean="0">
+                                <a:solidFill>
+                                  <a:srgbClr val="FF0000"/>
+                                </a:solidFill>
+                                <a:latin typeface="Cambria Math" panose="02040503050406030204" pitchFamily="18" charset="0"/>
+                              </a:rPr>
+                              <m:t>1</m:t>
+                            </m:r>
+                          </m:sup>
+                        </m:sSup>
+                      </m:oMath>
+                    </m:oMathPara>
+                  </a14:m>
+                  <a:endParaRPr lang="zh-CN" altLang="en-US" dirty="0">
+                    <a:solidFill>
+                      <a:schemeClr val="tx1"/>
+                    </a:solidFill>
+                  </a:endParaRPr>
+                </a:p>
+              </p:txBody>
+            </p:sp>
+          </mc:Choice>
+          <mc:Fallback>
+            <p:sp>
+              <p:nvSpPr>
+                <p:cNvPr id="55" name="矩形: 圆角 54">
+                  <a:extLst>
+                    <a:ext uri="{FF2B5EF4-FFF2-40B4-BE49-F238E27FC236}">
+                      <a16:creationId xmlns:a16="http://schemas.microsoft.com/office/drawing/2014/main" id="{F650C60C-F6D0-4468-9B91-CA724AD19F9A}"/>
+                    </a:ext>
+                  </a:extLst>
+                </p:cNvPr>
+                <p:cNvSpPr>
+                  <a:spLocks noRot="1" noChangeAspect="1" noMove="1" noResize="1" noEditPoints="1" noAdjustHandles="1" noChangeArrowheads="1" noChangeShapeType="1" noTextEdit="1"/>
+                </p:cNvSpPr>
+                <p:nvPr/>
+              </p:nvSpPr>
+              <p:spPr>
+                <a:xfrm>
+                  <a:off x="3246120" y="3154680"/>
+                  <a:ext cx="426720" cy="462280"/>
+                </a:xfrm>
+                <a:prstGeom prst="roundRect">
+                  <a:avLst/>
+                </a:prstGeom>
+                <a:blipFill>
+                  <a:blip r:embed="rId12"/>
+                  <a:stretch>
+                    <a:fillRect l="-8219"/>
+                  </a:stretch>
+                </a:blipFill>
+                <a:ln w="19050">
+                  <a:solidFill>
+                    <a:srgbClr val="FF0000"/>
+                  </a:solidFill>
+                </a:ln>
+              </p:spPr>
+              <p:txBody>
+                <a:bodyPr/>
+                <a:lstStyle/>
+                <a:p>
+                  <a:r>
+                    <a:rPr lang="zh-CN" altLang="en-US">
+                      <a:noFill/>
+                    </a:rPr>
+                    <a:t> </a:t>
+                  </a:r>
+                </a:p>
+              </p:txBody>
+            </p:sp>
+          </mc:Fallback>
+        </mc:AlternateContent>
+        <mc:AlternateContent xmlns:mc="http://schemas.openxmlformats.org/markup-compatibility/2006">
+          <mc:Choice xmlns:a14="http://schemas.microsoft.com/office/drawing/2010/main" Requires="a14">
+            <p:sp>
+              <p:nvSpPr>
+                <p:cNvPr id="58" name="矩形 57">
+                  <a:extLst>
+                    <a:ext uri="{FF2B5EF4-FFF2-40B4-BE49-F238E27FC236}">
+                      <a16:creationId xmlns:a16="http://schemas.microsoft.com/office/drawing/2014/main" id="{37CDDB4E-738B-48FA-AD9E-2966BDC98B25}"/>
+                    </a:ext>
+                  </a:extLst>
+                </p:cNvPr>
+                <p:cNvSpPr/>
+                <p:nvPr/>
+              </p:nvSpPr>
+              <p:spPr>
+                <a:xfrm>
+                  <a:off x="4185920" y="3281680"/>
+                  <a:ext cx="528320" cy="355600"/>
+                </a:xfrm>
+                <a:prstGeom prst="rect">
+                  <a:avLst/>
+                </a:prstGeom>
+                <a:noFill/>
+                <a:ln>
+                  <a:noFill/>
+                </a:ln>
+              </p:spPr>
+              <p:style>
+                <a:lnRef idx="2">
+                  <a:schemeClr val="accent1">
+                    <a:shade val="50000"/>
+                  </a:schemeClr>
+                </a:lnRef>
+                <a:fillRef idx="1">
+                  <a:schemeClr val="accent1"/>
+                </a:fillRef>
+                <a:effectRef idx="0">
+                  <a:schemeClr val="accent1"/>
+                </a:effectRef>
+                <a:fontRef idx="minor">
+                  <a:schemeClr val="lt1"/>
+                </a:fontRef>
+              </p:style>
+              <p:txBody>
+                <a:bodyPr rtlCol="0" anchor="ctr"/>
+                <a:lstStyle/>
+                <a:p>
+                  <a:pPr algn="ctr"/>
+                  <a14:m>
+                    <m:oMathPara xmlns:m="http://schemas.openxmlformats.org/officeDocument/2006/math">
+                      <m:oMathParaPr>
+                        <m:jc m:val="centerGroup"/>
+                      </m:oMathParaPr>
+                      <m:oMath xmlns:m="http://schemas.openxmlformats.org/officeDocument/2006/math">
+                        <m:r>
+                          <a:rPr lang="en-US" altLang="zh-CN" i="1" dirty="0">
+                            <a:solidFill>
+                              <a:schemeClr val="tx1"/>
+                            </a:solidFill>
+                            <a:latin typeface="Cambria Math" panose="02040503050406030204" pitchFamily="18" charset="0"/>
+                          </a:rPr>
+                          <m:t>*</m:t>
+                        </m:r>
+                        <m:r>
+                          <a:rPr lang="zh-CN" altLang="en-US" i="1" dirty="0" smtClean="0">
+                            <a:solidFill>
+                              <a:schemeClr val="tx1"/>
+                            </a:solidFill>
+                            <a:latin typeface="Cambria Math" panose="02040503050406030204" pitchFamily="18" charset="0"/>
+                          </a:rPr>
+                          <m:t>⁡</m:t>
+                        </m:r>
+                      </m:oMath>
+                    </m:oMathPara>
+                  </a14:m>
+                  <a:endParaRPr lang="zh-CN" altLang="en-US" dirty="0">
+                    <a:solidFill>
+                      <a:schemeClr val="tx1"/>
+                    </a:solidFill>
+                  </a:endParaRPr>
+                </a:p>
+              </p:txBody>
+            </p:sp>
+          </mc:Choice>
+          <mc:Fallback>
+            <p:sp>
+              <p:nvSpPr>
+                <p:cNvPr id="58" name="矩形 57">
+                  <a:extLst>
+                    <a:ext uri="{FF2B5EF4-FFF2-40B4-BE49-F238E27FC236}">
+                      <a16:creationId xmlns:a16="http://schemas.microsoft.com/office/drawing/2014/main" id="{37CDDB4E-738B-48FA-AD9E-2966BDC98B25}"/>
+                    </a:ext>
+                  </a:extLst>
+                </p:cNvPr>
+                <p:cNvSpPr>
+                  <a:spLocks noRot="1" noChangeAspect="1" noMove="1" noResize="1" noEditPoints="1" noAdjustHandles="1" noChangeArrowheads="1" noChangeShapeType="1" noTextEdit="1"/>
+                </p:cNvSpPr>
+                <p:nvPr/>
+              </p:nvSpPr>
+              <p:spPr>
+                <a:xfrm>
+                  <a:off x="4185920" y="3281680"/>
+                  <a:ext cx="528320" cy="355600"/>
+                </a:xfrm>
+                <a:prstGeom prst="rect">
+                  <a:avLst/>
+                </a:prstGeom>
+                <a:blipFill>
+                  <a:blip r:embed="rId13"/>
+                  <a:stretch>
+                    <a:fillRect/>
+                  </a:stretch>
+                </a:blipFill>
+                <a:ln>
+                  <a:noFill/>
+                </a:ln>
+              </p:spPr>
+              <p:txBody>
+                <a:bodyPr/>
+                <a:lstStyle/>
+                <a:p>
+                  <a:r>
+                    <a:rPr lang="zh-CN" altLang="en-US">
+                      <a:noFill/>
+                    </a:rPr>
+                    <a:t> </a:t>
+                  </a:r>
+                </a:p>
+              </p:txBody>
+            </p:sp>
+          </mc:Fallback>
+        </mc:AlternateContent>
+        <p:cxnSp>
+          <p:nvCxnSpPr>
+            <p:cNvPr id="60" name="直接箭头连接符 59">
+              <a:extLst>
+                <a:ext uri="{FF2B5EF4-FFF2-40B4-BE49-F238E27FC236}">
+                  <a16:creationId xmlns:a16="http://schemas.microsoft.com/office/drawing/2014/main" id="{F3352487-2625-4DAB-8519-6F6996E4651E}"/>
+                </a:ext>
+              </a:extLst>
+            </p:cNvPr>
+            <p:cNvCxnSpPr>
+              <a:stCxn id="11" idx="3"/>
+              <a:endCxn id="55" idx="1"/>
+            </p:cNvCxnSpPr>
+            <p:nvPr/>
+          </p:nvCxnSpPr>
+          <p:spPr>
+            <a:xfrm>
+              <a:off x="2255520" y="3375660"/>
+              <a:ext cx="990600" cy="10160"/>
+            </a:xfrm>
+            <a:prstGeom prst="straightConnector1">
+              <a:avLst/>
+            </a:prstGeom>
+            <a:ln w="19050">
+              <a:solidFill>
+                <a:srgbClr val="FF0000"/>
+              </a:solidFill>
+              <a:tailEnd type="triangle"/>
+            </a:ln>
+          </p:spPr>
+          <p:style>
+            <a:lnRef idx="1">
+              <a:schemeClr val="accent1"/>
+            </a:lnRef>
+            <a:fillRef idx="0">
+              <a:schemeClr val="accent1"/>
+            </a:fillRef>
+            <a:effectRef idx="0">
+              <a:schemeClr val="accent1"/>
+            </a:effectRef>
+            <a:fontRef idx="minor">
+              <a:schemeClr val="tx1"/>
+            </a:fontRef>
+          </p:style>
+        </p:cxnSp>
+        <p:cxnSp>
+          <p:nvCxnSpPr>
+            <p:cNvPr id="62" name="直接箭头连接符 61">
+              <a:extLst>
+                <a:ext uri="{FF2B5EF4-FFF2-40B4-BE49-F238E27FC236}">
+                  <a16:creationId xmlns:a16="http://schemas.microsoft.com/office/drawing/2014/main" id="{35455D3A-39CE-46CC-B1D6-F36BF570D582}"/>
+                </a:ext>
+              </a:extLst>
+            </p:cNvPr>
+            <p:cNvCxnSpPr>
+              <a:stCxn id="27" idx="0"/>
+              <a:endCxn id="55" idx="2"/>
+            </p:cNvCxnSpPr>
+            <p:nvPr/>
+          </p:nvCxnSpPr>
+          <p:spPr>
+            <a:xfrm flipH="1" flipV="1">
+              <a:off x="3459480" y="3616960"/>
+              <a:ext cx="574040" cy="355601"/>
+            </a:xfrm>
+            <a:prstGeom prst="straightConnector1">
+              <a:avLst/>
+            </a:prstGeom>
+            <a:ln w="19050">
+              <a:solidFill>
+                <a:srgbClr val="FF0000"/>
+              </a:solidFill>
+              <a:tailEnd type="triangle"/>
+            </a:ln>
+          </p:spPr>
+          <p:style>
+            <a:lnRef idx="1">
+              <a:schemeClr val="accent1"/>
+            </a:lnRef>
+            <a:fillRef idx="0">
+              <a:schemeClr val="accent1"/>
+            </a:fillRef>
+            <a:effectRef idx="0">
+              <a:schemeClr val="accent1"/>
+            </a:effectRef>
+            <a:fontRef idx="minor">
+              <a:schemeClr val="tx1"/>
+            </a:fontRef>
+          </p:style>
+        </p:cxnSp>
+        <mc:AlternateContent xmlns:mc="http://schemas.openxmlformats.org/markup-compatibility/2006">
+          <mc:Choice xmlns:a14="http://schemas.microsoft.com/office/drawing/2010/main" Requires="a14">
+            <p:sp>
+              <p:nvSpPr>
+                <p:cNvPr id="65" name="矩形: 圆角 64">
+                  <a:extLst>
+                    <a:ext uri="{FF2B5EF4-FFF2-40B4-BE49-F238E27FC236}">
+                      <a16:creationId xmlns:a16="http://schemas.microsoft.com/office/drawing/2014/main" id="{56264D26-9D9F-4009-95CE-B97F2F5AAF60}"/>
+                    </a:ext>
+                  </a:extLst>
+                </p:cNvPr>
+                <p:cNvSpPr/>
+                <p:nvPr/>
+              </p:nvSpPr>
+              <p:spPr>
+                <a:xfrm>
+                  <a:off x="4521200" y="2118360"/>
+                  <a:ext cx="426720" cy="462280"/>
+                </a:xfrm>
+                <a:prstGeom prst="roundRect">
+                  <a:avLst/>
+                </a:prstGeom>
+                <a:solidFill>
+                  <a:schemeClr val="bg1"/>
+                </a:solidFill>
+                <a:ln w="19050">
+                  <a:solidFill>
+                    <a:srgbClr val="FF0000"/>
+                  </a:solidFill>
+                </a:ln>
+              </p:spPr>
+              <p:style>
+                <a:lnRef idx="2">
+                  <a:schemeClr val="accent1">
+                    <a:shade val="50000"/>
+                  </a:schemeClr>
+                </a:lnRef>
+                <a:fillRef idx="1">
+                  <a:schemeClr val="accent1"/>
+                </a:fillRef>
+                <a:effectRef idx="0">
+                  <a:schemeClr val="accent1"/>
+                </a:effectRef>
+                <a:fontRef idx="minor">
+                  <a:schemeClr val="lt1"/>
+                </a:fontRef>
+              </p:style>
+              <p:txBody>
+                <a:bodyPr rtlCol="0" anchor="ctr"/>
+                <a:lstStyle/>
+                <a:p>
+                  <a:pPr algn="ctr"/>
+                  <a14:m>
+                    <m:oMathPara xmlns:m="http://schemas.openxmlformats.org/officeDocument/2006/math">
+                      <m:oMathParaPr>
+                        <m:jc m:val="centerGroup"/>
+                      </m:oMathParaPr>
+                      <m:oMath xmlns:m="http://schemas.openxmlformats.org/officeDocument/2006/math">
+                        <m:sSup>
+                          <m:sSupPr>
+                            <m:ctrlPr>
+                              <a:rPr lang="en-US" altLang="zh-CN" b="0" i="1" smtClean="0">
+                                <a:solidFill>
+                                  <a:srgbClr val="FF0000"/>
+                                </a:solidFill>
+                                <a:latin typeface="Cambria Math" panose="02040503050406030204" pitchFamily="18" charset="0"/>
+                              </a:rPr>
+                            </m:ctrlPr>
+                          </m:sSupPr>
+                          <m:e>
+                            <m:acc>
+                              <m:accPr>
+                                <m:chr m:val="̅"/>
+                                <m:ctrlPr>
+                                  <a:rPr lang="en-US" altLang="zh-CN" b="0" i="1" smtClean="0">
+                                    <a:solidFill>
+                                      <a:srgbClr val="FF0000"/>
+                                    </a:solidFill>
+                                    <a:latin typeface="Cambria Math" panose="02040503050406030204" pitchFamily="18" charset="0"/>
+                                  </a:rPr>
+                                </m:ctrlPr>
+                              </m:accPr>
+                              <m:e>
+                                <m:sSub>
+                                  <m:sSubPr>
+                                    <m:ctrlPr>
+                                      <a:rPr lang="en-US" altLang="zh-CN" b="0" i="1" smtClean="0">
+                                        <a:solidFill>
+                                          <a:srgbClr val="FF0000"/>
+                                        </a:solidFill>
+                                        <a:latin typeface="Cambria Math" panose="02040503050406030204" pitchFamily="18" charset="0"/>
+                                      </a:rPr>
+                                    </m:ctrlPr>
+                                  </m:sSubPr>
+                                  <m:e>
+                                    <m:r>
+                                      <a:rPr lang="en-US" altLang="zh-CN" b="0" i="1" smtClean="0">
+                                        <a:solidFill>
+                                          <a:srgbClr val="FF0000"/>
+                                        </a:solidFill>
+                                        <a:latin typeface="Cambria Math" panose="02040503050406030204" pitchFamily="18" charset="0"/>
+                                      </a:rPr>
+                                      <m:t>𝑥</m:t>
+                                    </m:r>
+                                  </m:e>
+                                  <m:sub>
+                                    <m:r>
+                                      <a:rPr lang="en-US" altLang="zh-CN" b="0" i="1" smtClean="0">
+                                        <a:solidFill>
+                                          <a:srgbClr val="FF0000"/>
+                                        </a:solidFill>
+                                        <a:latin typeface="Cambria Math" panose="02040503050406030204" pitchFamily="18" charset="0"/>
+                                      </a:rPr>
+                                      <m:t>2</m:t>
+                                    </m:r>
+                                  </m:sub>
+                                </m:sSub>
+                              </m:e>
+                            </m:acc>
+                          </m:e>
+                          <m:sup>
+                            <m:r>
+                              <a:rPr lang="en-US" altLang="zh-CN" b="0" i="1" smtClean="0">
+                                <a:solidFill>
+                                  <a:srgbClr val="FF0000"/>
+                                </a:solidFill>
+                                <a:latin typeface="Cambria Math" panose="02040503050406030204" pitchFamily="18" charset="0"/>
+                              </a:rPr>
+                              <m:t>2</m:t>
+                            </m:r>
+                          </m:sup>
+                        </m:sSup>
+                      </m:oMath>
+                    </m:oMathPara>
+                  </a14:m>
+                  <a:endParaRPr lang="zh-CN" altLang="en-US" dirty="0">
+                    <a:solidFill>
+                      <a:schemeClr val="tx1"/>
+                    </a:solidFill>
+                  </a:endParaRPr>
+                </a:p>
+              </p:txBody>
+            </p:sp>
+          </mc:Choice>
+          <mc:Fallback>
+            <p:sp>
+              <p:nvSpPr>
+                <p:cNvPr id="65" name="矩形: 圆角 64">
+                  <a:extLst>
+                    <a:ext uri="{FF2B5EF4-FFF2-40B4-BE49-F238E27FC236}">
+                      <a16:creationId xmlns:a16="http://schemas.microsoft.com/office/drawing/2014/main" id="{56264D26-9D9F-4009-95CE-B97F2F5AAF60}"/>
+                    </a:ext>
+                  </a:extLst>
+                </p:cNvPr>
+                <p:cNvSpPr>
+                  <a:spLocks noRot="1" noChangeAspect="1" noMove="1" noResize="1" noEditPoints="1" noAdjustHandles="1" noChangeArrowheads="1" noChangeShapeType="1" noTextEdit="1"/>
+                </p:cNvSpPr>
+                <p:nvPr/>
+              </p:nvSpPr>
+              <p:spPr>
+                <a:xfrm>
+                  <a:off x="4521200" y="2118360"/>
+                  <a:ext cx="426720" cy="462280"/>
+                </a:xfrm>
+                <a:prstGeom prst="roundRect">
+                  <a:avLst/>
+                </a:prstGeom>
+                <a:blipFill>
+                  <a:blip r:embed="rId14"/>
+                  <a:stretch>
+                    <a:fillRect l="-9589"/>
+                  </a:stretch>
+                </a:blipFill>
+                <a:ln w="19050">
+                  <a:solidFill>
+                    <a:srgbClr val="FF0000"/>
+                  </a:solidFill>
+                </a:ln>
+              </p:spPr>
+              <p:txBody>
+                <a:bodyPr/>
+                <a:lstStyle/>
+                <a:p>
+                  <a:r>
+                    <a:rPr lang="zh-CN" altLang="en-US">
+                      <a:noFill/>
+                    </a:rPr>
+                    <a:t> </a:t>
+                  </a:r>
+                </a:p>
+              </p:txBody>
+            </p:sp>
+          </mc:Fallback>
+        </mc:AlternateContent>
+        <p:cxnSp>
+          <p:nvCxnSpPr>
+            <p:cNvPr id="67" name="直接箭头连接符 66">
+              <a:extLst>
+                <a:ext uri="{FF2B5EF4-FFF2-40B4-BE49-F238E27FC236}">
+                  <a16:creationId xmlns:a16="http://schemas.microsoft.com/office/drawing/2014/main" id="{892E3318-3C35-4357-9A7D-7954287DCF2B}"/>
+                </a:ext>
+              </a:extLst>
+            </p:cNvPr>
+            <p:cNvCxnSpPr>
+              <a:stCxn id="28" idx="0"/>
+              <a:endCxn id="65" idx="2"/>
+            </p:cNvCxnSpPr>
+            <p:nvPr/>
+          </p:nvCxnSpPr>
+          <p:spPr>
+            <a:xfrm flipV="1">
+              <a:off x="4734560" y="2580640"/>
+              <a:ext cx="0" cy="574040"/>
+            </a:xfrm>
+            <a:prstGeom prst="straightConnector1">
+              <a:avLst/>
+            </a:prstGeom>
+            <a:ln w="19050">
+              <a:solidFill>
+                <a:srgbClr val="FF0000"/>
+              </a:solidFill>
+              <a:tailEnd type="triangle"/>
+            </a:ln>
+          </p:spPr>
+          <p:style>
+            <a:lnRef idx="1">
+              <a:schemeClr val="accent1"/>
+            </a:lnRef>
+            <a:fillRef idx="0">
+              <a:schemeClr val="accent1"/>
+            </a:fillRef>
+            <a:effectRef idx="0">
+              <a:schemeClr val="accent1"/>
+            </a:effectRef>
+            <a:fontRef idx="minor">
+              <a:schemeClr val="tx1"/>
+            </a:fontRef>
+          </p:style>
+        </p:cxnSp>
+        <mc:AlternateContent xmlns:mc="http://schemas.openxmlformats.org/markup-compatibility/2006">
+          <mc:Choice xmlns:a14="http://schemas.microsoft.com/office/drawing/2010/main" Requires="a14">
+            <p:sp>
+              <p:nvSpPr>
+                <p:cNvPr id="68" name="矩形 67">
+                  <a:extLst>
+                    <a:ext uri="{FF2B5EF4-FFF2-40B4-BE49-F238E27FC236}">
+                      <a16:creationId xmlns:a16="http://schemas.microsoft.com/office/drawing/2014/main" id="{9C3DF92F-0946-45F5-8897-3A7054E4CCF1}"/>
+                    </a:ext>
+                  </a:extLst>
+                </p:cNvPr>
+                <p:cNvSpPr/>
+                <p:nvPr/>
+              </p:nvSpPr>
+              <p:spPr>
+                <a:xfrm>
+                  <a:off x="2954020" y="3502660"/>
+                  <a:ext cx="528320" cy="355600"/>
+                </a:xfrm>
+                <a:prstGeom prst="rect">
+                  <a:avLst/>
+                </a:prstGeom>
+                <a:noFill/>
+                <a:ln>
+                  <a:noFill/>
+                </a:ln>
+              </p:spPr>
+              <p:style>
+                <a:lnRef idx="2">
+                  <a:schemeClr val="accent1">
+                    <a:shade val="50000"/>
+                  </a:schemeClr>
+                </a:lnRef>
+                <a:fillRef idx="1">
+                  <a:schemeClr val="accent1"/>
+                </a:fillRef>
+                <a:effectRef idx="0">
+                  <a:schemeClr val="accent1"/>
+                </a:effectRef>
+                <a:fontRef idx="minor">
+                  <a:schemeClr val="lt1"/>
+                </a:fontRef>
+              </p:style>
+              <p:txBody>
+                <a:bodyPr rtlCol="0" anchor="ctr"/>
+                <a:lstStyle/>
+                <a:p>
+                  <a:pPr algn="ctr"/>
+                  <a14:m>
+                    <m:oMathPara xmlns:m="http://schemas.openxmlformats.org/officeDocument/2006/math">
+                      <m:oMathParaPr>
+                        <m:jc m:val="centerGroup"/>
+                      </m:oMathParaPr>
+                      <m:oMath xmlns:m="http://schemas.openxmlformats.org/officeDocument/2006/math">
+                        <m:r>
+                          <a:rPr lang="en-US" altLang="zh-CN" i="1" dirty="0">
+                            <a:solidFill>
+                              <a:schemeClr val="tx1"/>
+                            </a:solidFill>
+                            <a:latin typeface="Cambria Math" panose="02040503050406030204" pitchFamily="18" charset="0"/>
+                          </a:rPr>
+                          <m:t>*</m:t>
+                        </m:r>
+                        <m:r>
+                          <a:rPr lang="zh-CN" altLang="en-US" i="1" dirty="0" smtClean="0">
+                            <a:solidFill>
+                              <a:schemeClr val="tx1"/>
+                            </a:solidFill>
+                            <a:latin typeface="Cambria Math" panose="02040503050406030204" pitchFamily="18" charset="0"/>
+                          </a:rPr>
+                          <m:t>⁡</m:t>
+                        </m:r>
+                      </m:oMath>
+                    </m:oMathPara>
+                  </a14:m>
+                  <a:endParaRPr lang="zh-CN" altLang="en-US" dirty="0">
+                    <a:solidFill>
+                      <a:schemeClr val="tx1"/>
+                    </a:solidFill>
+                  </a:endParaRPr>
+                </a:p>
+              </p:txBody>
+            </p:sp>
+          </mc:Choice>
+          <mc:Fallback>
+            <p:sp>
+              <p:nvSpPr>
+                <p:cNvPr id="68" name="矩形 67">
+                  <a:extLst>
+                    <a:ext uri="{FF2B5EF4-FFF2-40B4-BE49-F238E27FC236}">
+                      <a16:creationId xmlns:a16="http://schemas.microsoft.com/office/drawing/2014/main" id="{9C3DF92F-0946-45F5-8897-3A7054E4CCF1}"/>
+                    </a:ext>
+                  </a:extLst>
+                </p:cNvPr>
+                <p:cNvSpPr>
+                  <a:spLocks noRot="1" noChangeAspect="1" noMove="1" noResize="1" noEditPoints="1" noAdjustHandles="1" noChangeArrowheads="1" noChangeShapeType="1" noTextEdit="1"/>
+                </p:cNvSpPr>
+                <p:nvPr/>
+              </p:nvSpPr>
+              <p:spPr>
+                <a:xfrm>
+                  <a:off x="2954020" y="3502660"/>
+                  <a:ext cx="528320" cy="355600"/>
+                </a:xfrm>
+                <a:prstGeom prst="rect">
+                  <a:avLst/>
+                </a:prstGeom>
+                <a:blipFill>
+                  <a:blip r:embed="rId15"/>
+                  <a:stretch>
+                    <a:fillRect/>
+                  </a:stretch>
+                </a:blipFill>
+                <a:ln>
+                  <a:noFill/>
+                </a:ln>
+              </p:spPr>
+              <p:txBody>
+                <a:bodyPr/>
+                <a:lstStyle/>
+                <a:p>
+                  <a:r>
+                    <a:rPr lang="zh-CN" altLang="en-US">
+                      <a:noFill/>
+                    </a:rPr>
+                    <a:t> </a:t>
+                  </a:r>
+                </a:p>
+              </p:txBody>
+            </p:sp>
+          </mc:Fallback>
+        </mc:AlternateContent>
+        <mc:AlternateContent xmlns:mc="http://schemas.openxmlformats.org/markup-compatibility/2006">
+          <mc:Choice xmlns:a14="http://schemas.microsoft.com/office/drawing/2010/main" Requires="a14">
+            <p:sp>
+              <p:nvSpPr>
+                <p:cNvPr id="69" name="矩形 68">
+                  <a:extLst>
+                    <a:ext uri="{FF2B5EF4-FFF2-40B4-BE49-F238E27FC236}">
+                      <a16:creationId xmlns:a16="http://schemas.microsoft.com/office/drawing/2014/main" id="{90A3808F-F446-4843-9CE3-810B0D197029}"/>
+                    </a:ext>
+                  </a:extLst>
+                </p:cNvPr>
+                <p:cNvSpPr/>
+                <p:nvPr/>
+              </p:nvSpPr>
+              <p:spPr>
+                <a:xfrm>
+                  <a:off x="5008880" y="2646680"/>
+                  <a:ext cx="528320" cy="355600"/>
+                </a:xfrm>
+                <a:prstGeom prst="rect">
+                  <a:avLst/>
+                </a:prstGeom>
+                <a:noFill/>
+                <a:ln>
+                  <a:noFill/>
+                </a:ln>
+              </p:spPr>
+              <p:style>
+                <a:lnRef idx="2">
+                  <a:schemeClr val="accent1">
+                    <a:shade val="50000"/>
+                  </a:schemeClr>
+                </a:lnRef>
+                <a:fillRef idx="1">
+                  <a:schemeClr val="accent1"/>
+                </a:fillRef>
+                <a:effectRef idx="0">
+                  <a:schemeClr val="accent1"/>
+                </a:effectRef>
+                <a:fontRef idx="minor">
+                  <a:schemeClr val="lt1"/>
+                </a:fontRef>
+              </p:style>
+              <p:txBody>
+                <a:bodyPr rtlCol="0" anchor="ctr"/>
+                <a:lstStyle/>
+                <a:p>
+                  <a:pPr algn="ctr"/>
+                  <a14:m>
+                    <m:oMathPara xmlns:m="http://schemas.openxmlformats.org/officeDocument/2006/math">
+                      <m:oMathParaPr>
+                        <m:jc m:val="centerGroup"/>
+                      </m:oMathParaPr>
+                      <m:oMath xmlns:m="http://schemas.openxmlformats.org/officeDocument/2006/math">
+                        <m:r>
+                          <a:rPr lang="en-US" altLang="zh-CN" i="1" dirty="0" smtClean="0">
+                            <a:solidFill>
+                              <a:schemeClr val="tx1"/>
+                            </a:solidFill>
+                            <a:latin typeface="Cambria Math" panose="02040503050406030204" pitchFamily="18" charset="0"/>
+                          </a:rPr>
+                          <m:t>𝑖</m:t>
+                        </m:r>
+                        <m:r>
+                          <a:rPr lang="en-US" altLang="zh-CN" b="0" i="1" dirty="0" smtClean="0">
+                            <a:solidFill>
+                              <a:schemeClr val="tx1"/>
+                            </a:solidFill>
+                            <a:latin typeface="Cambria Math" panose="02040503050406030204" pitchFamily="18" charset="0"/>
+                          </a:rPr>
+                          <m:t>𝑑𝑒𝑛𝑡𝑖𝑡𝑦</m:t>
+                        </m:r>
+                        <m:r>
+                          <a:rPr lang="zh-CN" altLang="en-US" i="1" dirty="0" smtClean="0">
+                            <a:solidFill>
+                              <a:schemeClr val="tx1"/>
+                            </a:solidFill>
+                            <a:latin typeface="Cambria Math" panose="02040503050406030204" pitchFamily="18" charset="0"/>
+                          </a:rPr>
+                          <m:t>⁡</m:t>
+                        </m:r>
+                      </m:oMath>
+                    </m:oMathPara>
+                  </a14:m>
+                  <a:endParaRPr lang="zh-CN" altLang="en-US" dirty="0">
+                    <a:solidFill>
+                      <a:schemeClr val="tx1"/>
+                    </a:solidFill>
+                  </a:endParaRPr>
+                </a:p>
+              </p:txBody>
+            </p:sp>
+          </mc:Choice>
+          <mc:Fallback>
+            <p:sp>
+              <p:nvSpPr>
+                <p:cNvPr id="69" name="矩形 68">
+                  <a:extLst>
+                    <a:ext uri="{FF2B5EF4-FFF2-40B4-BE49-F238E27FC236}">
+                      <a16:creationId xmlns:a16="http://schemas.microsoft.com/office/drawing/2014/main" id="{90A3808F-F446-4843-9CE3-810B0D197029}"/>
+                    </a:ext>
+                  </a:extLst>
+                </p:cNvPr>
+                <p:cNvSpPr>
+                  <a:spLocks noRot="1" noChangeAspect="1" noMove="1" noResize="1" noEditPoints="1" noAdjustHandles="1" noChangeArrowheads="1" noChangeShapeType="1" noTextEdit="1"/>
+                </p:cNvSpPr>
+                <p:nvPr/>
+              </p:nvSpPr>
+              <p:spPr>
+                <a:xfrm>
+                  <a:off x="5008880" y="2646680"/>
+                  <a:ext cx="528320" cy="355600"/>
+                </a:xfrm>
+                <a:prstGeom prst="rect">
+                  <a:avLst/>
+                </a:prstGeom>
+                <a:blipFill>
+                  <a:blip r:embed="rId16"/>
+                  <a:stretch>
+                    <a:fillRect l="-56977" r="-39535" b="-15254"/>
+                  </a:stretch>
+                </a:blipFill>
+                <a:ln>
+                  <a:noFill/>
+                </a:ln>
+              </p:spPr>
+              <p:txBody>
+                <a:bodyPr/>
+                <a:lstStyle/>
+                <a:p>
+                  <a:r>
+                    <a:rPr lang="zh-CN" altLang="en-US">
+                      <a:noFill/>
+                    </a:rPr>
+                    <a:t> </a:t>
+                  </a:r>
+                </a:p>
+              </p:txBody>
+            </p:sp>
+          </mc:Fallback>
+        </mc:AlternateContent>
+        <mc:AlternateContent xmlns:mc="http://schemas.openxmlformats.org/markup-compatibility/2006">
+          <mc:Choice xmlns:a14="http://schemas.microsoft.com/office/drawing/2010/main" Requires="a14">
+            <p:sp>
+              <p:nvSpPr>
+                <p:cNvPr id="71" name="矩形: 圆角 70">
+                  <a:extLst>
+                    <a:ext uri="{FF2B5EF4-FFF2-40B4-BE49-F238E27FC236}">
+                      <a16:creationId xmlns:a16="http://schemas.microsoft.com/office/drawing/2014/main" id="{829D6D97-FAF5-4CB4-9994-5CAE7684D227}"/>
+                    </a:ext>
+                  </a:extLst>
+                </p:cNvPr>
+                <p:cNvSpPr/>
+                <p:nvPr/>
+              </p:nvSpPr>
+              <p:spPr>
+                <a:xfrm>
+                  <a:off x="3672840" y="1437640"/>
+                  <a:ext cx="426720" cy="462280"/>
+                </a:xfrm>
+                <a:prstGeom prst="roundRect">
+                  <a:avLst/>
+                </a:prstGeom>
+                <a:solidFill>
+                  <a:schemeClr val="bg1"/>
+                </a:solidFill>
+                <a:ln w="19050">
+                  <a:solidFill>
+                    <a:srgbClr val="FF0000"/>
+                  </a:solidFill>
+                </a:ln>
+              </p:spPr>
+              <p:style>
+                <a:lnRef idx="2">
+                  <a:schemeClr val="accent1">
+                    <a:shade val="50000"/>
+                  </a:schemeClr>
+                </a:lnRef>
+                <a:fillRef idx="1">
+                  <a:schemeClr val="accent1"/>
+                </a:fillRef>
+                <a:effectRef idx="0">
+                  <a:schemeClr val="accent1"/>
+                </a:effectRef>
+                <a:fontRef idx="minor">
+                  <a:schemeClr val="lt1"/>
+                </a:fontRef>
+              </p:style>
+              <p:txBody>
+                <a:bodyPr rtlCol="0" anchor="ctr"/>
+                <a:lstStyle/>
+                <a:p>
+                  <a:pPr algn="ctr"/>
+                  <a14:m>
+                    <m:oMathPara xmlns:m="http://schemas.openxmlformats.org/officeDocument/2006/math">
+                      <m:oMathParaPr>
+                        <m:jc m:val="centerGroup"/>
+                      </m:oMathParaPr>
+                      <m:oMath xmlns:m="http://schemas.openxmlformats.org/officeDocument/2006/math">
+                        <m:acc>
+                          <m:accPr>
+                            <m:chr m:val="̅"/>
+                            <m:ctrlPr>
+                              <a:rPr lang="en-US" altLang="zh-CN" i="1" smtClean="0">
+                                <a:solidFill>
+                                  <a:srgbClr val="FF0000"/>
+                                </a:solidFill>
+                                <a:latin typeface="Cambria Math" panose="02040503050406030204" pitchFamily="18" charset="0"/>
+                              </a:rPr>
+                            </m:ctrlPr>
+                          </m:accPr>
+                          <m:e>
+                            <m:sSub>
+                              <m:sSubPr>
+                                <m:ctrlPr>
+                                  <a:rPr lang="en-US" altLang="zh-CN" i="1">
+                                    <a:solidFill>
+                                      <a:srgbClr val="FF0000"/>
+                                    </a:solidFill>
+                                    <a:latin typeface="Cambria Math" panose="02040503050406030204" pitchFamily="18" charset="0"/>
+                                  </a:rPr>
+                                </m:ctrlPr>
+                              </m:sSubPr>
+                              <m:e>
+                                <m:r>
+                                  <a:rPr lang="en-US" altLang="zh-CN" i="1">
+                                    <a:solidFill>
+                                      <a:srgbClr val="FF0000"/>
+                                    </a:solidFill>
+                                    <a:latin typeface="Cambria Math" panose="02040503050406030204" pitchFamily="18" charset="0"/>
+                                  </a:rPr>
+                                  <m:t>𝑥</m:t>
+                                </m:r>
+                              </m:e>
+                              <m:sub>
+                                <m:r>
+                                  <a:rPr lang="en-US" altLang="zh-CN" b="0" i="1" smtClean="0">
+                                    <a:solidFill>
+                                      <a:srgbClr val="FF0000"/>
+                                    </a:solidFill>
+                                    <a:latin typeface="Cambria Math" panose="02040503050406030204" pitchFamily="18" charset="0"/>
+                                  </a:rPr>
+                                  <m:t>2</m:t>
+                                </m:r>
+                              </m:sub>
+                            </m:sSub>
+                          </m:e>
+                        </m:acc>
+                      </m:oMath>
+                    </m:oMathPara>
+                  </a14:m>
+                  <a:endParaRPr lang="zh-CN" altLang="en-US" dirty="0">
+                    <a:solidFill>
+                      <a:schemeClr val="tx1"/>
+                    </a:solidFill>
+                  </a:endParaRPr>
+                </a:p>
+              </p:txBody>
+            </p:sp>
+          </mc:Choice>
+          <mc:Fallback>
+            <p:sp>
+              <p:nvSpPr>
+                <p:cNvPr id="71" name="矩形: 圆角 70">
+                  <a:extLst>
+                    <a:ext uri="{FF2B5EF4-FFF2-40B4-BE49-F238E27FC236}">
+                      <a16:creationId xmlns:a16="http://schemas.microsoft.com/office/drawing/2014/main" id="{829D6D97-FAF5-4CB4-9994-5CAE7684D227}"/>
+                    </a:ext>
+                  </a:extLst>
+                </p:cNvPr>
+                <p:cNvSpPr>
+                  <a:spLocks noRot="1" noChangeAspect="1" noMove="1" noResize="1" noEditPoints="1" noAdjustHandles="1" noChangeArrowheads="1" noChangeShapeType="1" noTextEdit="1"/>
+                </p:cNvSpPr>
+                <p:nvPr/>
+              </p:nvSpPr>
+              <p:spPr>
+                <a:xfrm>
+                  <a:off x="3672840" y="1437640"/>
+                  <a:ext cx="426720" cy="462280"/>
+                </a:xfrm>
+                <a:prstGeom prst="roundRect">
+                  <a:avLst/>
+                </a:prstGeom>
+                <a:blipFill>
+                  <a:blip r:embed="rId17"/>
+                  <a:stretch>
+                    <a:fillRect/>
+                  </a:stretch>
+                </a:blipFill>
+                <a:ln w="19050">
+                  <a:solidFill>
+                    <a:srgbClr val="FF0000"/>
+                  </a:solidFill>
+                </a:ln>
+              </p:spPr>
+              <p:txBody>
+                <a:bodyPr/>
+                <a:lstStyle/>
+                <a:p>
+                  <a:r>
+                    <a:rPr lang="zh-CN" altLang="en-US">
+                      <a:noFill/>
+                    </a:rPr>
+                    <a:t> </a:t>
+                  </a:r>
+                </a:p>
+              </p:txBody>
+            </p:sp>
+          </mc:Fallback>
+        </mc:AlternateContent>
+        <p:cxnSp>
+          <p:nvCxnSpPr>
+            <p:cNvPr id="73" name="直接箭头连接符 72">
+              <a:extLst>
+                <a:ext uri="{FF2B5EF4-FFF2-40B4-BE49-F238E27FC236}">
+                  <a16:creationId xmlns:a16="http://schemas.microsoft.com/office/drawing/2014/main" id="{CE69635E-DB55-45C6-A3EC-44D544BE35D3}"/>
+                </a:ext>
+              </a:extLst>
+            </p:cNvPr>
+            <p:cNvCxnSpPr>
+              <a:stCxn id="55" idx="0"/>
+              <a:endCxn id="71" idx="2"/>
+            </p:cNvCxnSpPr>
+            <p:nvPr/>
+          </p:nvCxnSpPr>
+          <p:spPr>
+            <a:xfrm flipV="1">
+              <a:off x="3459480" y="1899920"/>
+              <a:ext cx="426720" cy="1254760"/>
+            </a:xfrm>
+            <a:prstGeom prst="straightConnector1">
+              <a:avLst/>
+            </a:prstGeom>
+            <a:ln w="19050">
+              <a:solidFill>
+                <a:srgbClr val="FF0000"/>
+              </a:solidFill>
+              <a:tailEnd type="triangle"/>
+            </a:ln>
+          </p:spPr>
+          <p:style>
+            <a:lnRef idx="1">
+              <a:schemeClr val="accent1"/>
+            </a:lnRef>
+            <a:fillRef idx="0">
+              <a:schemeClr val="accent1"/>
+            </a:fillRef>
+            <a:effectRef idx="0">
+              <a:schemeClr val="accent1"/>
+            </a:effectRef>
+            <a:fontRef idx="minor">
+              <a:schemeClr val="tx1"/>
+            </a:fontRef>
+          </p:style>
+        </p:cxnSp>
+        <p:cxnSp>
+          <p:nvCxnSpPr>
+            <p:cNvPr id="75" name="直接箭头连接符 74">
+              <a:extLst>
+                <a:ext uri="{FF2B5EF4-FFF2-40B4-BE49-F238E27FC236}">
+                  <a16:creationId xmlns:a16="http://schemas.microsoft.com/office/drawing/2014/main" id="{337FC3FA-2A30-44AF-A061-6D742F748418}"/>
+                </a:ext>
+              </a:extLst>
+            </p:cNvPr>
+            <p:cNvCxnSpPr>
+              <a:stCxn id="65" idx="0"/>
+              <a:endCxn id="71" idx="2"/>
+            </p:cNvCxnSpPr>
+            <p:nvPr/>
+          </p:nvCxnSpPr>
+          <p:spPr>
+            <a:xfrm flipH="1" flipV="1">
+              <a:off x="3886200" y="1899920"/>
+              <a:ext cx="848360" cy="218440"/>
+            </a:xfrm>
+            <a:prstGeom prst="straightConnector1">
+              <a:avLst/>
+            </a:prstGeom>
+            <a:ln w="19050">
+              <a:solidFill>
+                <a:srgbClr val="FF0000"/>
+              </a:solidFill>
+              <a:tailEnd type="triangle"/>
+            </a:ln>
+          </p:spPr>
+          <p:style>
+            <a:lnRef idx="1">
+              <a:schemeClr val="accent1"/>
+            </a:lnRef>
+            <a:fillRef idx="0">
+              <a:schemeClr val="accent1"/>
+            </a:fillRef>
+            <a:effectRef idx="0">
+              <a:schemeClr val="accent1"/>
+            </a:effectRef>
+            <a:fontRef idx="minor">
+              <a:schemeClr val="tx1"/>
+            </a:fontRef>
+          </p:style>
+        </p:cxnSp>
+        <mc:AlternateContent xmlns:mc="http://schemas.openxmlformats.org/markup-compatibility/2006">
+          <mc:Choice xmlns:a14="http://schemas.microsoft.com/office/drawing/2010/main" Requires="a14">
+            <p:sp>
+              <p:nvSpPr>
+                <p:cNvPr id="76" name="矩形 75">
+                  <a:extLst>
+                    <a:ext uri="{FF2B5EF4-FFF2-40B4-BE49-F238E27FC236}">
+                      <a16:creationId xmlns:a16="http://schemas.microsoft.com/office/drawing/2014/main" id="{1B2D9BFC-AB17-49AF-B449-821DB36A8B6D}"/>
+                    </a:ext>
+                  </a:extLst>
+                </p:cNvPr>
+                <p:cNvSpPr/>
+                <p:nvPr/>
+              </p:nvSpPr>
+              <p:spPr>
+                <a:xfrm>
+                  <a:off x="3779520" y="1930401"/>
+                  <a:ext cx="528320" cy="355600"/>
+                </a:xfrm>
+                <a:prstGeom prst="rect">
+                  <a:avLst/>
+                </a:prstGeom>
+                <a:noFill/>
+                <a:ln>
+                  <a:noFill/>
+                </a:ln>
+              </p:spPr>
+              <p:style>
+                <a:lnRef idx="2">
+                  <a:schemeClr val="accent1">
+                    <a:shade val="50000"/>
+                  </a:schemeClr>
+                </a:lnRef>
+                <a:fillRef idx="1">
+                  <a:schemeClr val="accent1"/>
+                </a:fillRef>
+                <a:effectRef idx="0">
+                  <a:schemeClr val="accent1"/>
+                </a:effectRef>
+                <a:fontRef idx="minor">
+                  <a:schemeClr val="lt1"/>
+                </a:fontRef>
+              </p:style>
+              <p:txBody>
+                <a:bodyPr rtlCol="0" anchor="ctr"/>
+                <a:lstStyle/>
+                <a:p>
+                  <a:pPr algn="ctr"/>
+                  <a14:m>
+                    <m:oMathPara xmlns:m="http://schemas.openxmlformats.org/officeDocument/2006/math">
+                      <m:oMathParaPr>
+                        <m:jc m:val="centerGroup"/>
+                      </m:oMathParaPr>
+                      <m:oMath xmlns:m="http://schemas.openxmlformats.org/officeDocument/2006/math">
+                        <m:r>
+                          <a:rPr lang="en-US" altLang="zh-CN" i="1" dirty="0" smtClean="0">
+                            <a:solidFill>
+                              <a:schemeClr val="tx1"/>
+                            </a:solidFill>
+                            <a:latin typeface="Cambria Math" panose="02040503050406030204" pitchFamily="18" charset="0"/>
+                          </a:rPr>
+                          <m:t>+</m:t>
+                        </m:r>
+                        <m:r>
+                          <a:rPr lang="zh-CN" altLang="en-US" i="1" dirty="0" smtClean="0">
+                            <a:solidFill>
+                              <a:schemeClr val="tx1"/>
+                            </a:solidFill>
+                            <a:latin typeface="Cambria Math" panose="02040503050406030204" pitchFamily="18" charset="0"/>
+                          </a:rPr>
+                          <m:t>⁡</m:t>
+                        </m:r>
+                      </m:oMath>
+                    </m:oMathPara>
+                  </a14:m>
+                  <a:endParaRPr lang="zh-CN" altLang="en-US" dirty="0">
+                    <a:solidFill>
+                      <a:schemeClr val="tx1"/>
+                    </a:solidFill>
+                  </a:endParaRPr>
+                </a:p>
+              </p:txBody>
+            </p:sp>
+          </mc:Choice>
+          <mc:Fallback>
+            <p:sp>
+              <p:nvSpPr>
+                <p:cNvPr id="76" name="矩形 75">
+                  <a:extLst>
+                    <a:ext uri="{FF2B5EF4-FFF2-40B4-BE49-F238E27FC236}">
+                      <a16:creationId xmlns:a16="http://schemas.microsoft.com/office/drawing/2014/main" id="{1B2D9BFC-AB17-49AF-B449-821DB36A8B6D}"/>
+                    </a:ext>
+                  </a:extLst>
+                </p:cNvPr>
+                <p:cNvSpPr>
+                  <a:spLocks noRot="1" noChangeAspect="1" noMove="1" noResize="1" noEditPoints="1" noAdjustHandles="1" noChangeArrowheads="1" noChangeShapeType="1" noTextEdit="1"/>
+                </p:cNvSpPr>
+                <p:nvPr/>
+              </p:nvSpPr>
+              <p:spPr>
+                <a:xfrm>
+                  <a:off x="3779520" y="1930401"/>
+                  <a:ext cx="528320" cy="355600"/>
+                </a:xfrm>
+                <a:prstGeom prst="rect">
+                  <a:avLst/>
+                </a:prstGeom>
+                <a:blipFill>
+                  <a:blip r:embed="rId18"/>
+                  <a:stretch>
+                    <a:fillRect/>
+                  </a:stretch>
+                </a:blipFill>
+                <a:ln>
+                  <a:noFill/>
+                </a:ln>
+              </p:spPr>
+              <p:txBody>
+                <a:bodyPr/>
+                <a:lstStyle/>
+                <a:p>
+                  <a:r>
+                    <a:rPr lang="zh-CN" altLang="en-US">
+                      <a:noFill/>
+                    </a:rPr>
+                    <a:t> </a:t>
+                  </a:r>
+                </a:p>
+              </p:txBody>
+            </p:sp>
+          </mc:Fallback>
+        </mc:AlternateContent>
+        <mc:AlternateContent xmlns:mc="http://schemas.openxmlformats.org/markup-compatibility/2006">
+          <mc:Choice xmlns:a14="http://schemas.microsoft.com/office/drawing/2010/main" Requires="a14">
+            <p:sp>
+              <p:nvSpPr>
+                <p:cNvPr id="79" name="矩形: 圆角 78">
+                  <a:extLst>
+                    <a:ext uri="{FF2B5EF4-FFF2-40B4-BE49-F238E27FC236}">
+                      <a16:creationId xmlns:a16="http://schemas.microsoft.com/office/drawing/2014/main" id="{84F3B2B0-1577-4F9C-BA27-E840F9C0CF96}"/>
+                    </a:ext>
+                  </a:extLst>
+                </p:cNvPr>
+                <p:cNvSpPr/>
+                <p:nvPr/>
+              </p:nvSpPr>
+              <p:spPr>
+                <a:xfrm>
+                  <a:off x="3672840" y="692152"/>
+                  <a:ext cx="426720" cy="462280"/>
+                </a:xfrm>
+                <a:prstGeom prst="roundRect">
+                  <a:avLst/>
+                </a:prstGeom>
+                <a:solidFill>
+                  <a:schemeClr val="bg1"/>
+                </a:solidFill>
+                <a:ln w="19050">
+                  <a:solidFill>
+                    <a:srgbClr val="FF0000"/>
+                  </a:solidFill>
+                </a:ln>
+              </p:spPr>
+              <p:style>
+                <a:lnRef idx="2">
+                  <a:schemeClr val="accent1">
+                    <a:shade val="50000"/>
+                  </a:schemeClr>
+                </a:lnRef>
+                <a:fillRef idx="1">
+                  <a:schemeClr val="accent1"/>
+                </a:fillRef>
+                <a:effectRef idx="0">
+                  <a:schemeClr val="accent1"/>
+                </a:effectRef>
+                <a:fontRef idx="minor">
+                  <a:schemeClr val="lt1"/>
+                </a:fontRef>
+              </p:style>
+              <p:txBody>
+                <a:bodyPr rtlCol="0" anchor="ctr"/>
+                <a:lstStyle/>
+                <a:p>
+                  <a:pPr algn="ctr"/>
+                  <a14:m>
+                    <m:oMathPara xmlns:m="http://schemas.openxmlformats.org/officeDocument/2006/math">
+                      <m:oMathParaPr>
+                        <m:jc m:val="centerGroup"/>
+                      </m:oMathParaPr>
+                      <m:oMath xmlns:m="http://schemas.openxmlformats.org/officeDocument/2006/math">
+                        <m:acc>
+                          <m:accPr>
+                            <m:chr m:val="̅"/>
+                            <m:ctrlPr>
+                              <a:rPr lang="en-US" altLang="zh-CN" i="1" smtClean="0">
+                                <a:solidFill>
+                                  <a:srgbClr val="FF0000"/>
+                                </a:solidFill>
+                                <a:latin typeface="Cambria Math" panose="02040503050406030204" pitchFamily="18" charset="0"/>
+                              </a:rPr>
+                            </m:ctrlPr>
+                          </m:accPr>
+                          <m:e>
+                            <m:sSub>
+                              <m:sSubPr>
+                                <m:ctrlPr>
+                                  <a:rPr lang="en-US" altLang="zh-CN" i="1">
+                                    <a:solidFill>
+                                      <a:srgbClr val="FF0000"/>
+                                    </a:solidFill>
+                                    <a:latin typeface="Cambria Math" panose="02040503050406030204" pitchFamily="18" charset="0"/>
+                                  </a:rPr>
+                                </m:ctrlPr>
+                              </m:sSubPr>
+                              <m:e>
+                                <m:r>
+                                  <a:rPr lang="en-US" altLang="zh-CN" i="1">
+                                    <a:solidFill>
+                                      <a:srgbClr val="FF0000"/>
+                                    </a:solidFill>
+                                    <a:latin typeface="Cambria Math" panose="02040503050406030204" pitchFamily="18" charset="0"/>
+                                  </a:rPr>
+                                  <m:t>𝑥</m:t>
+                                </m:r>
+                              </m:e>
+                              <m:sub>
+                                <m:r>
+                                  <a:rPr lang="en-US" altLang="zh-CN" b="0" i="1" smtClean="0">
+                                    <a:solidFill>
+                                      <a:srgbClr val="FF0000"/>
+                                    </a:solidFill>
+                                    <a:latin typeface="Cambria Math" panose="02040503050406030204" pitchFamily="18" charset="0"/>
+                                  </a:rPr>
+                                  <m:t>1</m:t>
+                                </m:r>
+                              </m:sub>
+                            </m:sSub>
+                          </m:e>
+                        </m:acc>
+                      </m:oMath>
+                    </m:oMathPara>
+                  </a14:m>
+                  <a:endParaRPr lang="zh-CN" altLang="en-US" dirty="0">
+                    <a:solidFill>
+                      <a:schemeClr val="tx1"/>
+                    </a:solidFill>
+                  </a:endParaRPr>
+                </a:p>
+              </p:txBody>
+            </p:sp>
+          </mc:Choice>
+          <mc:Fallback>
+            <p:sp>
+              <p:nvSpPr>
+                <p:cNvPr id="79" name="矩形: 圆角 78">
+                  <a:extLst>
+                    <a:ext uri="{FF2B5EF4-FFF2-40B4-BE49-F238E27FC236}">
+                      <a16:creationId xmlns:a16="http://schemas.microsoft.com/office/drawing/2014/main" id="{84F3B2B0-1577-4F9C-BA27-E840F9C0CF96}"/>
+                    </a:ext>
+                  </a:extLst>
+                </p:cNvPr>
+                <p:cNvSpPr>
+                  <a:spLocks noRot="1" noChangeAspect="1" noMove="1" noResize="1" noEditPoints="1" noAdjustHandles="1" noChangeArrowheads="1" noChangeShapeType="1" noTextEdit="1"/>
+                </p:cNvSpPr>
+                <p:nvPr/>
+              </p:nvSpPr>
+              <p:spPr>
+                <a:xfrm>
+                  <a:off x="3672840" y="692152"/>
+                  <a:ext cx="426720" cy="462280"/>
+                </a:xfrm>
+                <a:prstGeom prst="roundRect">
+                  <a:avLst/>
+                </a:prstGeom>
+                <a:blipFill>
+                  <a:blip r:embed="rId19"/>
+                  <a:stretch>
+                    <a:fillRect/>
+                  </a:stretch>
+                </a:blipFill>
+                <a:ln w="19050">
+                  <a:solidFill>
+                    <a:srgbClr val="FF0000"/>
+                  </a:solidFill>
+                </a:ln>
+              </p:spPr>
+              <p:txBody>
+                <a:bodyPr/>
+                <a:lstStyle/>
+                <a:p>
+                  <a:r>
+                    <a:rPr lang="zh-CN" altLang="en-US">
+                      <a:noFill/>
+                    </a:rPr>
+                    <a:t> </a:t>
+                  </a:r>
+                </a:p>
+              </p:txBody>
+            </p:sp>
+          </mc:Fallback>
+        </mc:AlternateContent>
+        <p:cxnSp>
+          <p:nvCxnSpPr>
+            <p:cNvPr id="81" name="直接箭头连接符 80">
+              <a:extLst>
+                <a:ext uri="{FF2B5EF4-FFF2-40B4-BE49-F238E27FC236}">
+                  <a16:creationId xmlns:a16="http://schemas.microsoft.com/office/drawing/2014/main" id="{24BEA5EE-CD89-4A05-A7A9-42DEB4956572}"/>
+                </a:ext>
+              </a:extLst>
+            </p:cNvPr>
+            <p:cNvCxnSpPr>
+              <a:stCxn id="71" idx="0"/>
+              <a:endCxn id="79" idx="2"/>
+            </p:cNvCxnSpPr>
+            <p:nvPr/>
+          </p:nvCxnSpPr>
+          <p:spPr>
+            <a:xfrm flipV="1">
+              <a:off x="3886200" y="1154432"/>
+              <a:ext cx="0" cy="283208"/>
+            </a:xfrm>
+            <a:prstGeom prst="straightConnector1">
+              <a:avLst/>
+            </a:prstGeom>
+            <a:ln w="19050">
+              <a:solidFill>
+                <a:srgbClr val="FF0000"/>
+              </a:solidFill>
+              <a:tailEnd type="triangle"/>
+            </a:ln>
+          </p:spPr>
+          <p:style>
+            <a:lnRef idx="1">
+              <a:schemeClr val="accent1"/>
+            </a:lnRef>
+            <a:fillRef idx="0">
+              <a:schemeClr val="accent1"/>
+            </a:fillRef>
+            <a:effectRef idx="0">
+              <a:schemeClr val="accent1"/>
+            </a:effectRef>
+            <a:fontRef idx="minor">
+              <a:schemeClr val="tx1"/>
+            </a:fontRef>
+          </p:style>
+        </p:cxnSp>
+        <p:cxnSp>
+          <p:nvCxnSpPr>
+            <p:cNvPr id="83" name="连接符: 曲线 82">
+              <a:extLst>
+                <a:ext uri="{FF2B5EF4-FFF2-40B4-BE49-F238E27FC236}">
+                  <a16:creationId xmlns:a16="http://schemas.microsoft.com/office/drawing/2014/main" id="{14EC7396-025C-439B-9365-04AEA72325A7}"/>
+                </a:ext>
+              </a:extLst>
+            </p:cNvPr>
+            <p:cNvCxnSpPr>
+              <a:endCxn id="79" idx="1"/>
+            </p:cNvCxnSpPr>
+            <p:nvPr/>
+          </p:nvCxnSpPr>
+          <p:spPr>
+            <a:xfrm flipV="1">
+              <a:off x="1036320" y="923292"/>
+              <a:ext cx="2636520" cy="1738628"/>
+            </a:xfrm>
+            <a:prstGeom prst="curvedConnector3">
+              <a:avLst>
+                <a:gd name="adj1" fmla="val 28805"/>
+              </a:avLst>
+            </a:prstGeom>
+            <a:ln w="19050">
+              <a:solidFill>
+                <a:srgbClr val="FF0000"/>
+              </a:solidFill>
+              <a:tailEnd type="triangle"/>
+            </a:ln>
+          </p:spPr>
+          <p:style>
+            <a:lnRef idx="1">
+              <a:schemeClr val="accent1"/>
+            </a:lnRef>
+            <a:fillRef idx="0">
+              <a:schemeClr val="accent1"/>
+            </a:fillRef>
+            <a:effectRef idx="0">
+              <a:schemeClr val="accent1"/>
+            </a:effectRef>
+            <a:fontRef idx="minor">
+              <a:schemeClr val="tx1"/>
+            </a:fontRef>
+          </p:style>
+        </p:cxnSp>
+        <mc:AlternateContent xmlns:mc="http://schemas.openxmlformats.org/markup-compatibility/2006">
+          <mc:Choice xmlns:a14="http://schemas.microsoft.com/office/drawing/2010/main" Requires="a14">
+            <p:sp>
+              <p:nvSpPr>
+                <p:cNvPr id="85" name="矩形 84">
+                  <a:extLst>
+                    <a:ext uri="{FF2B5EF4-FFF2-40B4-BE49-F238E27FC236}">
+                      <a16:creationId xmlns:a16="http://schemas.microsoft.com/office/drawing/2014/main" id="{445A0424-D8A9-49E3-BD15-07E272A23AFD}"/>
+                    </a:ext>
+                  </a:extLst>
+                </p:cNvPr>
+                <p:cNvSpPr/>
+                <p:nvPr/>
+              </p:nvSpPr>
+              <p:spPr>
+                <a:xfrm>
+                  <a:off x="3294380" y="966470"/>
+                  <a:ext cx="528320" cy="355600"/>
+                </a:xfrm>
+                <a:prstGeom prst="rect">
+                  <a:avLst/>
+                </a:prstGeom>
+                <a:noFill/>
+                <a:ln>
+                  <a:noFill/>
+                </a:ln>
+              </p:spPr>
+              <p:style>
+                <a:lnRef idx="2">
+                  <a:schemeClr val="accent1">
+                    <a:shade val="50000"/>
+                  </a:schemeClr>
+                </a:lnRef>
+                <a:fillRef idx="1">
+                  <a:schemeClr val="accent1"/>
+                </a:fillRef>
+                <a:effectRef idx="0">
+                  <a:schemeClr val="accent1"/>
+                </a:effectRef>
+                <a:fontRef idx="minor">
+                  <a:schemeClr val="lt1"/>
+                </a:fontRef>
+              </p:style>
+              <p:txBody>
+                <a:bodyPr rtlCol="0" anchor="ctr"/>
+                <a:lstStyle/>
+                <a:p>
+                  <a:pPr algn="ctr"/>
+                  <a14:m>
+                    <m:oMathPara xmlns:m="http://schemas.openxmlformats.org/officeDocument/2006/math">
+                      <m:oMathParaPr>
+                        <m:jc m:val="centerGroup"/>
+                      </m:oMathParaPr>
+                      <m:oMath xmlns:m="http://schemas.openxmlformats.org/officeDocument/2006/math">
+                        <m:r>
+                          <a:rPr lang="en-US" altLang="zh-CN" i="1" dirty="0">
+                            <a:solidFill>
+                              <a:schemeClr val="tx1"/>
+                            </a:solidFill>
+                            <a:latin typeface="Cambria Math" panose="02040503050406030204" pitchFamily="18" charset="0"/>
+                          </a:rPr>
+                          <m:t>*</m:t>
+                        </m:r>
+                        <m:r>
+                          <a:rPr lang="zh-CN" altLang="en-US" i="1" dirty="0" smtClean="0">
+                            <a:solidFill>
+                              <a:schemeClr val="tx1"/>
+                            </a:solidFill>
+                            <a:latin typeface="Cambria Math" panose="02040503050406030204" pitchFamily="18" charset="0"/>
+                          </a:rPr>
+                          <m:t>⁡</m:t>
+                        </m:r>
+                      </m:oMath>
+                    </m:oMathPara>
+                  </a14:m>
+                  <a:endParaRPr lang="zh-CN" altLang="en-US" dirty="0">
+                    <a:solidFill>
+                      <a:schemeClr val="tx1"/>
+                    </a:solidFill>
+                  </a:endParaRPr>
+                </a:p>
+              </p:txBody>
+            </p:sp>
+          </mc:Choice>
+          <mc:Fallback>
+            <p:sp>
+              <p:nvSpPr>
+                <p:cNvPr id="85" name="矩形 84">
+                  <a:extLst>
+                    <a:ext uri="{FF2B5EF4-FFF2-40B4-BE49-F238E27FC236}">
+                      <a16:creationId xmlns:a16="http://schemas.microsoft.com/office/drawing/2014/main" id="{445A0424-D8A9-49E3-BD15-07E272A23AFD}"/>
+                    </a:ext>
+                  </a:extLst>
+                </p:cNvPr>
+                <p:cNvSpPr>
+                  <a:spLocks noRot="1" noChangeAspect="1" noMove="1" noResize="1" noEditPoints="1" noAdjustHandles="1" noChangeArrowheads="1" noChangeShapeType="1" noTextEdit="1"/>
+                </p:cNvSpPr>
+                <p:nvPr/>
+              </p:nvSpPr>
+              <p:spPr>
+                <a:xfrm>
+                  <a:off x="3294380" y="966470"/>
+                  <a:ext cx="528320" cy="355600"/>
+                </a:xfrm>
+                <a:prstGeom prst="rect">
+                  <a:avLst/>
+                </a:prstGeom>
+                <a:blipFill>
+                  <a:blip r:embed="rId20"/>
+                  <a:stretch>
+                    <a:fillRect/>
+                  </a:stretch>
+                </a:blipFill>
+                <a:ln>
+                  <a:noFill/>
+                </a:ln>
+              </p:spPr>
+              <p:txBody>
+                <a:bodyPr/>
+                <a:lstStyle/>
+                <a:p>
+                  <a:r>
+                    <a:rPr lang="zh-CN" altLang="en-US">
+                      <a:noFill/>
+                    </a:rPr>
+                    <a:t> </a:t>
+                  </a:r>
+                </a:p>
+              </p:txBody>
+            </p:sp>
+          </mc:Fallback>
+        </mc:AlternateContent>
+      </p:grpSp>
+    </p:spTree>
+    <p:extLst>
+      <p:ext uri="{BB962C8B-B14F-4D97-AF65-F5344CB8AC3E}">
+        <p14:creationId xmlns:p14="http://schemas.microsoft.com/office/powerpoint/2010/main" val="2691592964"/>
       </p:ext>
     </p:extLst>
   </p:cSld>

--- a/pic.pptx
+++ b/pic.pptx
@@ -8,6 +8,7 @@
     <p:sldId id="256" r:id="rId2"/>
     <p:sldId id="257" r:id="rId3"/>
     <p:sldId id="258" r:id="rId4"/>
+    <p:sldId id="259" r:id="rId5"/>
   </p:sldIdLst>
   <p:sldSz cx="12192000" cy="6858000"/>
   <p:notesSz cx="6858000" cy="9144000"/>
@@ -261,7 +262,7 @@
           <a:p>
             <a:fld id="{D46C8B5B-2B2E-4BF5-9128-B8D40BB24518}" type="datetimeFigureOut">
               <a:rPr lang="zh-CN" altLang="en-US" smtClean="0"/>
-              <a:t>2019/8/5</a:t>
+              <a:t>2019/8/16</a:t>
             </a:fld>
             <a:endParaRPr lang="zh-CN" altLang="en-US"/>
           </a:p>
@@ -459,7 +460,7 @@
           <a:p>
             <a:fld id="{D46C8B5B-2B2E-4BF5-9128-B8D40BB24518}" type="datetimeFigureOut">
               <a:rPr lang="zh-CN" altLang="en-US" smtClean="0"/>
-              <a:t>2019/8/5</a:t>
+              <a:t>2019/8/16</a:t>
             </a:fld>
             <a:endParaRPr lang="zh-CN" altLang="en-US"/>
           </a:p>
@@ -667,7 +668,7 @@
           <a:p>
             <a:fld id="{D46C8B5B-2B2E-4BF5-9128-B8D40BB24518}" type="datetimeFigureOut">
               <a:rPr lang="zh-CN" altLang="en-US" smtClean="0"/>
-              <a:t>2019/8/5</a:t>
+              <a:t>2019/8/16</a:t>
             </a:fld>
             <a:endParaRPr lang="zh-CN" altLang="en-US"/>
           </a:p>
@@ -865,7 +866,7 @@
           <a:p>
             <a:fld id="{D46C8B5B-2B2E-4BF5-9128-B8D40BB24518}" type="datetimeFigureOut">
               <a:rPr lang="zh-CN" altLang="en-US" smtClean="0"/>
-              <a:t>2019/8/5</a:t>
+              <a:t>2019/8/16</a:t>
             </a:fld>
             <a:endParaRPr lang="zh-CN" altLang="en-US"/>
           </a:p>
@@ -1140,7 +1141,7 @@
           <a:p>
             <a:fld id="{D46C8B5B-2B2E-4BF5-9128-B8D40BB24518}" type="datetimeFigureOut">
               <a:rPr lang="zh-CN" altLang="en-US" smtClean="0"/>
-              <a:t>2019/8/5</a:t>
+              <a:t>2019/8/16</a:t>
             </a:fld>
             <a:endParaRPr lang="zh-CN" altLang="en-US"/>
           </a:p>
@@ -1405,7 +1406,7 @@
           <a:p>
             <a:fld id="{D46C8B5B-2B2E-4BF5-9128-B8D40BB24518}" type="datetimeFigureOut">
               <a:rPr lang="zh-CN" altLang="en-US" smtClean="0"/>
-              <a:t>2019/8/5</a:t>
+              <a:t>2019/8/16</a:t>
             </a:fld>
             <a:endParaRPr lang="zh-CN" altLang="en-US"/>
           </a:p>
@@ -1817,7 +1818,7 @@
           <a:p>
             <a:fld id="{D46C8B5B-2B2E-4BF5-9128-B8D40BB24518}" type="datetimeFigureOut">
               <a:rPr lang="zh-CN" altLang="en-US" smtClean="0"/>
-              <a:t>2019/8/5</a:t>
+              <a:t>2019/8/16</a:t>
             </a:fld>
             <a:endParaRPr lang="zh-CN" altLang="en-US"/>
           </a:p>
@@ -1958,7 +1959,7 @@
           <a:p>
             <a:fld id="{D46C8B5B-2B2E-4BF5-9128-B8D40BB24518}" type="datetimeFigureOut">
               <a:rPr lang="zh-CN" altLang="en-US" smtClean="0"/>
-              <a:t>2019/8/5</a:t>
+              <a:t>2019/8/16</a:t>
             </a:fld>
             <a:endParaRPr lang="zh-CN" altLang="en-US"/>
           </a:p>
@@ -2071,7 +2072,7 @@
           <a:p>
             <a:fld id="{D46C8B5B-2B2E-4BF5-9128-B8D40BB24518}" type="datetimeFigureOut">
               <a:rPr lang="zh-CN" altLang="en-US" smtClean="0"/>
-              <a:t>2019/8/5</a:t>
+              <a:t>2019/8/16</a:t>
             </a:fld>
             <a:endParaRPr lang="zh-CN" altLang="en-US"/>
           </a:p>
@@ -2382,7 +2383,7 @@
           <a:p>
             <a:fld id="{D46C8B5B-2B2E-4BF5-9128-B8D40BB24518}" type="datetimeFigureOut">
               <a:rPr lang="zh-CN" altLang="en-US" smtClean="0"/>
-              <a:t>2019/8/5</a:t>
+              <a:t>2019/8/16</a:t>
             </a:fld>
             <a:endParaRPr lang="zh-CN" altLang="en-US"/>
           </a:p>
@@ -2670,7 +2671,7 @@
           <a:p>
             <a:fld id="{D46C8B5B-2B2E-4BF5-9128-B8D40BB24518}" type="datetimeFigureOut">
               <a:rPr lang="zh-CN" altLang="en-US" smtClean="0"/>
-              <a:t>2019/8/5</a:t>
+              <a:t>2019/8/16</a:t>
             </a:fld>
             <a:endParaRPr lang="zh-CN" altLang="en-US"/>
           </a:p>
@@ -2911,7 +2912,7 @@
           <a:p>
             <a:fld id="{D46C8B5B-2B2E-4BF5-9128-B8D40BB24518}" type="datetimeFigureOut">
               <a:rPr lang="zh-CN" altLang="en-US" smtClean="0"/>
-              <a:t>2019/8/5</a:t>
+              <a:t>2019/8/16</a:t>
             </a:fld>
             <a:endParaRPr lang="zh-CN" altLang="en-US"/>
           </a:p>
@@ -8297,8 +8298,8 @@
             </a:fontRef>
           </p:style>
         </p:cxnSp>
-        <mc:AlternateContent xmlns:mc="http://schemas.openxmlformats.org/markup-compatibility/2006">
-          <mc:Choice xmlns:a14="http://schemas.microsoft.com/office/drawing/2010/main" Requires="a14">
+        <mc:AlternateContent xmlns:mc="http://schemas.openxmlformats.org/markup-compatibility/2006" xmlns:a14="http://schemas.microsoft.com/office/drawing/2010/main">
+          <mc:Choice Requires="a14">
             <p:sp>
               <p:nvSpPr>
                 <p:cNvPr id="4" name="矩形: 圆角 3">
@@ -8401,7 +8402,7 @@
               </p:txBody>
             </p:sp>
           </mc:Choice>
-          <mc:Fallback>
+          <mc:Fallback xmlns="">
             <p:sp>
               <p:nvSpPr>
                 <p:cNvPr id="4" name="矩形: 圆角 3">
@@ -8451,8 +8452,8 @@
             </p:sp>
           </mc:Fallback>
         </mc:AlternateContent>
-        <mc:AlternateContent xmlns:mc="http://schemas.openxmlformats.org/markup-compatibility/2006">
-          <mc:Choice xmlns:a14="http://schemas.microsoft.com/office/drawing/2010/main" Requires="a14">
+        <mc:AlternateContent xmlns:mc="http://schemas.openxmlformats.org/markup-compatibility/2006" xmlns:a14="http://schemas.microsoft.com/office/drawing/2010/main">
+          <mc:Choice Requires="a14">
             <p:sp>
               <p:nvSpPr>
                 <p:cNvPr id="5" name="矩形: 圆角 4">
@@ -8555,7 +8556,7 @@
               </p:txBody>
             </p:sp>
           </mc:Choice>
-          <mc:Fallback>
+          <mc:Fallback xmlns="">
             <p:sp>
               <p:nvSpPr>
                 <p:cNvPr id="5" name="矩形: 圆角 4">
@@ -8605,8 +8606,8 @@
             </p:sp>
           </mc:Fallback>
         </mc:AlternateContent>
-        <mc:AlternateContent xmlns:mc="http://schemas.openxmlformats.org/markup-compatibility/2006">
-          <mc:Choice xmlns:a14="http://schemas.microsoft.com/office/drawing/2010/main" Requires="a14">
+        <mc:AlternateContent xmlns:mc="http://schemas.openxmlformats.org/markup-compatibility/2006" xmlns:a14="http://schemas.microsoft.com/office/drawing/2010/main">
+          <mc:Choice Requires="a14">
             <p:sp>
               <p:nvSpPr>
                 <p:cNvPr id="6" name="矩形 5">
@@ -8701,7 +8702,7 @@
               </p:txBody>
             </p:sp>
           </mc:Choice>
-          <mc:Fallback>
+          <mc:Fallback xmlns="">
             <p:sp>
               <p:nvSpPr>
                 <p:cNvPr id="6" name="矩形 5">
@@ -8791,8 +8792,8 @@
             </a:fontRef>
           </p:style>
         </p:cxnSp>
-        <mc:AlternateContent xmlns:mc="http://schemas.openxmlformats.org/markup-compatibility/2006">
-          <mc:Choice xmlns:a14="http://schemas.microsoft.com/office/drawing/2010/main" Requires="a14">
+        <mc:AlternateContent xmlns:mc="http://schemas.openxmlformats.org/markup-compatibility/2006" xmlns:a14="http://schemas.microsoft.com/office/drawing/2010/main">
+          <mc:Choice Requires="a14">
             <p:sp>
               <p:nvSpPr>
                 <p:cNvPr id="10" name="矩形: 圆角 9">
@@ -8870,7 +8871,7 @@
               </p:txBody>
             </p:sp>
           </mc:Choice>
-          <mc:Fallback>
+          <mc:Fallback xmlns="">
             <p:sp>
               <p:nvSpPr>
                 <p:cNvPr id="10" name="矩形: 圆角 9">
@@ -8920,8 +8921,8 @@
             </p:sp>
           </mc:Fallback>
         </mc:AlternateContent>
-        <mc:AlternateContent xmlns:mc="http://schemas.openxmlformats.org/markup-compatibility/2006">
-          <mc:Choice xmlns:a14="http://schemas.microsoft.com/office/drawing/2010/main" Requires="a14">
+        <mc:AlternateContent xmlns:mc="http://schemas.openxmlformats.org/markup-compatibility/2006" xmlns:a14="http://schemas.microsoft.com/office/drawing/2010/main">
+          <mc:Choice Requires="a14">
             <p:sp>
               <p:nvSpPr>
                 <p:cNvPr id="11" name="矩形: 圆角 10">
@@ -9024,7 +9025,7 @@
               </p:txBody>
             </p:sp>
           </mc:Choice>
-          <mc:Fallback>
+          <mc:Fallback xmlns="">
             <p:sp>
               <p:nvSpPr>
                 <p:cNvPr id="11" name="矩形: 圆角 10">
@@ -9158,8 +9159,8 @@
             </a:fontRef>
           </p:style>
         </p:cxnSp>
-        <mc:AlternateContent xmlns:mc="http://schemas.openxmlformats.org/markup-compatibility/2006">
-          <mc:Choice xmlns:a14="http://schemas.microsoft.com/office/drawing/2010/main" Requires="a14">
+        <mc:AlternateContent xmlns:mc="http://schemas.openxmlformats.org/markup-compatibility/2006" xmlns:a14="http://schemas.microsoft.com/office/drawing/2010/main">
+          <mc:Choice Requires="a14">
             <p:sp>
               <p:nvSpPr>
                 <p:cNvPr id="16" name="矩形 15">
@@ -9242,7 +9243,7 @@
               </p:txBody>
             </p:sp>
           </mc:Choice>
-          <mc:Fallback>
+          <mc:Fallback xmlns="">
             <p:sp>
               <p:nvSpPr>
                 <p:cNvPr id="16" name="矩形 15">
@@ -9290,8 +9291,8 @@
             </p:sp>
           </mc:Fallback>
         </mc:AlternateContent>
-        <mc:AlternateContent xmlns:mc="http://schemas.openxmlformats.org/markup-compatibility/2006">
-          <mc:Choice xmlns:a14="http://schemas.microsoft.com/office/drawing/2010/main" Requires="a14">
+        <mc:AlternateContent xmlns:mc="http://schemas.openxmlformats.org/markup-compatibility/2006" xmlns:a14="http://schemas.microsoft.com/office/drawing/2010/main">
+          <mc:Choice Requires="a14">
             <p:sp>
               <p:nvSpPr>
                 <p:cNvPr id="19" name="矩形: 圆角 18">
@@ -9394,7 +9395,7 @@
               </p:txBody>
             </p:sp>
           </mc:Choice>
-          <mc:Fallback>
+          <mc:Fallback xmlns="">
             <p:sp>
               <p:nvSpPr>
                 <p:cNvPr id="19" name="矩形: 圆角 18">
@@ -9528,8 +9529,8 @@
             </a:fontRef>
           </p:style>
         </p:cxnSp>
-        <mc:AlternateContent xmlns:mc="http://schemas.openxmlformats.org/markup-compatibility/2006">
-          <mc:Choice xmlns:a14="http://schemas.microsoft.com/office/drawing/2010/main" Requires="a14">
+        <mc:AlternateContent xmlns:mc="http://schemas.openxmlformats.org/markup-compatibility/2006" xmlns:a14="http://schemas.microsoft.com/office/drawing/2010/main">
+          <mc:Choice Requires="a14">
             <p:sp>
               <p:nvSpPr>
                 <p:cNvPr id="24" name="矩形 23">
@@ -9589,7 +9590,7 @@
                             </a:solidFill>
                             <a:latin typeface="Cambria Math" panose="02040503050406030204" pitchFamily="18" charset="0"/>
                           </a:rPr>
-                          <m:t>*</m:t>
+                          <m:t>∗</m:t>
                         </m:r>
                         <m:r>
                           <a:rPr lang="zh-CN" altLang="en-US" i="1" dirty="0" smtClean="0">
@@ -9612,7 +9613,7 @@
               </p:txBody>
             </p:sp>
           </mc:Choice>
-          <mc:Fallback>
+          <mc:Fallback xmlns="">
             <p:sp>
               <p:nvSpPr>
                 <p:cNvPr id="24" name="矩形 23">
@@ -9660,8 +9661,8 @@
             </p:sp>
           </mc:Fallback>
         </mc:AlternateContent>
-        <mc:AlternateContent xmlns:mc="http://schemas.openxmlformats.org/markup-compatibility/2006">
-          <mc:Choice xmlns:a14="http://schemas.microsoft.com/office/drawing/2010/main" Requires="a14">
+        <mc:AlternateContent xmlns:mc="http://schemas.openxmlformats.org/markup-compatibility/2006" xmlns:a14="http://schemas.microsoft.com/office/drawing/2010/main">
+          <mc:Choice Requires="a14">
             <p:sp>
               <p:nvSpPr>
                 <p:cNvPr id="27" name="矩形: 圆角 26">
@@ -9779,7 +9780,7 @@
               </p:txBody>
             </p:sp>
           </mc:Choice>
-          <mc:Fallback>
+          <mc:Fallback xmlns="">
             <p:sp>
               <p:nvSpPr>
                 <p:cNvPr id="27" name="矩形: 圆角 26">
@@ -9829,8 +9830,8 @@
             </p:sp>
           </mc:Fallback>
         </mc:AlternateContent>
-        <mc:AlternateContent xmlns:mc="http://schemas.openxmlformats.org/markup-compatibility/2006">
-          <mc:Choice xmlns:a14="http://schemas.microsoft.com/office/drawing/2010/main" Requires="a14">
+        <mc:AlternateContent xmlns:mc="http://schemas.openxmlformats.org/markup-compatibility/2006" xmlns:a14="http://schemas.microsoft.com/office/drawing/2010/main">
+          <mc:Choice Requires="a14">
             <p:sp>
               <p:nvSpPr>
                 <p:cNvPr id="28" name="矩形: 圆角 27">
@@ -9948,7 +9949,7 @@
               </p:txBody>
             </p:sp>
           </mc:Choice>
-          <mc:Fallback>
+          <mc:Fallback xmlns="">
             <p:sp>
               <p:nvSpPr>
                 <p:cNvPr id="28" name="矩形: 圆角 27">
@@ -10043,8 +10044,8 @@
             </a:fontRef>
           </p:style>
         </p:cxnSp>
-        <mc:AlternateContent xmlns:mc="http://schemas.openxmlformats.org/markup-compatibility/2006">
-          <mc:Choice xmlns:a14="http://schemas.microsoft.com/office/drawing/2010/main" Requires="a14">
+        <mc:AlternateContent xmlns:mc="http://schemas.openxmlformats.org/markup-compatibility/2006" xmlns:a14="http://schemas.microsoft.com/office/drawing/2010/main">
+          <mc:Choice Requires="a14">
             <p:sp>
               <p:nvSpPr>
                 <p:cNvPr id="55" name="矩形: 圆角 54">
@@ -10187,7 +10188,7 @@
               </p:txBody>
             </p:sp>
           </mc:Choice>
-          <mc:Fallback>
+          <mc:Fallback xmlns="">
             <p:sp>
               <p:nvSpPr>
                 <p:cNvPr id="55" name="矩形: 圆角 54">
@@ -10237,8 +10238,8 @@
             </p:sp>
           </mc:Fallback>
         </mc:AlternateContent>
-        <mc:AlternateContent xmlns:mc="http://schemas.openxmlformats.org/markup-compatibility/2006">
-          <mc:Choice xmlns:a14="http://schemas.microsoft.com/office/drawing/2010/main" Requires="a14">
+        <mc:AlternateContent xmlns:mc="http://schemas.openxmlformats.org/markup-compatibility/2006" xmlns:a14="http://schemas.microsoft.com/office/drawing/2010/main">
+          <mc:Choice Requires="a14">
             <p:sp>
               <p:nvSpPr>
                 <p:cNvPr id="58" name="矩形 57">
@@ -10298,7 +10299,7 @@
                             </a:solidFill>
                             <a:latin typeface="Cambria Math" panose="02040503050406030204" pitchFamily="18" charset="0"/>
                           </a:rPr>
-                          <m:t>*</m:t>
+                          <m:t>∗</m:t>
                         </m:r>
                         <m:r>
                           <a:rPr lang="zh-CN" altLang="en-US" i="1" dirty="0" smtClean="0">
@@ -10321,7 +10322,7 @@
               </p:txBody>
             </p:sp>
           </mc:Choice>
-          <mc:Fallback>
+          <mc:Fallback xmlns="">
             <p:sp>
               <p:nvSpPr>
                 <p:cNvPr id="58" name="矩形 57">
@@ -10459,8 +10460,8 @@
             </a:fontRef>
           </p:style>
         </p:cxnSp>
-        <mc:AlternateContent xmlns:mc="http://schemas.openxmlformats.org/markup-compatibility/2006">
-          <mc:Choice xmlns:a14="http://schemas.microsoft.com/office/drawing/2010/main" Requires="a14">
+        <mc:AlternateContent xmlns:mc="http://schemas.openxmlformats.org/markup-compatibility/2006" xmlns:a14="http://schemas.microsoft.com/office/drawing/2010/main">
+          <mc:Choice Requires="a14">
             <p:sp>
               <p:nvSpPr>
                 <p:cNvPr id="65" name="矩形: 圆角 64">
@@ -10603,7 +10604,7 @@
               </p:txBody>
             </p:sp>
           </mc:Choice>
-          <mc:Fallback>
+          <mc:Fallback xmlns="">
             <p:sp>
               <p:nvSpPr>
                 <p:cNvPr id="65" name="矩形: 圆角 64">
@@ -10698,8 +10699,8 @@
             </a:fontRef>
           </p:style>
         </p:cxnSp>
-        <mc:AlternateContent xmlns:mc="http://schemas.openxmlformats.org/markup-compatibility/2006">
-          <mc:Choice xmlns:a14="http://schemas.microsoft.com/office/drawing/2010/main" Requires="a14">
+        <mc:AlternateContent xmlns:mc="http://schemas.openxmlformats.org/markup-compatibility/2006" xmlns:a14="http://schemas.microsoft.com/office/drawing/2010/main">
+          <mc:Choice Requires="a14">
             <p:sp>
               <p:nvSpPr>
                 <p:cNvPr id="68" name="矩形 67">
@@ -10759,7 +10760,7 @@
                             </a:solidFill>
                             <a:latin typeface="Cambria Math" panose="02040503050406030204" pitchFamily="18" charset="0"/>
                           </a:rPr>
-                          <m:t>*</m:t>
+                          <m:t>∗</m:t>
                         </m:r>
                         <m:r>
                           <a:rPr lang="zh-CN" altLang="en-US" i="1" dirty="0" smtClean="0">
@@ -10782,7 +10783,7 @@
               </p:txBody>
             </p:sp>
           </mc:Choice>
-          <mc:Fallback>
+          <mc:Fallback xmlns="">
             <p:sp>
               <p:nvSpPr>
                 <p:cNvPr id="68" name="矩形 67">
@@ -10830,8 +10831,8 @@
             </p:sp>
           </mc:Fallback>
         </mc:AlternateContent>
-        <mc:AlternateContent xmlns:mc="http://schemas.openxmlformats.org/markup-compatibility/2006">
-          <mc:Choice xmlns:a14="http://schemas.microsoft.com/office/drawing/2010/main" Requires="a14">
+        <mc:AlternateContent xmlns:mc="http://schemas.openxmlformats.org/markup-compatibility/2006" xmlns:a14="http://schemas.microsoft.com/office/drawing/2010/main">
+          <mc:Choice Requires="a14">
             <p:sp>
               <p:nvSpPr>
                 <p:cNvPr id="69" name="矩形 68">
@@ -10923,7 +10924,7 @@
               </p:txBody>
             </p:sp>
           </mc:Choice>
-          <mc:Fallback>
+          <mc:Fallback xmlns="">
             <p:sp>
               <p:nvSpPr>
                 <p:cNvPr id="69" name="矩形 68">
@@ -10971,8 +10972,8 @@
             </p:sp>
           </mc:Fallback>
         </mc:AlternateContent>
-        <mc:AlternateContent xmlns:mc="http://schemas.openxmlformats.org/markup-compatibility/2006">
-          <mc:Choice xmlns:a14="http://schemas.microsoft.com/office/drawing/2010/main" Requires="a14">
+        <mc:AlternateContent xmlns:mc="http://schemas.openxmlformats.org/markup-compatibility/2006" xmlns:a14="http://schemas.microsoft.com/office/drawing/2010/main">
+          <mc:Choice Requires="a14">
             <p:sp>
               <p:nvSpPr>
                 <p:cNvPr id="71" name="矩形: 圆角 70">
@@ -11090,7 +11091,7 @@
               </p:txBody>
             </p:sp>
           </mc:Choice>
-          <mc:Fallback>
+          <mc:Fallback xmlns="">
             <p:sp>
               <p:nvSpPr>
                 <p:cNvPr id="71" name="矩形: 圆角 70">
@@ -11230,8 +11231,8 @@
             </a:fontRef>
           </p:style>
         </p:cxnSp>
-        <mc:AlternateContent xmlns:mc="http://schemas.openxmlformats.org/markup-compatibility/2006">
-          <mc:Choice xmlns:a14="http://schemas.microsoft.com/office/drawing/2010/main" Requires="a14">
+        <mc:AlternateContent xmlns:mc="http://schemas.openxmlformats.org/markup-compatibility/2006" xmlns:a14="http://schemas.microsoft.com/office/drawing/2010/main">
+          <mc:Choice Requires="a14">
             <p:sp>
               <p:nvSpPr>
                 <p:cNvPr id="76" name="矩形 75">
@@ -11314,7 +11315,7 @@
               </p:txBody>
             </p:sp>
           </mc:Choice>
-          <mc:Fallback>
+          <mc:Fallback xmlns="">
             <p:sp>
               <p:nvSpPr>
                 <p:cNvPr id="76" name="矩形 75">
@@ -11362,8 +11363,8 @@
             </p:sp>
           </mc:Fallback>
         </mc:AlternateContent>
-        <mc:AlternateContent xmlns:mc="http://schemas.openxmlformats.org/markup-compatibility/2006">
-          <mc:Choice xmlns:a14="http://schemas.microsoft.com/office/drawing/2010/main" Requires="a14">
+        <mc:AlternateContent xmlns:mc="http://schemas.openxmlformats.org/markup-compatibility/2006" xmlns:a14="http://schemas.microsoft.com/office/drawing/2010/main">
+          <mc:Choice Requires="a14">
             <p:sp>
               <p:nvSpPr>
                 <p:cNvPr id="79" name="矩形: 圆角 78">
@@ -11481,7 +11482,7 @@
               </p:txBody>
             </p:sp>
           </mc:Choice>
-          <mc:Fallback>
+          <mc:Fallback xmlns="">
             <p:sp>
               <p:nvSpPr>
                 <p:cNvPr id="79" name="矩形: 圆角 78">
@@ -11622,8 +11623,8 @@
             </a:fontRef>
           </p:style>
         </p:cxnSp>
-        <mc:AlternateContent xmlns:mc="http://schemas.openxmlformats.org/markup-compatibility/2006">
-          <mc:Choice xmlns:a14="http://schemas.microsoft.com/office/drawing/2010/main" Requires="a14">
+        <mc:AlternateContent xmlns:mc="http://schemas.openxmlformats.org/markup-compatibility/2006" xmlns:a14="http://schemas.microsoft.com/office/drawing/2010/main">
+          <mc:Choice Requires="a14">
             <p:sp>
               <p:nvSpPr>
                 <p:cNvPr id="85" name="矩形 84">
@@ -11683,7 +11684,7 @@
                             </a:solidFill>
                             <a:latin typeface="Cambria Math" panose="02040503050406030204" pitchFamily="18" charset="0"/>
                           </a:rPr>
-                          <m:t>*</m:t>
+                          <m:t>∗</m:t>
                         </m:r>
                         <m:r>
                           <a:rPr lang="zh-CN" altLang="en-US" i="1" dirty="0" smtClean="0">
@@ -11706,7 +11707,7 @@
               </p:txBody>
             </p:sp>
           </mc:Choice>
-          <mc:Fallback>
+          <mc:Fallback xmlns="">
             <p:sp>
               <p:nvSpPr>
                 <p:cNvPr id="85" name="矩形 84">
@@ -11759,6 +11760,1494 @@
     <p:extLst>
       <p:ext uri="{BB962C8B-B14F-4D97-AF65-F5344CB8AC3E}">
         <p14:creationId xmlns:p14="http://schemas.microsoft.com/office/powerpoint/2010/main" val="2691592964"/>
+      </p:ext>
+    </p:extLst>
+  </p:cSld>
+  <p:clrMapOvr>
+    <a:masterClrMapping/>
+  </p:clrMapOvr>
+</p:sld>
+</file>
+
+<file path=ppt/slides/slide4.xml><?xml version="1.0" encoding="utf-8"?>
+<p:sld xmlns:a="http://schemas.openxmlformats.org/drawingml/2006/main" xmlns:r="http://schemas.openxmlformats.org/officeDocument/2006/relationships" xmlns:p="http://schemas.openxmlformats.org/presentationml/2006/main">
+  <p:cSld>
+    <p:spTree>
+      <p:nvGrpSpPr>
+        <p:cNvPr id="1" name=""/>
+        <p:cNvGrpSpPr/>
+        <p:nvPr/>
+      </p:nvGrpSpPr>
+      <p:grpSpPr>
+        <a:xfrm>
+          <a:off x="0" y="0"/>
+          <a:ext cx="0" cy="0"/>
+          <a:chOff x="0" y="0"/>
+          <a:chExt cx="0" cy="0"/>
+        </a:xfrm>
+      </p:grpSpPr>
+      <p:grpSp>
+        <p:nvGrpSpPr>
+          <p:cNvPr id="24" name="组合 23">
+            <a:extLst>
+              <a:ext uri="{FF2B5EF4-FFF2-40B4-BE49-F238E27FC236}">
+                <a16:creationId xmlns:a16="http://schemas.microsoft.com/office/drawing/2014/main" id="{5688A659-F470-4515-83CE-A3CF34CB7507}"/>
+              </a:ext>
+            </a:extLst>
+          </p:cNvPr>
+          <p:cNvGrpSpPr/>
+          <p:nvPr/>
+        </p:nvGrpSpPr>
+        <p:grpSpPr>
+          <a:xfrm>
+            <a:off x="619760" y="533399"/>
+            <a:ext cx="8036560" cy="5791201"/>
+            <a:chOff x="904240" y="924560"/>
+            <a:chExt cx="8036560" cy="5791201"/>
+          </a:xfrm>
+        </p:grpSpPr>
+        <p:sp>
+          <p:nvSpPr>
+            <p:cNvPr id="4" name="矩形 3">
+              <a:extLst>
+                <a:ext uri="{FF2B5EF4-FFF2-40B4-BE49-F238E27FC236}">
+                  <a16:creationId xmlns:a16="http://schemas.microsoft.com/office/drawing/2014/main" id="{82AAF9F9-F3E8-4F93-B846-2D60F992E484}"/>
+                </a:ext>
+              </a:extLst>
+            </p:cNvPr>
+            <p:cNvSpPr/>
+            <p:nvPr/>
+          </p:nvSpPr>
+          <p:spPr>
+            <a:xfrm>
+              <a:off x="904240" y="924560"/>
+              <a:ext cx="8036560" cy="5791200"/>
+            </a:xfrm>
+            <a:prstGeom prst="rect">
+              <a:avLst/>
+            </a:prstGeom>
+            <a:solidFill>
+              <a:schemeClr val="bg1"/>
+            </a:solidFill>
+            <a:ln>
+              <a:solidFill>
+                <a:schemeClr val="tx1"/>
+              </a:solidFill>
+            </a:ln>
+          </p:spPr>
+          <p:style>
+            <a:lnRef idx="2">
+              <a:schemeClr val="accent1">
+                <a:shade val="50000"/>
+              </a:schemeClr>
+            </a:lnRef>
+            <a:fillRef idx="1">
+              <a:schemeClr val="accent1"/>
+            </a:fillRef>
+            <a:effectRef idx="0">
+              <a:schemeClr val="accent1"/>
+            </a:effectRef>
+            <a:fontRef idx="minor">
+              <a:schemeClr val="lt1"/>
+            </a:fontRef>
+          </p:style>
+          <p:txBody>
+            <a:bodyPr rtlCol="0" anchor="ctr"/>
+            <a:lstStyle/>
+            <a:p>
+              <a:pPr algn="ctr"/>
+              <a:endParaRPr lang="zh-CN" altLang="en-US"/>
+            </a:p>
+          </p:txBody>
+        </p:sp>
+        <p:sp>
+          <p:nvSpPr>
+            <p:cNvPr id="5" name="箭头: 下 4">
+              <a:extLst>
+                <a:ext uri="{FF2B5EF4-FFF2-40B4-BE49-F238E27FC236}">
+                  <a16:creationId xmlns:a16="http://schemas.microsoft.com/office/drawing/2014/main" id="{E07FC5E3-BA25-465C-B3F8-5F31EA4D1DE9}"/>
+                </a:ext>
+              </a:extLst>
+            </p:cNvPr>
+            <p:cNvSpPr/>
+            <p:nvPr/>
+          </p:nvSpPr>
+          <p:spPr>
+            <a:xfrm>
+              <a:off x="8219440" y="924560"/>
+              <a:ext cx="711200" cy="5760720"/>
+            </a:xfrm>
+            <a:prstGeom prst="downArrow">
+              <a:avLst/>
+            </a:prstGeom>
+            <a:solidFill>
+              <a:schemeClr val="bg1">
+                <a:lumMod val="50000"/>
+              </a:schemeClr>
+            </a:solidFill>
+            <a:ln>
+              <a:solidFill>
+                <a:schemeClr val="tx1"/>
+              </a:solidFill>
+            </a:ln>
+          </p:spPr>
+          <p:style>
+            <a:lnRef idx="2">
+              <a:schemeClr val="accent1">
+                <a:shade val="50000"/>
+              </a:schemeClr>
+            </a:lnRef>
+            <a:fillRef idx="1">
+              <a:schemeClr val="accent1"/>
+            </a:fillRef>
+            <a:effectRef idx="0">
+              <a:schemeClr val="accent1"/>
+            </a:effectRef>
+            <a:fontRef idx="minor">
+              <a:schemeClr val="lt1"/>
+            </a:fontRef>
+          </p:style>
+          <p:txBody>
+            <a:bodyPr rtlCol="0" anchor="ctr"/>
+            <a:lstStyle/>
+            <a:p>
+              <a:pPr algn="ctr"/>
+              <a:r>
+                <a:rPr lang="zh-CN" altLang="en-US" dirty="0">
+                  <a:solidFill>
+                    <a:schemeClr val="tx1"/>
+                  </a:solidFill>
+                </a:rPr>
+                <a:t>数据流</a:t>
+              </a:r>
+            </a:p>
+          </p:txBody>
+        </p:sp>
+        <p:sp>
+          <p:nvSpPr>
+            <p:cNvPr id="6" name="矩形 5">
+              <a:extLst>
+                <a:ext uri="{FF2B5EF4-FFF2-40B4-BE49-F238E27FC236}">
+                  <a16:creationId xmlns:a16="http://schemas.microsoft.com/office/drawing/2014/main" id="{00C9D8DD-ADA6-44A9-8C89-D5C0A3AF3EAF}"/>
+                </a:ext>
+              </a:extLst>
+            </p:cNvPr>
+            <p:cNvSpPr/>
+            <p:nvPr/>
+          </p:nvSpPr>
+          <p:spPr>
+            <a:xfrm>
+              <a:off x="904240" y="924560"/>
+              <a:ext cx="7498080" cy="548640"/>
+            </a:xfrm>
+            <a:prstGeom prst="rect">
+              <a:avLst/>
+            </a:prstGeom>
+            <a:solidFill>
+              <a:schemeClr val="bg1"/>
+            </a:solidFill>
+            <a:ln>
+              <a:solidFill>
+                <a:schemeClr val="tx1"/>
+              </a:solidFill>
+            </a:ln>
+          </p:spPr>
+          <p:style>
+            <a:lnRef idx="2">
+              <a:schemeClr val="accent1">
+                <a:shade val="50000"/>
+              </a:schemeClr>
+            </a:lnRef>
+            <a:fillRef idx="1">
+              <a:schemeClr val="accent1"/>
+            </a:fillRef>
+            <a:effectRef idx="0">
+              <a:schemeClr val="accent1"/>
+            </a:effectRef>
+            <a:fontRef idx="minor">
+              <a:schemeClr val="lt1"/>
+            </a:fontRef>
+          </p:style>
+          <p:txBody>
+            <a:bodyPr rtlCol="0" anchor="ctr"/>
+            <a:lstStyle/>
+            <a:p>
+              <a:pPr algn="ctr"/>
+              <a:r>
+                <a:rPr lang="zh-CN" altLang="en-US" dirty="0">
+                  <a:solidFill>
+                    <a:schemeClr val="tx1"/>
+                  </a:solidFill>
+                </a:rPr>
+                <a:t>数据源</a:t>
+              </a:r>
+            </a:p>
+          </p:txBody>
+        </p:sp>
+        <p:sp>
+          <p:nvSpPr>
+            <p:cNvPr id="7" name="矩形 6">
+              <a:extLst>
+                <a:ext uri="{FF2B5EF4-FFF2-40B4-BE49-F238E27FC236}">
+                  <a16:creationId xmlns:a16="http://schemas.microsoft.com/office/drawing/2014/main" id="{00B7FB03-910F-4C48-A7CE-FB4A2DB2A0BA}"/>
+                </a:ext>
+              </a:extLst>
+            </p:cNvPr>
+            <p:cNvSpPr/>
+            <p:nvPr/>
+          </p:nvSpPr>
+          <p:spPr>
+            <a:xfrm>
+              <a:off x="904240" y="1650994"/>
+              <a:ext cx="711200" cy="1910080"/>
+            </a:xfrm>
+            <a:prstGeom prst="rect">
+              <a:avLst/>
+            </a:prstGeom>
+            <a:solidFill>
+              <a:schemeClr val="bg1">
+                <a:lumMod val="75000"/>
+              </a:schemeClr>
+            </a:solidFill>
+            <a:ln>
+              <a:solidFill>
+                <a:schemeClr val="tx1"/>
+              </a:solidFill>
+            </a:ln>
+          </p:spPr>
+          <p:style>
+            <a:lnRef idx="2">
+              <a:schemeClr val="accent1">
+                <a:shade val="50000"/>
+              </a:schemeClr>
+            </a:lnRef>
+            <a:fillRef idx="1">
+              <a:schemeClr val="accent1"/>
+            </a:fillRef>
+            <a:effectRef idx="0">
+              <a:schemeClr val="accent1"/>
+            </a:effectRef>
+            <a:fontRef idx="minor">
+              <a:schemeClr val="lt1"/>
+            </a:fontRef>
+          </p:style>
+          <p:txBody>
+            <a:bodyPr rtlCol="0" anchor="ctr"/>
+            <a:lstStyle/>
+            <a:p>
+              <a:pPr algn="ctr"/>
+              <a:r>
+                <a:rPr lang="zh-CN" altLang="en-US" dirty="0">
+                  <a:solidFill>
+                    <a:schemeClr val="tx1"/>
+                  </a:solidFill>
+                </a:rPr>
+                <a:t>数</a:t>
+              </a:r>
+              <a:endParaRPr lang="en-US" altLang="zh-CN" dirty="0">
+                <a:solidFill>
+                  <a:schemeClr val="tx1"/>
+                </a:solidFill>
+              </a:endParaRPr>
+            </a:p>
+            <a:p>
+              <a:pPr algn="ctr"/>
+              <a:r>
+                <a:rPr lang="zh-CN" altLang="en-US" dirty="0">
+                  <a:solidFill>
+                    <a:schemeClr val="tx1"/>
+                  </a:solidFill>
+                </a:rPr>
+                <a:t>据</a:t>
+              </a:r>
+              <a:endParaRPr lang="en-US" altLang="zh-CN" dirty="0">
+                <a:solidFill>
+                  <a:schemeClr val="tx1"/>
+                </a:solidFill>
+              </a:endParaRPr>
+            </a:p>
+            <a:p>
+              <a:pPr algn="ctr"/>
+              <a:r>
+                <a:rPr lang="zh-CN" altLang="en-US" dirty="0">
+                  <a:solidFill>
+                    <a:schemeClr val="tx1"/>
+                  </a:solidFill>
+                </a:rPr>
+                <a:t>收</a:t>
+              </a:r>
+              <a:endParaRPr lang="en-US" altLang="zh-CN" dirty="0">
+                <a:solidFill>
+                  <a:schemeClr val="tx1"/>
+                </a:solidFill>
+              </a:endParaRPr>
+            </a:p>
+            <a:p>
+              <a:pPr algn="ctr"/>
+              <a:r>
+                <a:rPr lang="zh-CN" altLang="en-US" dirty="0">
+                  <a:solidFill>
+                    <a:schemeClr val="tx1"/>
+                  </a:solidFill>
+                </a:rPr>
+                <a:t>集</a:t>
+              </a:r>
+              <a:endParaRPr lang="en-US" altLang="zh-CN" dirty="0">
+                <a:solidFill>
+                  <a:schemeClr val="tx1"/>
+                </a:solidFill>
+              </a:endParaRPr>
+            </a:p>
+            <a:p>
+              <a:pPr algn="ctr"/>
+              <a:r>
+                <a:rPr lang="zh-CN" altLang="en-US" dirty="0">
+                  <a:solidFill>
+                    <a:schemeClr val="tx1"/>
+                  </a:solidFill>
+                </a:rPr>
+                <a:t>层</a:t>
+              </a:r>
+            </a:p>
+          </p:txBody>
+        </p:sp>
+        <p:sp>
+          <p:nvSpPr>
+            <p:cNvPr id="8" name="矩形 7">
+              <a:extLst>
+                <a:ext uri="{FF2B5EF4-FFF2-40B4-BE49-F238E27FC236}">
+                  <a16:creationId xmlns:a16="http://schemas.microsoft.com/office/drawing/2014/main" id="{79A16DBB-3204-4ACC-B1EE-063A1BDC23DF}"/>
+                </a:ext>
+              </a:extLst>
+            </p:cNvPr>
+            <p:cNvSpPr/>
+            <p:nvPr/>
+          </p:nvSpPr>
+          <p:spPr>
+            <a:xfrm>
+              <a:off x="904240" y="3911591"/>
+              <a:ext cx="711200" cy="2804170"/>
+            </a:xfrm>
+            <a:prstGeom prst="rect">
+              <a:avLst/>
+            </a:prstGeom>
+            <a:solidFill>
+              <a:schemeClr val="bg1">
+                <a:lumMod val="75000"/>
+              </a:schemeClr>
+            </a:solidFill>
+            <a:ln>
+              <a:solidFill>
+                <a:schemeClr val="tx1"/>
+              </a:solidFill>
+            </a:ln>
+          </p:spPr>
+          <p:style>
+            <a:lnRef idx="2">
+              <a:schemeClr val="accent1">
+                <a:shade val="50000"/>
+              </a:schemeClr>
+            </a:lnRef>
+            <a:fillRef idx="1">
+              <a:schemeClr val="accent1"/>
+            </a:fillRef>
+            <a:effectRef idx="0">
+              <a:schemeClr val="accent1"/>
+            </a:effectRef>
+            <a:fontRef idx="minor">
+              <a:schemeClr val="lt1"/>
+            </a:fontRef>
+          </p:style>
+          <p:txBody>
+            <a:bodyPr rtlCol="0" anchor="ctr"/>
+            <a:lstStyle/>
+            <a:p>
+              <a:pPr algn="ctr"/>
+              <a:r>
+                <a:rPr lang="zh-CN" altLang="en-US" dirty="0">
+                  <a:solidFill>
+                    <a:schemeClr val="tx1"/>
+                  </a:solidFill>
+                </a:rPr>
+                <a:t>大</a:t>
+              </a:r>
+              <a:endParaRPr lang="en-US" altLang="zh-CN" dirty="0">
+                <a:solidFill>
+                  <a:schemeClr val="tx1"/>
+                </a:solidFill>
+              </a:endParaRPr>
+            </a:p>
+            <a:p>
+              <a:pPr algn="ctr"/>
+              <a:r>
+                <a:rPr lang="zh-CN" altLang="en-US" dirty="0">
+                  <a:solidFill>
+                    <a:schemeClr val="tx1"/>
+                  </a:solidFill>
+                </a:rPr>
+                <a:t>数</a:t>
+              </a:r>
+              <a:endParaRPr lang="en-US" altLang="zh-CN" dirty="0">
+                <a:solidFill>
+                  <a:schemeClr val="tx1"/>
+                </a:solidFill>
+              </a:endParaRPr>
+            </a:p>
+            <a:p>
+              <a:pPr algn="ctr"/>
+              <a:r>
+                <a:rPr lang="zh-CN" altLang="en-US" dirty="0">
+                  <a:solidFill>
+                    <a:schemeClr val="tx1"/>
+                  </a:solidFill>
+                </a:rPr>
+                <a:t>据</a:t>
+              </a:r>
+              <a:endParaRPr lang="en-US" altLang="zh-CN" dirty="0">
+                <a:solidFill>
+                  <a:schemeClr val="tx1"/>
+                </a:solidFill>
+              </a:endParaRPr>
+            </a:p>
+            <a:p>
+              <a:pPr algn="ctr"/>
+              <a:r>
+                <a:rPr lang="zh-CN" altLang="en-US" dirty="0">
+                  <a:solidFill>
+                    <a:schemeClr val="tx1"/>
+                  </a:solidFill>
+                </a:rPr>
+                <a:t>层</a:t>
+              </a:r>
+              <a:endParaRPr lang="en-US" altLang="zh-CN" dirty="0">
+                <a:solidFill>
+                  <a:schemeClr val="tx1"/>
+                </a:solidFill>
+              </a:endParaRPr>
+            </a:p>
+          </p:txBody>
+        </p:sp>
+        <p:sp>
+          <p:nvSpPr>
+            <p:cNvPr id="9" name="矩形 8">
+              <a:extLst>
+                <a:ext uri="{FF2B5EF4-FFF2-40B4-BE49-F238E27FC236}">
+                  <a16:creationId xmlns:a16="http://schemas.microsoft.com/office/drawing/2014/main" id="{797F5448-E2A2-476D-955B-DACFB313ABFD}"/>
+                </a:ext>
+              </a:extLst>
+            </p:cNvPr>
+            <p:cNvSpPr/>
+            <p:nvPr/>
+          </p:nvSpPr>
+          <p:spPr>
+            <a:xfrm>
+              <a:off x="1615440" y="5801360"/>
+              <a:ext cx="924560" cy="914400"/>
+            </a:xfrm>
+            <a:prstGeom prst="rect">
+              <a:avLst/>
+            </a:prstGeom>
+            <a:solidFill>
+              <a:schemeClr val="bg1">
+                <a:lumMod val="85000"/>
+              </a:schemeClr>
+            </a:solidFill>
+            <a:ln>
+              <a:solidFill>
+                <a:schemeClr val="tx1"/>
+              </a:solidFill>
+            </a:ln>
+          </p:spPr>
+          <p:style>
+            <a:lnRef idx="2">
+              <a:schemeClr val="accent1">
+                <a:shade val="50000"/>
+              </a:schemeClr>
+            </a:lnRef>
+            <a:fillRef idx="1">
+              <a:schemeClr val="accent1"/>
+            </a:fillRef>
+            <a:effectRef idx="0">
+              <a:schemeClr val="accent1"/>
+            </a:effectRef>
+            <a:fontRef idx="minor">
+              <a:schemeClr val="lt1"/>
+            </a:fontRef>
+          </p:style>
+          <p:txBody>
+            <a:bodyPr rtlCol="0" anchor="ctr"/>
+            <a:lstStyle/>
+            <a:p>
+              <a:pPr algn="ctr"/>
+              <a:r>
+                <a:rPr lang="zh-CN" altLang="en-US" dirty="0">
+                  <a:solidFill>
+                    <a:schemeClr val="tx1"/>
+                  </a:solidFill>
+                </a:rPr>
+                <a:t>存储</a:t>
+              </a:r>
+            </a:p>
+          </p:txBody>
+        </p:sp>
+        <p:sp>
+          <p:nvSpPr>
+            <p:cNvPr id="10" name="矩形 9">
+              <a:extLst>
+                <a:ext uri="{FF2B5EF4-FFF2-40B4-BE49-F238E27FC236}">
+                  <a16:creationId xmlns:a16="http://schemas.microsoft.com/office/drawing/2014/main" id="{3783D67A-A058-4C7D-ABDE-05020EAFFF6C}"/>
+                </a:ext>
+              </a:extLst>
+            </p:cNvPr>
+            <p:cNvSpPr/>
+            <p:nvPr/>
+          </p:nvSpPr>
+          <p:spPr>
+            <a:xfrm>
+              <a:off x="2788920" y="6289040"/>
+              <a:ext cx="5217160" cy="426720"/>
+            </a:xfrm>
+            <a:prstGeom prst="rect">
+              <a:avLst/>
+            </a:prstGeom>
+            <a:solidFill>
+              <a:schemeClr val="bg1">
+                <a:lumMod val="85000"/>
+              </a:schemeClr>
+            </a:solidFill>
+            <a:ln>
+              <a:solidFill>
+                <a:schemeClr val="tx1"/>
+              </a:solidFill>
+            </a:ln>
+          </p:spPr>
+          <p:style>
+            <a:lnRef idx="2">
+              <a:schemeClr val="accent1">
+                <a:shade val="50000"/>
+              </a:schemeClr>
+            </a:lnRef>
+            <a:fillRef idx="1">
+              <a:schemeClr val="accent1"/>
+            </a:fillRef>
+            <a:effectRef idx="0">
+              <a:schemeClr val="accent1"/>
+            </a:effectRef>
+            <a:fontRef idx="minor">
+              <a:schemeClr val="lt1"/>
+            </a:fontRef>
+          </p:style>
+          <p:txBody>
+            <a:bodyPr rtlCol="0" anchor="ctr"/>
+            <a:lstStyle/>
+            <a:p>
+              <a:pPr algn="ctr"/>
+              <a:r>
+                <a:rPr lang="en-US" altLang="zh-CN" dirty="0">
+                  <a:solidFill>
+                    <a:schemeClr val="tx1"/>
+                  </a:solidFill>
+                </a:rPr>
+                <a:t>HDFS</a:t>
+              </a:r>
+              <a:endParaRPr lang="zh-CN" altLang="en-US" dirty="0">
+                <a:solidFill>
+                  <a:schemeClr val="tx1"/>
+                </a:solidFill>
+              </a:endParaRPr>
+            </a:p>
+          </p:txBody>
+        </p:sp>
+        <p:sp>
+          <p:nvSpPr>
+            <p:cNvPr id="11" name="矩形 10">
+              <a:extLst>
+                <a:ext uri="{FF2B5EF4-FFF2-40B4-BE49-F238E27FC236}">
+                  <a16:creationId xmlns:a16="http://schemas.microsoft.com/office/drawing/2014/main" id="{DBBF8305-AC0D-4CF8-8111-0B5ECD2B798A}"/>
+                </a:ext>
+              </a:extLst>
+            </p:cNvPr>
+            <p:cNvSpPr/>
+            <p:nvPr/>
+          </p:nvSpPr>
+          <p:spPr>
+            <a:xfrm>
+              <a:off x="2788920" y="5801360"/>
+              <a:ext cx="5217160" cy="426720"/>
+            </a:xfrm>
+            <a:prstGeom prst="rect">
+              <a:avLst/>
+            </a:prstGeom>
+            <a:solidFill>
+              <a:schemeClr val="bg1">
+                <a:lumMod val="85000"/>
+              </a:schemeClr>
+            </a:solidFill>
+            <a:ln>
+              <a:solidFill>
+                <a:schemeClr val="tx1"/>
+              </a:solidFill>
+            </a:ln>
+          </p:spPr>
+          <p:style>
+            <a:lnRef idx="2">
+              <a:schemeClr val="accent1">
+                <a:shade val="50000"/>
+              </a:schemeClr>
+            </a:lnRef>
+            <a:fillRef idx="1">
+              <a:schemeClr val="accent1"/>
+            </a:fillRef>
+            <a:effectRef idx="0">
+              <a:schemeClr val="accent1"/>
+            </a:effectRef>
+            <a:fontRef idx="minor">
+              <a:schemeClr val="lt1"/>
+            </a:fontRef>
+          </p:style>
+          <p:txBody>
+            <a:bodyPr rtlCol="0" anchor="ctr"/>
+            <a:lstStyle/>
+            <a:p>
+              <a:pPr algn="ctr"/>
+              <a:r>
+                <a:rPr lang="en-US" altLang="zh-CN" dirty="0">
+                  <a:solidFill>
+                    <a:schemeClr val="tx1"/>
+                  </a:solidFill>
+                </a:rPr>
+                <a:t>HBase</a:t>
+              </a:r>
+              <a:endParaRPr lang="zh-CN" altLang="en-US" dirty="0">
+                <a:solidFill>
+                  <a:schemeClr val="tx1"/>
+                </a:solidFill>
+              </a:endParaRPr>
+            </a:p>
+          </p:txBody>
+        </p:sp>
+        <p:sp>
+          <p:nvSpPr>
+            <p:cNvPr id="12" name="矩形 11">
+              <a:extLst>
+                <a:ext uri="{FF2B5EF4-FFF2-40B4-BE49-F238E27FC236}">
+                  <a16:creationId xmlns:a16="http://schemas.microsoft.com/office/drawing/2014/main" id="{31150640-F23E-4BE9-92FB-D1474938DA9F}"/>
+                </a:ext>
+              </a:extLst>
+            </p:cNvPr>
+            <p:cNvSpPr/>
+            <p:nvPr/>
+          </p:nvSpPr>
+          <p:spPr>
+            <a:xfrm>
+              <a:off x="1615440" y="5140957"/>
+              <a:ext cx="924560" cy="548641"/>
+            </a:xfrm>
+            <a:prstGeom prst="rect">
+              <a:avLst/>
+            </a:prstGeom>
+            <a:solidFill>
+              <a:schemeClr val="bg1">
+                <a:lumMod val="85000"/>
+              </a:schemeClr>
+            </a:solidFill>
+            <a:ln>
+              <a:solidFill>
+                <a:schemeClr val="tx1"/>
+              </a:solidFill>
+            </a:ln>
+          </p:spPr>
+          <p:style>
+            <a:lnRef idx="2">
+              <a:schemeClr val="accent1">
+                <a:shade val="50000"/>
+              </a:schemeClr>
+            </a:lnRef>
+            <a:fillRef idx="1">
+              <a:schemeClr val="accent1"/>
+            </a:fillRef>
+            <a:effectRef idx="0">
+              <a:schemeClr val="accent1"/>
+            </a:effectRef>
+            <a:fontRef idx="minor">
+              <a:schemeClr val="lt1"/>
+            </a:fontRef>
+          </p:style>
+          <p:txBody>
+            <a:bodyPr rtlCol="0" anchor="ctr"/>
+            <a:lstStyle/>
+            <a:p>
+              <a:pPr algn="ctr"/>
+              <a:r>
+                <a:rPr lang="zh-CN" altLang="en-US" dirty="0">
+                  <a:solidFill>
+                    <a:schemeClr val="tx1"/>
+                  </a:solidFill>
+                </a:rPr>
+                <a:t>资源</a:t>
+              </a:r>
+              <a:endParaRPr lang="en-US" altLang="zh-CN" dirty="0">
+                <a:solidFill>
+                  <a:schemeClr val="tx1"/>
+                </a:solidFill>
+              </a:endParaRPr>
+            </a:p>
+            <a:p>
+              <a:pPr algn="ctr"/>
+              <a:r>
+                <a:rPr lang="zh-CN" altLang="en-US" dirty="0">
+                  <a:solidFill>
+                    <a:schemeClr val="tx1"/>
+                  </a:solidFill>
+                </a:rPr>
+                <a:t>管理</a:t>
+              </a:r>
+            </a:p>
+          </p:txBody>
+        </p:sp>
+        <p:sp>
+          <p:nvSpPr>
+            <p:cNvPr id="13" name="矩形 12">
+              <a:extLst>
+                <a:ext uri="{FF2B5EF4-FFF2-40B4-BE49-F238E27FC236}">
+                  <a16:creationId xmlns:a16="http://schemas.microsoft.com/office/drawing/2014/main" id="{258FCABD-2E5B-4DA4-92C0-D3CC0505B182}"/>
+                </a:ext>
+              </a:extLst>
+            </p:cNvPr>
+            <p:cNvSpPr/>
+            <p:nvPr/>
+          </p:nvSpPr>
+          <p:spPr>
+            <a:xfrm>
+              <a:off x="2788920" y="5140956"/>
+              <a:ext cx="2570480" cy="548642"/>
+            </a:xfrm>
+            <a:prstGeom prst="rect">
+              <a:avLst/>
+            </a:prstGeom>
+            <a:solidFill>
+              <a:schemeClr val="bg1">
+                <a:lumMod val="85000"/>
+              </a:schemeClr>
+            </a:solidFill>
+            <a:ln>
+              <a:solidFill>
+                <a:schemeClr val="tx1"/>
+              </a:solidFill>
+            </a:ln>
+          </p:spPr>
+          <p:style>
+            <a:lnRef idx="2">
+              <a:schemeClr val="accent1">
+                <a:shade val="50000"/>
+              </a:schemeClr>
+            </a:lnRef>
+            <a:fillRef idx="1">
+              <a:schemeClr val="accent1"/>
+            </a:fillRef>
+            <a:effectRef idx="0">
+              <a:schemeClr val="accent1"/>
+            </a:effectRef>
+            <a:fontRef idx="minor">
+              <a:schemeClr val="lt1"/>
+            </a:fontRef>
+          </p:style>
+          <p:txBody>
+            <a:bodyPr rtlCol="0" anchor="ctr"/>
+            <a:lstStyle/>
+            <a:p>
+              <a:pPr algn="ctr"/>
+              <a:r>
+                <a:rPr lang="en-US" altLang="zh-CN" dirty="0">
+                  <a:solidFill>
+                    <a:schemeClr val="tx1"/>
+                  </a:solidFill>
+                </a:rPr>
+                <a:t>Yarn</a:t>
+              </a:r>
+              <a:endParaRPr lang="zh-CN" altLang="en-US" dirty="0">
+                <a:solidFill>
+                  <a:schemeClr val="tx1"/>
+                </a:solidFill>
+              </a:endParaRPr>
+            </a:p>
+          </p:txBody>
+        </p:sp>
+        <p:sp>
+          <p:nvSpPr>
+            <p:cNvPr id="14" name="矩形 13">
+              <a:extLst>
+                <a:ext uri="{FF2B5EF4-FFF2-40B4-BE49-F238E27FC236}">
+                  <a16:creationId xmlns:a16="http://schemas.microsoft.com/office/drawing/2014/main" id="{F1B8B86D-1014-4D4F-9AE4-E6C0EAFBBA62}"/>
+                </a:ext>
+              </a:extLst>
+            </p:cNvPr>
+            <p:cNvSpPr/>
+            <p:nvPr/>
+          </p:nvSpPr>
+          <p:spPr>
+            <a:xfrm>
+              <a:off x="5435600" y="5140956"/>
+              <a:ext cx="2570480" cy="548642"/>
+            </a:xfrm>
+            <a:prstGeom prst="rect">
+              <a:avLst/>
+            </a:prstGeom>
+            <a:solidFill>
+              <a:schemeClr val="bg1">
+                <a:lumMod val="85000"/>
+              </a:schemeClr>
+            </a:solidFill>
+            <a:ln>
+              <a:solidFill>
+                <a:schemeClr val="tx1"/>
+              </a:solidFill>
+            </a:ln>
+          </p:spPr>
+          <p:style>
+            <a:lnRef idx="2">
+              <a:schemeClr val="accent1">
+                <a:shade val="50000"/>
+              </a:schemeClr>
+            </a:lnRef>
+            <a:fillRef idx="1">
+              <a:schemeClr val="accent1"/>
+            </a:fillRef>
+            <a:effectRef idx="0">
+              <a:schemeClr val="accent1"/>
+            </a:effectRef>
+            <a:fontRef idx="minor">
+              <a:schemeClr val="lt1"/>
+            </a:fontRef>
+          </p:style>
+          <p:txBody>
+            <a:bodyPr rtlCol="0" anchor="ctr"/>
+            <a:lstStyle/>
+            <a:p>
+              <a:pPr algn="ctr"/>
+              <a:r>
+                <a:rPr lang="en-US" altLang="zh-CN" dirty="0">
+                  <a:solidFill>
+                    <a:schemeClr val="tx1"/>
+                  </a:solidFill>
+                </a:rPr>
+                <a:t>Mesos</a:t>
+              </a:r>
+              <a:endParaRPr lang="zh-CN" altLang="en-US" dirty="0">
+                <a:solidFill>
+                  <a:schemeClr val="tx1"/>
+                </a:solidFill>
+              </a:endParaRPr>
+            </a:p>
+          </p:txBody>
+        </p:sp>
+        <p:sp>
+          <p:nvSpPr>
+            <p:cNvPr id="15" name="矩形 14">
+              <a:extLst>
+                <a:ext uri="{FF2B5EF4-FFF2-40B4-BE49-F238E27FC236}">
+                  <a16:creationId xmlns:a16="http://schemas.microsoft.com/office/drawing/2014/main" id="{B2592586-904E-460E-98C7-148E2A4F0945}"/>
+                </a:ext>
+              </a:extLst>
+            </p:cNvPr>
+            <p:cNvSpPr/>
+            <p:nvPr/>
+          </p:nvSpPr>
+          <p:spPr>
+            <a:xfrm>
+              <a:off x="1615440" y="4460234"/>
+              <a:ext cx="924560" cy="548641"/>
+            </a:xfrm>
+            <a:prstGeom prst="rect">
+              <a:avLst/>
+            </a:prstGeom>
+            <a:solidFill>
+              <a:schemeClr val="bg1">
+                <a:lumMod val="85000"/>
+              </a:schemeClr>
+            </a:solidFill>
+            <a:ln>
+              <a:solidFill>
+                <a:schemeClr val="tx1"/>
+              </a:solidFill>
+            </a:ln>
+          </p:spPr>
+          <p:style>
+            <a:lnRef idx="2">
+              <a:schemeClr val="accent1">
+                <a:shade val="50000"/>
+              </a:schemeClr>
+            </a:lnRef>
+            <a:fillRef idx="1">
+              <a:schemeClr val="accent1"/>
+            </a:fillRef>
+            <a:effectRef idx="0">
+              <a:schemeClr val="accent1"/>
+            </a:effectRef>
+            <a:fontRef idx="minor">
+              <a:schemeClr val="lt1"/>
+            </a:fontRef>
+          </p:style>
+          <p:txBody>
+            <a:bodyPr rtlCol="0" anchor="ctr"/>
+            <a:lstStyle/>
+            <a:p>
+              <a:pPr algn="ctr"/>
+              <a:r>
+                <a:rPr lang="zh-CN" altLang="en-US" dirty="0">
+                  <a:solidFill>
+                    <a:schemeClr val="tx1"/>
+                  </a:solidFill>
+                </a:rPr>
+                <a:t>批处理</a:t>
+              </a:r>
+            </a:p>
+          </p:txBody>
+        </p:sp>
+        <p:sp>
+          <p:nvSpPr>
+            <p:cNvPr id="16" name="矩形 15">
+              <a:extLst>
+                <a:ext uri="{FF2B5EF4-FFF2-40B4-BE49-F238E27FC236}">
+                  <a16:creationId xmlns:a16="http://schemas.microsoft.com/office/drawing/2014/main" id="{B90A30E8-AFBF-4005-A429-6E5A7B3F8A46}"/>
+                </a:ext>
+              </a:extLst>
+            </p:cNvPr>
+            <p:cNvSpPr/>
+            <p:nvPr/>
+          </p:nvSpPr>
+          <p:spPr>
+            <a:xfrm>
+              <a:off x="1615440" y="3911592"/>
+              <a:ext cx="924560" cy="548641"/>
+            </a:xfrm>
+            <a:prstGeom prst="rect">
+              <a:avLst/>
+            </a:prstGeom>
+            <a:solidFill>
+              <a:schemeClr val="bg1">
+                <a:lumMod val="85000"/>
+              </a:schemeClr>
+            </a:solidFill>
+            <a:ln>
+              <a:solidFill>
+                <a:schemeClr val="tx1"/>
+              </a:solidFill>
+            </a:ln>
+          </p:spPr>
+          <p:style>
+            <a:lnRef idx="2">
+              <a:schemeClr val="accent1">
+                <a:shade val="50000"/>
+              </a:schemeClr>
+            </a:lnRef>
+            <a:fillRef idx="1">
+              <a:schemeClr val="accent1"/>
+            </a:fillRef>
+            <a:effectRef idx="0">
+              <a:schemeClr val="accent1"/>
+            </a:effectRef>
+            <a:fontRef idx="minor">
+              <a:schemeClr val="lt1"/>
+            </a:fontRef>
+          </p:style>
+          <p:txBody>
+            <a:bodyPr rtlCol="0" anchor="ctr"/>
+            <a:lstStyle/>
+            <a:p>
+              <a:pPr algn="ctr"/>
+              <a:r>
+                <a:rPr lang="zh-CN" altLang="en-US" dirty="0">
+                  <a:solidFill>
+                    <a:schemeClr val="tx1"/>
+                  </a:solidFill>
+                </a:rPr>
+                <a:t>流处理</a:t>
+              </a:r>
+            </a:p>
+          </p:txBody>
+        </p:sp>
+        <p:sp>
+          <p:nvSpPr>
+            <p:cNvPr id="17" name="矩形 16">
+              <a:extLst>
+                <a:ext uri="{FF2B5EF4-FFF2-40B4-BE49-F238E27FC236}">
+                  <a16:creationId xmlns:a16="http://schemas.microsoft.com/office/drawing/2014/main" id="{6C99A414-7255-4D64-82EB-25D7848C3843}"/>
+                </a:ext>
+              </a:extLst>
+            </p:cNvPr>
+            <p:cNvSpPr/>
+            <p:nvPr/>
+          </p:nvSpPr>
+          <p:spPr>
+            <a:xfrm>
+              <a:off x="2788920" y="4511033"/>
+              <a:ext cx="3957320" cy="548642"/>
+            </a:xfrm>
+            <a:prstGeom prst="rect">
+              <a:avLst/>
+            </a:prstGeom>
+            <a:solidFill>
+              <a:schemeClr val="bg1">
+                <a:lumMod val="85000"/>
+              </a:schemeClr>
+            </a:solidFill>
+            <a:ln>
+              <a:solidFill>
+                <a:schemeClr val="tx1"/>
+              </a:solidFill>
+            </a:ln>
+          </p:spPr>
+          <p:style>
+            <a:lnRef idx="2">
+              <a:schemeClr val="accent1">
+                <a:shade val="50000"/>
+              </a:schemeClr>
+            </a:lnRef>
+            <a:fillRef idx="1">
+              <a:schemeClr val="accent1"/>
+            </a:fillRef>
+            <a:effectRef idx="0">
+              <a:schemeClr val="accent1"/>
+            </a:effectRef>
+            <a:fontRef idx="minor">
+              <a:schemeClr val="lt1"/>
+            </a:fontRef>
+          </p:style>
+          <p:txBody>
+            <a:bodyPr rtlCol="0" anchor="ctr"/>
+            <a:lstStyle/>
+            <a:p>
+              <a:pPr algn="ctr"/>
+              <a:r>
+                <a:rPr lang="en-US" altLang="zh-CN" dirty="0">
+                  <a:solidFill>
+                    <a:schemeClr val="tx1"/>
+                  </a:solidFill>
+                </a:rPr>
+                <a:t>MapReduce</a:t>
+              </a:r>
+              <a:endParaRPr lang="zh-CN" altLang="en-US" dirty="0">
+                <a:solidFill>
+                  <a:schemeClr val="tx1"/>
+                </a:solidFill>
+              </a:endParaRPr>
+            </a:p>
+          </p:txBody>
+        </p:sp>
+        <p:sp>
+          <p:nvSpPr>
+            <p:cNvPr id="18" name="矩形 17">
+              <a:extLst>
+                <a:ext uri="{FF2B5EF4-FFF2-40B4-BE49-F238E27FC236}">
+                  <a16:creationId xmlns:a16="http://schemas.microsoft.com/office/drawing/2014/main" id="{1D3164CE-B28D-4E7A-9B71-57B82A3018B4}"/>
+                </a:ext>
+              </a:extLst>
+            </p:cNvPr>
+            <p:cNvSpPr/>
+            <p:nvPr/>
+          </p:nvSpPr>
+          <p:spPr>
+            <a:xfrm>
+              <a:off x="6832602" y="3962391"/>
+              <a:ext cx="1173478" cy="1097284"/>
+            </a:xfrm>
+            <a:prstGeom prst="rect">
+              <a:avLst/>
+            </a:prstGeom>
+            <a:solidFill>
+              <a:schemeClr val="bg1">
+                <a:lumMod val="85000"/>
+              </a:schemeClr>
+            </a:solidFill>
+            <a:ln>
+              <a:solidFill>
+                <a:schemeClr val="tx1"/>
+              </a:solidFill>
+            </a:ln>
+          </p:spPr>
+          <p:style>
+            <a:lnRef idx="2">
+              <a:schemeClr val="accent1">
+                <a:shade val="50000"/>
+              </a:schemeClr>
+            </a:lnRef>
+            <a:fillRef idx="1">
+              <a:schemeClr val="accent1"/>
+            </a:fillRef>
+            <a:effectRef idx="0">
+              <a:schemeClr val="accent1"/>
+            </a:effectRef>
+            <a:fontRef idx="minor">
+              <a:schemeClr val="lt1"/>
+            </a:fontRef>
+          </p:style>
+          <p:txBody>
+            <a:bodyPr rtlCol="0" anchor="ctr"/>
+            <a:lstStyle/>
+            <a:p>
+              <a:pPr algn="ctr"/>
+              <a:r>
+                <a:rPr lang="en-US" altLang="zh-CN" dirty="0">
+                  <a:solidFill>
+                    <a:schemeClr val="tx1"/>
+                  </a:solidFill>
+                </a:rPr>
+                <a:t>Spark</a:t>
+              </a:r>
+              <a:endParaRPr lang="zh-CN" altLang="en-US" dirty="0">
+                <a:solidFill>
+                  <a:schemeClr val="tx1"/>
+                </a:solidFill>
+              </a:endParaRPr>
+            </a:p>
+          </p:txBody>
+        </p:sp>
+        <p:sp>
+          <p:nvSpPr>
+            <p:cNvPr id="19" name="矩形 18">
+              <a:extLst>
+                <a:ext uri="{FF2B5EF4-FFF2-40B4-BE49-F238E27FC236}">
+                  <a16:creationId xmlns:a16="http://schemas.microsoft.com/office/drawing/2014/main" id="{32CC2254-8996-42E5-B036-BAAD35903D1B}"/>
+                </a:ext>
+              </a:extLst>
+            </p:cNvPr>
+            <p:cNvSpPr/>
+            <p:nvPr/>
+          </p:nvSpPr>
+          <p:spPr>
+            <a:xfrm>
+              <a:off x="2794002" y="3962390"/>
+              <a:ext cx="1295400" cy="548642"/>
+            </a:xfrm>
+            <a:prstGeom prst="rect">
+              <a:avLst/>
+            </a:prstGeom>
+            <a:solidFill>
+              <a:schemeClr val="bg1">
+                <a:lumMod val="85000"/>
+              </a:schemeClr>
+            </a:solidFill>
+            <a:ln>
+              <a:solidFill>
+                <a:schemeClr val="tx1"/>
+              </a:solidFill>
+            </a:ln>
+          </p:spPr>
+          <p:style>
+            <a:lnRef idx="2">
+              <a:schemeClr val="accent1">
+                <a:shade val="50000"/>
+              </a:schemeClr>
+            </a:lnRef>
+            <a:fillRef idx="1">
+              <a:schemeClr val="accent1"/>
+            </a:fillRef>
+            <a:effectRef idx="0">
+              <a:schemeClr val="accent1"/>
+            </a:effectRef>
+            <a:fontRef idx="minor">
+              <a:schemeClr val="lt1"/>
+            </a:fontRef>
+          </p:style>
+          <p:txBody>
+            <a:bodyPr rtlCol="0" anchor="ctr"/>
+            <a:lstStyle/>
+            <a:p>
+              <a:pPr algn="ctr"/>
+              <a:r>
+                <a:rPr lang="en-US" altLang="zh-CN" dirty="0" err="1">
+                  <a:solidFill>
+                    <a:schemeClr val="tx1"/>
+                  </a:solidFill>
+                </a:rPr>
+                <a:t>Flink</a:t>
+              </a:r>
+              <a:endParaRPr lang="zh-CN" altLang="en-US" dirty="0">
+                <a:solidFill>
+                  <a:schemeClr val="tx1"/>
+                </a:solidFill>
+              </a:endParaRPr>
+            </a:p>
+          </p:txBody>
+        </p:sp>
+        <p:sp>
+          <p:nvSpPr>
+            <p:cNvPr id="20" name="矩形 19">
+              <a:extLst>
+                <a:ext uri="{FF2B5EF4-FFF2-40B4-BE49-F238E27FC236}">
+                  <a16:creationId xmlns:a16="http://schemas.microsoft.com/office/drawing/2014/main" id="{4BC6A520-7F2A-4D22-A524-EC1DB329DEE5}"/>
+                </a:ext>
+              </a:extLst>
+            </p:cNvPr>
+            <p:cNvSpPr/>
+            <p:nvPr/>
+          </p:nvSpPr>
+          <p:spPr>
+            <a:xfrm>
+              <a:off x="4091941" y="3962390"/>
+              <a:ext cx="1280158" cy="548642"/>
+            </a:xfrm>
+            <a:prstGeom prst="rect">
+              <a:avLst/>
+            </a:prstGeom>
+            <a:solidFill>
+              <a:schemeClr val="bg1">
+                <a:lumMod val="85000"/>
+              </a:schemeClr>
+            </a:solidFill>
+            <a:ln>
+              <a:solidFill>
+                <a:schemeClr val="tx1"/>
+              </a:solidFill>
+            </a:ln>
+          </p:spPr>
+          <p:style>
+            <a:lnRef idx="2">
+              <a:schemeClr val="accent1">
+                <a:shade val="50000"/>
+              </a:schemeClr>
+            </a:lnRef>
+            <a:fillRef idx="1">
+              <a:schemeClr val="accent1"/>
+            </a:fillRef>
+            <a:effectRef idx="0">
+              <a:schemeClr val="accent1"/>
+            </a:effectRef>
+            <a:fontRef idx="minor">
+              <a:schemeClr val="lt1"/>
+            </a:fontRef>
+          </p:style>
+          <p:txBody>
+            <a:bodyPr rtlCol="0" anchor="ctr"/>
+            <a:lstStyle/>
+            <a:p>
+              <a:pPr algn="ctr"/>
+              <a:r>
+                <a:rPr lang="en-US" altLang="zh-CN" dirty="0">
+                  <a:solidFill>
+                    <a:schemeClr val="tx1"/>
+                  </a:solidFill>
+                </a:rPr>
+                <a:t>Storm</a:t>
+              </a:r>
+              <a:endParaRPr lang="zh-CN" altLang="en-US" dirty="0">
+                <a:solidFill>
+                  <a:schemeClr val="tx1"/>
+                </a:solidFill>
+              </a:endParaRPr>
+            </a:p>
+          </p:txBody>
+        </p:sp>
+        <p:sp>
+          <p:nvSpPr>
+            <p:cNvPr id="21" name="矩形 20">
+              <a:extLst>
+                <a:ext uri="{FF2B5EF4-FFF2-40B4-BE49-F238E27FC236}">
+                  <a16:creationId xmlns:a16="http://schemas.microsoft.com/office/drawing/2014/main" id="{233EB044-0E9C-4E90-B1C6-E624596ECAE5}"/>
+                </a:ext>
+              </a:extLst>
+            </p:cNvPr>
+            <p:cNvSpPr/>
+            <p:nvPr/>
+          </p:nvSpPr>
+          <p:spPr>
+            <a:xfrm>
+              <a:off x="5359399" y="3962390"/>
+              <a:ext cx="1386841" cy="548642"/>
+            </a:xfrm>
+            <a:prstGeom prst="rect">
+              <a:avLst/>
+            </a:prstGeom>
+            <a:solidFill>
+              <a:schemeClr val="bg1">
+                <a:lumMod val="85000"/>
+              </a:schemeClr>
+            </a:solidFill>
+            <a:ln>
+              <a:solidFill>
+                <a:schemeClr val="tx1"/>
+              </a:solidFill>
+            </a:ln>
+          </p:spPr>
+          <p:style>
+            <a:lnRef idx="2">
+              <a:schemeClr val="accent1">
+                <a:shade val="50000"/>
+              </a:schemeClr>
+            </a:lnRef>
+            <a:fillRef idx="1">
+              <a:schemeClr val="accent1"/>
+            </a:fillRef>
+            <a:effectRef idx="0">
+              <a:schemeClr val="accent1"/>
+            </a:effectRef>
+            <a:fontRef idx="minor">
+              <a:schemeClr val="lt1"/>
+            </a:fontRef>
+          </p:style>
+          <p:txBody>
+            <a:bodyPr rtlCol="0" anchor="ctr"/>
+            <a:lstStyle/>
+            <a:p>
+              <a:pPr algn="ctr"/>
+              <a:r>
+                <a:rPr lang="en-US" altLang="zh-CN" dirty="0">
+                  <a:solidFill>
+                    <a:schemeClr val="tx1"/>
+                  </a:solidFill>
+                </a:rPr>
+                <a:t>Beam</a:t>
+              </a:r>
+              <a:endParaRPr lang="zh-CN" altLang="en-US" dirty="0">
+                <a:solidFill>
+                  <a:schemeClr val="tx1"/>
+                </a:solidFill>
+              </a:endParaRPr>
+            </a:p>
+          </p:txBody>
+        </p:sp>
+        <p:sp>
+          <p:nvSpPr>
+            <p:cNvPr id="22" name="矩形 21">
+              <a:extLst>
+                <a:ext uri="{FF2B5EF4-FFF2-40B4-BE49-F238E27FC236}">
+                  <a16:creationId xmlns:a16="http://schemas.microsoft.com/office/drawing/2014/main" id="{C73FA089-2017-41D5-8DFD-0C624FAFE6BB}"/>
+                </a:ext>
+              </a:extLst>
+            </p:cNvPr>
+            <p:cNvSpPr/>
+            <p:nvPr/>
+          </p:nvSpPr>
+          <p:spPr>
+            <a:xfrm>
+              <a:off x="1775460" y="1661156"/>
+              <a:ext cx="3111500" cy="1889756"/>
+            </a:xfrm>
+            <a:prstGeom prst="rect">
+              <a:avLst/>
+            </a:prstGeom>
+            <a:solidFill>
+              <a:schemeClr val="bg1">
+                <a:lumMod val="85000"/>
+              </a:schemeClr>
+            </a:solidFill>
+            <a:ln>
+              <a:solidFill>
+                <a:schemeClr val="tx1"/>
+              </a:solidFill>
+            </a:ln>
+          </p:spPr>
+          <p:style>
+            <a:lnRef idx="2">
+              <a:schemeClr val="accent1">
+                <a:shade val="50000"/>
+              </a:schemeClr>
+            </a:lnRef>
+            <a:fillRef idx="1">
+              <a:schemeClr val="accent1"/>
+            </a:fillRef>
+            <a:effectRef idx="0">
+              <a:schemeClr val="accent1"/>
+            </a:effectRef>
+            <a:fontRef idx="minor">
+              <a:schemeClr val="lt1"/>
+            </a:fontRef>
+          </p:style>
+          <p:txBody>
+            <a:bodyPr rtlCol="0" anchor="ctr"/>
+            <a:lstStyle/>
+            <a:p>
+              <a:pPr algn="ctr"/>
+              <a:r>
+                <a:rPr lang="en-US" altLang="zh-CN" dirty="0">
+                  <a:solidFill>
+                    <a:schemeClr val="tx1"/>
+                  </a:solidFill>
+                </a:rPr>
+                <a:t>Flume</a:t>
+              </a:r>
+              <a:endParaRPr lang="zh-CN" altLang="en-US" dirty="0">
+                <a:solidFill>
+                  <a:schemeClr val="tx1"/>
+                </a:solidFill>
+              </a:endParaRPr>
+            </a:p>
+          </p:txBody>
+        </p:sp>
+        <p:sp>
+          <p:nvSpPr>
+            <p:cNvPr id="23" name="矩形 22">
+              <a:extLst>
+                <a:ext uri="{FF2B5EF4-FFF2-40B4-BE49-F238E27FC236}">
+                  <a16:creationId xmlns:a16="http://schemas.microsoft.com/office/drawing/2014/main" id="{343D9C75-BE3B-4C10-8DF4-373E32EBD151}"/>
+                </a:ext>
+              </a:extLst>
+            </p:cNvPr>
+            <p:cNvSpPr/>
+            <p:nvPr/>
+          </p:nvSpPr>
+          <p:spPr>
+            <a:xfrm>
+              <a:off x="4980940" y="1671318"/>
+              <a:ext cx="3025140" cy="1889756"/>
+            </a:xfrm>
+            <a:prstGeom prst="rect">
+              <a:avLst/>
+            </a:prstGeom>
+            <a:solidFill>
+              <a:schemeClr val="bg1">
+                <a:lumMod val="85000"/>
+              </a:schemeClr>
+            </a:solidFill>
+            <a:ln>
+              <a:solidFill>
+                <a:schemeClr val="tx1"/>
+              </a:solidFill>
+            </a:ln>
+          </p:spPr>
+          <p:style>
+            <a:lnRef idx="2">
+              <a:schemeClr val="accent1">
+                <a:shade val="50000"/>
+              </a:schemeClr>
+            </a:lnRef>
+            <a:fillRef idx="1">
+              <a:schemeClr val="accent1"/>
+            </a:fillRef>
+            <a:effectRef idx="0">
+              <a:schemeClr val="accent1"/>
+            </a:effectRef>
+            <a:fontRef idx="minor">
+              <a:schemeClr val="lt1"/>
+            </a:fontRef>
+          </p:style>
+          <p:txBody>
+            <a:bodyPr rtlCol="0" anchor="ctr"/>
+            <a:lstStyle/>
+            <a:p>
+              <a:pPr algn="ctr"/>
+              <a:r>
+                <a:rPr lang="en-US" altLang="zh-CN" dirty="0">
+                  <a:solidFill>
+                    <a:schemeClr val="tx1"/>
+                  </a:solidFill>
+                </a:rPr>
+                <a:t>Kafka</a:t>
+              </a:r>
+              <a:endParaRPr lang="zh-CN" altLang="en-US" dirty="0">
+                <a:solidFill>
+                  <a:schemeClr val="tx1"/>
+                </a:solidFill>
+              </a:endParaRPr>
+            </a:p>
+          </p:txBody>
+        </p:sp>
+      </p:grpSp>
+    </p:spTree>
+    <p:extLst>
+      <p:ext uri="{BB962C8B-B14F-4D97-AF65-F5344CB8AC3E}">
+        <p14:creationId xmlns:p14="http://schemas.microsoft.com/office/powerpoint/2010/main" val="200200351"/>
       </p:ext>
     </p:extLst>
   </p:cSld>

--- a/pic.pptx
+++ b/pic.pptx
@@ -9,6 +9,7 @@
     <p:sldId id="257" r:id="rId3"/>
     <p:sldId id="258" r:id="rId4"/>
     <p:sldId id="259" r:id="rId5"/>
+    <p:sldId id="260" r:id="rId6"/>
   </p:sldIdLst>
   <p:sldSz cx="12192000" cy="6858000"/>
   <p:notesSz cx="6858000" cy="9144000"/>
@@ -262,7 +263,7 @@
           <a:p>
             <a:fld id="{D46C8B5B-2B2E-4BF5-9128-B8D40BB24518}" type="datetimeFigureOut">
               <a:rPr lang="zh-CN" altLang="en-US" smtClean="0"/>
-              <a:t>2019/8/16</a:t>
+              <a:t>2019/9/14</a:t>
             </a:fld>
             <a:endParaRPr lang="zh-CN" altLang="en-US"/>
           </a:p>
@@ -460,7 +461,7 @@
           <a:p>
             <a:fld id="{D46C8B5B-2B2E-4BF5-9128-B8D40BB24518}" type="datetimeFigureOut">
               <a:rPr lang="zh-CN" altLang="en-US" smtClean="0"/>
-              <a:t>2019/8/16</a:t>
+              <a:t>2019/9/14</a:t>
             </a:fld>
             <a:endParaRPr lang="zh-CN" altLang="en-US"/>
           </a:p>
@@ -668,7 +669,7 @@
           <a:p>
             <a:fld id="{D46C8B5B-2B2E-4BF5-9128-B8D40BB24518}" type="datetimeFigureOut">
               <a:rPr lang="zh-CN" altLang="en-US" smtClean="0"/>
-              <a:t>2019/8/16</a:t>
+              <a:t>2019/9/14</a:t>
             </a:fld>
             <a:endParaRPr lang="zh-CN" altLang="en-US"/>
           </a:p>
@@ -866,7 +867,7 @@
           <a:p>
             <a:fld id="{D46C8B5B-2B2E-4BF5-9128-B8D40BB24518}" type="datetimeFigureOut">
               <a:rPr lang="zh-CN" altLang="en-US" smtClean="0"/>
-              <a:t>2019/8/16</a:t>
+              <a:t>2019/9/14</a:t>
             </a:fld>
             <a:endParaRPr lang="zh-CN" altLang="en-US"/>
           </a:p>
@@ -1141,7 +1142,7 @@
           <a:p>
             <a:fld id="{D46C8B5B-2B2E-4BF5-9128-B8D40BB24518}" type="datetimeFigureOut">
               <a:rPr lang="zh-CN" altLang="en-US" smtClean="0"/>
-              <a:t>2019/8/16</a:t>
+              <a:t>2019/9/14</a:t>
             </a:fld>
             <a:endParaRPr lang="zh-CN" altLang="en-US"/>
           </a:p>
@@ -1406,7 +1407,7 @@
           <a:p>
             <a:fld id="{D46C8B5B-2B2E-4BF5-9128-B8D40BB24518}" type="datetimeFigureOut">
               <a:rPr lang="zh-CN" altLang="en-US" smtClean="0"/>
-              <a:t>2019/8/16</a:t>
+              <a:t>2019/9/14</a:t>
             </a:fld>
             <a:endParaRPr lang="zh-CN" altLang="en-US"/>
           </a:p>
@@ -1818,7 +1819,7 @@
           <a:p>
             <a:fld id="{D46C8B5B-2B2E-4BF5-9128-B8D40BB24518}" type="datetimeFigureOut">
               <a:rPr lang="zh-CN" altLang="en-US" smtClean="0"/>
-              <a:t>2019/8/16</a:t>
+              <a:t>2019/9/14</a:t>
             </a:fld>
             <a:endParaRPr lang="zh-CN" altLang="en-US"/>
           </a:p>
@@ -1959,7 +1960,7 @@
           <a:p>
             <a:fld id="{D46C8B5B-2B2E-4BF5-9128-B8D40BB24518}" type="datetimeFigureOut">
               <a:rPr lang="zh-CN" altLang="en-US" smtClean="0"/>
-              <a:t>2019/8/16</a:t>
+              <a:t>2019/9/14</a:t>
             </a:fld>
             <a:endParaRPr lang="zh-CN" altLang="en-US"/>
           </a:p>
@@ -2072,7 +2073,7 @@
           <a:p>
             <a:fld id="{D46C8B5B-2B2E-4BF5-9128-B8D40BB24518}" type="datetimeFigureOut">
               <a:rPr lang="zh-CN" altLang="en-US" smtClean="0"/>
-              <a:t>2019/8/16</a:t>
+              <a:t>2019/9/14</a:t>
             </a:fld>
             <a:endParaRPr lang="zh-CN" altLang="en-US"/>
           </a:p>
@@ -2383,7 +2384,7 @@
           <a:p>
             <a:fld id="{D46C8B5B-2B2E-4BF5-9128-B8D40BB24518}" type="datetimeFigureOut">
               <a:rPr lang="zh-CN" altLang="en-US" smtClean="0"/>
-              <a:t>2019/8/16</a:t>
+              <a:t>2019/9/14</a:t>
             </a:fld>
             <a:endParaRPr lang="zh-CN" altLang="en-US"/>
           </a:p>
@@ -2671,7 +2672,7 @@
           <a:p>
             <a:fld id="{D46C8B5B-2B2E-4BF5-9128-B8D40BB24518}" type="datetimeFigureOut">
               <a:rPr lang="zh-CN" altLang="en-US" smtClean="0"/>
-              <a:t>2019/8/16</a:t>
+              <a:t>2019/9/14</a:t>
             </a:fld>
             <a:endParaRPr lang="zh-CN" altLang="en-US"/>
           </a:p>
@@ -2912,7 +2913,7 @@
           <a:p>
             <a:fld id="{D46C8B5B-2B2E-4BF5-9128-B8D40BB24518}" type="datetimeFigureOut">
               <a:rPr lang="zh-CN" altLang="en-US" smtClean="0"/>
-              <a:t>2019/8/16</a:t>
+              <a:t>2019/9/14</a:t>
             </a:fld>
             <a:endParaRPr lang="zh-CN" altLang="en-US"/>
           </a:p>
@@ -11788,10 +11789,10 @@
       </p:grpSpPr>
       <p:grpSp>
         <p:nvGrpSpPr>
-          <p:cNvPr id="24" name="组合 23">
+          <p:cNvPr id="2" name="组合 1">
             <a:extLst>
               <a:ext uri="{FF2B5EF4-FFF2-40B4-BE49-F238E27FC236}">
-                <a16:creationId xmlns:a16="http://schemas.microsoft.com/office/drawing/2014/main" id="{5688A659-F470-4515-83CE-A3CF34CB7507}"/>
+                <a16:creationId xmlns:a16="http://schemas.microsoft.com/office/drawing/2014/main" id="{0942C690-67B9-4366-AC86-EBAAF1EB4752}"/>
               </a:ext>
             </a:extLst>
           </p:cNvPr>
@@ -11800,10 +11801,10 @@
         </p:nvGrpSpPr>
         <p:grpSpPr>
           <a:xfrm>
-            <a:off x="619760" y="533399"/>
-            <a:ext cx="8036560" cy="5791201"/>
-            <a:chOff x="904240" y="924560"/>
-            <a:chExt cx="8036560" cy="5791201"/>
+            <a:off x="619760" y="944873"/>
+            <a:ext cx="8036560" cy="5379727"/>
+            <a:chOff x="619760" y="944873"/>
+            <a:chExt cx="8036560" cy="5379727"/>
           </a:xfrm>
         </p:grpSpPr>
         <p:sp>
@@ -11820,8 +11821,8 @@
           </p:nvSpPr>
           <p:spPr>
             <a:xfrm>
-              <a:off x="904240" y="924560"/>
-              <a:ext cx="8036560" cy="5791200"/>
+              <a:off x="619760" y="944873"/>
+              <a:ext cx="8036560" cy="5379726"/>
             </a:xfrm>
             <a:prstGeom prst="rect">
               <a:avLst/>
@@ -11874,8 +11875,8 @@
           </p:nvSpPr>
           <p:spPr>
             <a:xfrm>
-              <a:off x="8219440" y="924560"/>
-              <a:ext cx="711200" cy="5760720"/>
+              <a:off x="7934960" y="944873"/>
+              <a:ext cx="711200" cy="5349246"/>
             </a:xfrm>
             <a:prstGeom prst="downArrow">
               <a:avLst/>
@@ -11937,7 +11938,7 @@
           </p:nvSpPr>
           <p:spPr>
             <a:xfrm>
-              <a:off x="904240" y="924560"/>
+              <a:off x="619760" y="944873"/>
               <a:ext cx="7498080" cy="548640"/>
             </a:xfrm>
             <a:prstGeom prst="rect">
@@ -11998,8 +11999,8 @@
           </p:nvSpPr>
           <p:spPr>
             <a:xfrm>
-              <a:off x="904240" y="1650994"/>
-              <a:ext cx="711200" cy="1910080"/>
+              <a:off x="619760" y="1686560"/>
+              <a:ext cx="711200" cy="1595114"/>
             </a:xfrm>
             <a:prstGeom prst="rect">
               <a:avLst/>
@@ -12125,7 +12126,7 @@
           </p:nvSpPr>
           <p:spPr>
             <a:xfrm>
-              <a:off x="904240" y="3911591"/>
+              <a:off x="619760" y="3520430"/>
               <a:ext cx="711200" cy="2804170"/>
             </a:xfrm>
             <a:prstGeom prst="rect">
@@ -12241,7 +12242,7 @@
           </p:nvSpPr>
           <p:spPr>
             <a:xfrm>
-              <a:off x="1615440" y="5801360"/>
+              <a:off x="1330960" y="5410199"/>
               <a:ext cx="924560" cy="914400"/>
             </a:xfrm>
             <a:prstGeom prst="rect">
@@ -12304,7 +12305,7 @@
           </p:nvSpPr>
           <p:spPr>
             <a:xfrm>
-              <a:off x="2788920" y="6289040"/>
+              <a:off x="2504440" y="5897879"/>
               <a:ext cx="5217160" cy="426720"/>
             </a:xfrm>
             <a:prstGeom prst="rect">
@@ -12372,7 +12373,7 @@
           </p:nvSpPr>
           <p:spPr>
             <a:xfrm>
-              <a:off x="2788920" y="5801360"/>
+              <a:off x="2504440" y="5410199"/>
               <a:ext cx="5217160" cy="426720"/>
             </a:xfrm>
             <a:prstGeom prst="rect">
@@ -12440,7 +12441,7 @@
           </p:nvSpPr>
           <p:spPr>
             <a:xfrm>
-              <a:off x="1615440" y="5140957"/>
+              <a:off x="1330960" y="4749796"/>
               <a:ext cx="924560" cy="548641"/>
             </a:xfrm>
             <a:prstGeom prst="rect">
@@ -12519,7 +12520,7 @@
           </p:nvSpPr>
           <p:spPr>
             <a:xfrm>
-              <a:off x="2788920" y="5140956"/>
+              <a:off x="2504440" y="4749795"/>
               <a:ext cx="2570480" cy="548642"/>
             </a:xfrm>
             <a:prstGeom prst="rect">
@@ -12587,7 +12588,7 @@
           </p:nvSpPr>
           <p:spPr>
             <a:xfrm>
-              <a:off x="5435600" y="5140956"/>
+              <a:off x="5151120" y="4749795"/>
               <a:ext cx="2570480" cy="548642"/>
             </a:xfrm>
             <a:prstGeom prst="rect">
@@ -12655,7 +12656,7 @@
           </p:nvSpPr>
           <p:spPr>
             <a:xfrm>
-              <a:off x="1615440" y="4460234"/>
+              <a:off x="1330960" y="4069073"/>
               <a:ext cx="924560" cy="548641"/>
             </a:xfrm>
             <a:prstGeom prst="rect">
@@ -12718,7 +12719,7 @@
           </p:nvSpPr>
           <p:spPr>
             <a:xfrm>
-              <a:off x="1615440" y="3911592"/>
+              <a:off x="1330960" y="3520431"/>
               <a:ext cx="924560" cy="548641"/>
             </a:xfrm>
             <a:prstGeom prst="rect">
@@ -12781,7 +12782,7 @@
           </p:nvSpPr>
           <p:spPr>
             <a:xfrm>
-              <a:off x="2788920" y="4511033"/>
+              <a:off x="2504440" y="4119872"/>
               <a:ext cx="3957320" cy="548642"/>
             </a:xfrm>
             <a:prstGeom prst="rect">
@@ -12849,7 +12850,7 @@
           </p:nvSpPr>
           <p:spPr>
             <a:xfrm>
-              <a:off x="6832602" y="3962391"/>
+              <a:off x="6548122" y="3571230"/>
               <a:ext cx="1173478" cy="1097284"/>
             </a:xfrm>
             <a:prstGeom prst="rect">
@@ -12917,7 +12918,7 @@
           </p:nvSpPr>
           <p:spPr>
             <a:xfrm>
-              <a:off x="2794002" y="3962390"/>
+              <a:off x="2509522" y="3571229"/>
               <a:ext cx="1295400" cy="548642"/>
             </a:xfrm>
             <a:prstGeom prst="rect">
@@ -12985,7 +12986,7 @@
           </p:nvSpPr>
           <p:spPr>
             <a:xfrm>
-              <a:off x="4091941" y="3962390"/>
+              <a:off x="3807461" y="3571229"/>
               <a:ext cx="1280158" cy="548642"/>
             </a:xfrm>
             <a:prstGeom prst="rect">
@@ -13053,7 +13054,7 @@
           </p:nvSpPr>
           <p:spPr>
             <a:xfrm>
-              <a:off x="5359399" y="3962390"/>
+              <a:off x="5074919" y="3571229"/>
               <a:ext cx="1386841" cy="548642"/>
             </a:xfrm>
             <a:prstGeom prst="rect">
@@ -13121,8 +13122,8 @@
           </p:nvSpPr>
           <p:spPr>
             <a:xfrm>
-              <a:off x="1775460" y="1661156"/>
-              <a:ext cx="3111500" cy="1889756"/>
+              <a:off x="1457960" y="1686559"/>
+              <a:ext cx="3111500" cy="1600183"/>
             </a:xfrm>
             <a:prstGeom prst="rect">
               <a:avLst/>
@@ -13189,8 +13190,8 @@
           </p:nvSpPr>
           <p:spPr>
             <a:xfrm>
-              <a:off x="4980940" y="1671318"/>
-              <a:ext cx="3025140" cy="1889756"/>
+              <a:off x="4696460" y="1686558"/>
+              <a:ext cx="3025140" cy="1610359"/>
             </a:xfrm>
             <a:prstGeom prst="rect">
               <a:avLst/>
@@ -13248,6 +13249,929 @@
     <p:extLst>
       <p:ext uri="{BB962C8B-B14F-4D97-AF65-F5344CB8AC3E}">
         <p14:creationId xmlns:p14="http://schemas.microsoft.com/office/powerpoint/2010/main" val="200200351"/>
+      </p:ext>
+    </p:extLst>
+  </p:cSld>
+  <p:clrMapOvr>
+    <a:masterClrMapping/>
+  </p:clrMapOvr>
+</p:sld>
+</file>
+
+<file path=ppt/slides/slide5.xml><?xml version="1.0" encoding="utf-8"?>
+<p:sld xmlns:a="http://schemas.openxmlformats.org/drawingml/2006/main" xmlns:r="http://schemas.openxmlformats.org/officeDocument/2006/relationships" xmlns:p="http://schemas.openxmlformats.org/presentationml/2006/main">
+  <p:cSld>
+    <p:spTree>
+      <p:nvGrpSpPr>
+        <p:cNvPr id="1" name=""/>
+        <p:cNvGrpSpPr/>
+        <p:nvPr/>
+      </p:nvGrpSpPr>
+      <p:grpSpPr>
+        <a:xfrm>
+          <a:off x="0" y="0"/>
+          <a:ext cx="0" cy="0"/>
+          <a:chOff x="0" y="0"/>
+          <a:chExt cx="0" cy="0"/>
+        </a:xfrm>
+      </p:grpSpPr>
+      <p:grpSp>
+        <p:nvGrpSpPr>
+          <p:cNvPr id="10" name="组合 9">
+            <a:extLst>
+              <a:ext uri="{FF2B5EF4-FFF2-40B4-BE49-F238E27FC236}">
+                <a16:creationId xmlns:a16="http://schemas.microsoft.com/office/drawing/2014/main" id="{42575251-C876-459D-8DB2-A4D1EAD7024E}"/>
+              </a:ext>
+            </a:extLst>
+          </p:cNvPr>
+          <p:cNvGrpSpPr/>
+          <p:nvPr/>
+        </p:nvGrpSpPr>
+        <p:grpSpPr>
+          <a:xfrm>
+            <a:off x="274320" y="335280"/>
+            <a:ext cx="3718560" cy="2042160"/>
+            <a:chOff x="985520" y="2103120"/>
+            <a:chExt cx="4368800" cy="2372360"/>
+          </a:xfrm>
+        </p:grpSpPr>
+        <p:sp>
+          <p:nvSpPr>
+            <p:cNvPr id="4" name="矩形 3">
+              <a:extLst>
+                <a:ext uri="{FF2B5EF4-FFF2-40B4-BE49-F238E27FC236}">
+                  <a16:creationId xmlns:a16="http://schemas.microsoft.com/office/drawing/2014/main" id="{663BDFA3-2C8C-402F-B696-790479BE338C}"/>
+                </a:ext>
+              </a:extLst>
+            </p:cNvPr>
+            <p:cNvSpPr/>
+            <p:nvPr/>
+          </p:nvSpPr>
+          <p:spPr>
+            <a:xfrm>
+              <a:off x="985520" y="3342640"/>
+              <a:ext cx="4368800" cy="513080"/>
+            </a:xfrm>
+            <a:prstGeom prst="rect">
+              <a:avLst/>
+            </a:prstGeom>
+            <a:solidFill>
+              <a:schemeClr val="accent6">
+                <a:lumMod val="75000"/>
+              </a:schemeClr>
+            </a:solidFill>
+            <a:ln w="19050">
+              <a:solidFill>
+                <a:schemeClr val="tx1"/>
+              </a:solidFill>
+            </a:ln>
+          </p:spPr>
+          <p:style>
+            <a:lnRef idx="2">
+              <a:schemeClr val="accent1">
+                <a:shade val="50000"/>
+              </a:schemeClr>
+            </a:lnRef>
+            <a:fillRef idx="1">
+              <a:schemeClr val="accent1"/>
+            </a:fillRef>
+            <a:effectRef idx="0">
+              <a:schemeClr val="accent1"/>
+            </a:effectRef>
+            <a:fontRef idx="minor">
+              <a:schemeClr val="lt1"/>
+            </a:fontRef>
+          </p:style>
+          <p:txBody>
+            <a:bodyPr rtlCol="0" anchor="ctr"/>
+            <a:lstStyle/>
+            <a:p>
+              <a:pPr algn="ctr"/>
+              <a:r>
+                <a:rPr lang="en-US" altLang="zh-CN" dirty="0">
+                  <a:solidFill>
+                    <a:schemeClr val="tx1"/>
+                  </a:solidFill>
+                  <a:latin typeface="Times New Roman" panose="02020603050405020304" pitchFamily="18" charset="0"/>
+                  <a:cs typeface="Times New Roman" panose="02020603050405020304" pitchFamily="18" charset="0"/>
+                </a:rPr>
+                <a:t>C Runtime API</a:t>
+              </a:r>
+              <a:endParaRPr lang="zh-CN" altLang="en-US" dirty="0">
+                <a:solidFill>
+                  <a:schemeClr val="tx1"/>
+                </a:solidFill>
+                <a:latin typeface="Times New Roman" panose="02020603050405020304" pitchFamily="18" charset="0"/>
+                <a:cs typeface="Times New Roman" panose="02020603050405020304" pitchFamily="18" charset="0"/>
+              </a:endParaRPr>
+            </a:p>
+          </p:txBody>
+        </p:sp>
+        <p:sp>
+          <p:nvSpPr>
+            <p:cNvPr id="5" name="矩形 4">
+              <a:extLst>
+                <a:ext uri="{FF2B5EF4-FFF2-40B4-BE49-F238E27FC236}">
+                  <a16:creationId xmlns:a16="http://schemas.microsoft.com/office/drawing/2014/main" id="{590F1AA9-5CFB-4614-AF9D-994DA22BFCC2}"/>
+                </a:ext>
+              </a:extLst>
+            </p:cNvPr>
+            <p:cNvSpPr/>
+            <p:nvPr/>
+          </p:nvSpPr>
+          <p:spPr>
+            <a:xfrm>
+              <a:off x="985520" y="3962400"/>
+              <a:ext cx="2092960" cy="513080"/>
+            </a:xfrm>
+            <a:prstGeom prst="rect">
+              <a:avLst/>
+            </a:prstGeom>
+            <a:solidFill>
+              <a:schemeClr val="bg2">
+                <a:lumMod val="75000"/>
+              </a:schemeClr>
+            </a:solidFill>
+            <a:ln w="19050">
+              <a:solidFill>
+                <a:schemeClr val="tx1"/>
+              </a:solidFill>
+            </a:ln>
+          </p:spPr>
+          <p:style>
+            <a:lnRef idx="2">
+              <a:schemeClr val="accent1">
+                <a:shade val="50000"/>
+              </a:schemeClr>
+            </a:lnRef>
+            <a:fillRef idx="1">
+              <a:schemeClr val="accent1"/>
+            </a:fillRef>
+            <a:effectRef idx="0">
+              <a:schemeClr val="accent1"/>
+            </a:effectRef>
+            <a:fontRef idx="minor">
+              <a:schemeClr val="lt1"/>
+            </a:fontRef>
+          </p:style>
+          <p:txBody>
+            <a:bodyPr rtlCol="0" anchor="ctr"/>
+            <a:lstStyle/>
+            <a:p>
+              <a:pPr algn="ctr"/>
+              <a:r>
+                <a:rPr lang="en-US" altLang="zh-CN" dirty="0">
+                  <a:solidFill>
+                    <a:schemeClr val="tx1"/>
+                  </a:solidFill>
+                  <a:latin typeface="Times New Roman" panose="02020603050405020304" pitchFamily="18" charset="0"/>
+                  <a:cs typeface="Times New Roman" panose="02020603050405020304" pitchFamily="18" charset="0"/>
+                </a:rPr>
+                <a:t>CUP Device API</a:t>
+              </a:r>
+              <a:endParaRPr lang="zh-CN" altLang="en-US" dirty="0">
+                <a:solidFill>
+                  <a:schemeClr val="tx1"/>
+                </a:solidFill>
+                <a:latin typeface="Times New Roman" panose="02020603050405020304" pitchFamily="18" charset="0"/>
+                <a:cs typeface="Times New Roman" panose="02020603050405020304" pitchFamily="18" charset="0"/>
+              </a:endParaRPr>
+            </a:p>
+          </p:txBody>
+        </p:sp>
+        <p:sp>
+          <p:nvSpPr>
+            <p:cNvPr id="6" name="矩形 5">
+              <a:extLst>
+                <a:ext uri="{FF2B5EF4-FFF2-40B4-BE49-F238E27FC236}">
+                  <a16:creationId xmlns:a16="http://schemas.microsoft.com/office/drawing/2014/main" id="{71B3B87F-C64B-44B5-B7CD-D56DFFFEB770}"/>
+                </a:ext>
+              </a:extLst>
+            </p:cNvPr>
+            <p:cNvSpPr/>
+            <p:nvPr/>
+          </p:nvSpPr>
+          <p:spPr>
+            <a:xfrm>
+              <a:off x="3261360" y="3962400"/>
+              <a:ext cx="2092960" cy="513080"/>
+            </a:xfrm>
+            <a:prstGeom prst="rect">
+              <a:avLst/>
+            </a:prstGeom>
+            <a:solidFill>
+              <a:schemeClr val="bg2">
+                <a:lumMod val="75000"/>
+              </a:schemeClr>
+            </a:solidFill>
+            <a:ln w="19050">
+              <a:solidFill>
+                <a:schemeClr val="tx1"/>
+              </a:solidFill>
+            </a:ln>
+          </p:spPr>
+          <p:style>
+            <a:lnRef idx="2">
+              <a:schemeClr val="accent1">
+                <a:shade val="50000"/>
+              </a:schemeClr>
+            </a:lnRef>
+            <a:fillRef idx="1">
+              <a:schemeClr val="accent1"/>
+            </a:fillRef>
+            <a:effectRef idx="0">
+              <a:schemeClr val="accent1"/>
+            </a:effectRef>
+            <a:fontRef idx="minor">
+              <a:schemeClr val="lt1"/>
+            </a:fontRef>
+          </p:style>
+          <p:txBody>
+            <a:bodyPr rtlCol="0" anchor="ctr"/>
+            <a:lstStyle/>
+            <a:p>
+              <a:pPr algn="ctr"/>
+              <a:r>
+                <a:rPr lang="en-US" altLang="zh-CN" dirty="0">
+                  <a:solidFill>
+                    <a:schemeClr val="tx1"/>
+                  </a:solidFill>
+                  <a:latin typeface="Times New Roman" panose="02020603050405020304" pitchFamily="18" charset="0"/>
+                  <a:cs typeface="Times New Roman" panose="02020603050405020304" pitchFamily="18" charset="0"/>
+                </a:rPr>
+                <a:t>GUP Device API</a:t>
+              </a:r>
+              <a:endParaRPr lang="zh-CN" altLang="en-US" dirty="0">
+                <a:solidFill>
+                  <a:schemeClr val="tx1"/>
+                </a:solidFill>
+                <a:latin typeface="Times New Roman" panose="02020603050405020304" pitchFamily="18" charset="0"/>
+                <a:cs typeface="Times New Roman" panose="02020603050405020304" pitchFamily="18" charset="0"/>
+              </a:endParaRPr>
+            </a:p>
+          </p:txBody>
+        </p:sp>
+        <p:sp>
+          <p:nvSpPr>
+            <p:cNvPr id="7" name="矩形 6">
+              <a:extLst>
+                <a:ext uri="{FF2B5EF4-FFF2-40B4-BE49-F238E27FC236}">
+                  <a16:creationId xmlns:a16="http://schemas.microsoft.com/office/drawing/2014/main" id="{BEEC7C5C-D298-4831-852C-E2B483309CF0}"/>
+                </a:ext>
+              </a:extLst>
+            </p:cNvPr>
+            <p:cNvSpPr/>
+            <p:nvPr/>
+          </p:nvSpPr>
+          <p:spPr>
+            <a:xfrm>
+              <a:off x="985520" y="2722880"/>
+              <a:ext cx="4368800" cy="513080"/>
+            </a:xfrm>
+            <a:prstGeom prst="rect">
+              <a:avLst/>
+            </a:prstGeom>
+            <a:solidFill>
+              <a:schemeClr val="accent1">
+                <a:lumMod val="60000"/>
+                <a:lumOff val="40000"/>
+              </a:schemeClr>
+            </a:solidFill>
+            <a:ln w="19050">
+              <a:solidFill>
+                <a:schemeClr val="tx1"/>
+              </a:solidFill>
+            </a:ln>
+          </p:spPr>
+          <p:style>
+            <a:lnRef idx="2">
+              <a:schemeClr val="accent1">
+                <a:shade val="50000"/>
+              </a:schemeClr>
+            </a:lnRef>
+            <a:fillRef idx="1">
+              <a:schemeClr val="accent1"/>
+            </a:fillRef>
+            <a:effectRef idx="0">
+              <a:schemeClr val="accent1"/>
+            </a:effectRef>
+            <a:fontRef idx="minor">
+              <a:schemeClr val="lt1"/>
+            </a:fontRef>
+          </p:style>
+          <p:txBody>
+            <a:bodyPr rtlCol="0" anchor="ctr"/>
+            <a:lstStyle/>
+            <a:p>
+              <a:pPr algn="ctr"/>
+              <a:r>
+                <a:rPr lang="en-US" altLang="zh-CN" dirty="0">
+                  <a:solidFill>
+                    <a:schemeClr val="tx1"/>
+                  </a:solidFill>
+                  <a:latin typeface="Times New Roman" panose="02020603050405020304" pitchFamily="18" charset="0"/>
+                  <a:cs typeface="Times New Roman" panose="02020603050405020304" pitchFamily="18" charset="0"/>
+                </a:rPr>
+                <a:t>Python API</a:t>
+              </a:r>
+              <a:endParaRPr lang="zh-CN" altLang="en-US" dirty="0">
+                <a:solidFill>
+                  <a:schemeClr val="tx1"/>
+                </a:solidFill>
+                <a:latin typeface="Times New Roman" panose="02020603050405020304" pitchFamily="18" charset="0"/>
+                <a:cs typeface="Times New Roman" panose="02020603050405020304" pitchFamily="18" charset="0"/>
+              </a:endParaRPr>
+            </a:p>
+          </p:txBody>
+        </p:sp>
+        <p:sp>
+          <p:nvSpPr>
+            <p:cNvPr id="8" name="矩形 7">
+              <a:extLst>
+                <a:ext uri="{FF2B5EF4-FFF2-40B4-BE49-F238E27FC236}">
+                  <a16:creationId xmlns:a16="http://schemas.microsoft.com/office/drawing/2014/main" id="{F82E635E-A430-4FE7-9FA3-773BC4BF3578}"/>
+                </a:ext>
+              </a:extLst>
+            </p:cNvPr>
+            <p:cNvSpPr/>
+            <p:nvPr/>
+          </p:nvSpPr>
+          <p:spPr>
+            <a:xfrm>
+              <a:off x="985520" y="2103120"/>
+              <a:ext cx="4368800" cy="513080"/>
+            </a:xfrm>
+            <a:prstGeom prst="rect">
+              <a:avLst/>
+            </a:prstGeom>
+            <a:solidFill>
+              <a:schemeClr val="accent4">
+                <a:lumMod val="60000"/>
+                <a:lumOff val="40000"/>
+              </a:schemeClr>
+            </a:solidFill>
+            <a:ln w="19050">
+              <a:solidFill>
+                <a:schemeClr val="tx1"/>
+              </a:solidFill>
+            </a:ln>
+          </p:spPr>
+          <p:style>
+            <a:lnRef idx="2">
+              <a:schemeClr val="accent1">
+                <a:shade val="50000"/>
+              </a:schemeClr>
+            </a:lnRef>
+            <a:fillRef idx="1">
+              <a:schemeClr val="accent1"/>
+            </a:fillRef>
+            <a:effectRef idx="0">
+              <a:schemeClr val="accent1"/>
+            </a:effectRef>
+            <a:fontRef idx="minor">
+              <a:schemeClr val="lt1"/>
+            </a:fontRef>
+          </p:style>
+          <p:txBody>
+            <a:bodyPr rtlCol="0" anchor="ctr"/>
+            <a:lstStyle/>
+            <a:p>
+              <a:pPr algn="ctr"/>
+              <a:r>
+                <a:rPr lang="en-US" altLang="zh-CN" dirty="0">
+                  <a:solidFill>
+                    <a:schemeClr val="tx1"/>
+                  </a:solidFill>
+                  <a:latin typeface="Times New Roman" panose="02020603050405020304" pitchFamily="18" charset="0"/>
+                  <a:cs typeface="Times New Roman" panose="02020603050405020304" pitchFamily="18" charset="0"/>
+                </a:rPr>
+                <a:t>Automatic Differentiation</a:t>
+              </a:r>
+              <a:endParaRPr lang="zh-CN" altLang="en-US" dirty="0">
+                <a:solidFill>
+                  <a:schemeClr val="tx1"/>
+                </a:solidFill>
+                <a:latin typeface="Times New Roman" panose="02020603050405020304" pitchFamily="18" charset="0"/>
+                <a:cs typeface="Times New Roman" panose="02020603050405020304" pitchFamily="18" charset="0"/>
+              </a:endParaRPr>
+            </a:p>
+          </p:txBody>
+        </p:sp>
+      </p:grpSp>
+      <p:grpSp>
+        <p:nvGrpSpPr>
+          <p:cNvPr id="13" name="组合 12">
+            <a:extLst>
+              <a:ext uri="{FF2B5EF4-FFF2-40B4-BE49-F238E27FC236}">
+                <a16:creationId xmlns:a16="http://schemas.microsoft.com/office/drawing/2014/main" id="{C76721EC-C232-4542-A762-24F78766BE3B}"/>
+              </a:ext>
+            </a:extLst>
+          </p:cNvPr>
+          <p:cNvGrpSpPr/>
+          <p:nvPr/>
+        </p:nvGrpSpPr>
+        <p:grpSpPr>
+          <a:xfrm>
+            <a:off x="3368040" y="4845813"/>
+            <a:ext cx="4507832" cy="442369"/>
+            <a:chOff x="3368040" y="4845813"/>
+            <a:chExt cx="4507832" cy="442369"/>
+          </a:xfrm>
+        </p:grpSpPr>
+        <p:sp>
+          <p:nvSpPr>
+            <p:cNvPr id="2" name="矩形 1">
+              <a:extLst>
+                <a:ext uri="{FF2B5EF4-FFF2-40B4-BE49-F238E27FC236}">
+                  <a16:creationId xmlns:a16="http://schemas.microsoft.com/office/drawing/2014/main" id="{C1CFBFA3-4C7D-4D7A-A657-BED25F948BE8}"/>
+                </a:ext>
+              </a:extLst>
+            </p:cNvPr>
+            <p:cNvSpPr/>
+            <p:nvPr/>
+          </p:nvSpPr>
+          <p:spPr>
+            <a:xfrm>
+              <a:off x="3368040" y="4846516"/>
+              <a:ext cx="1126958" cy="441666"/>
+            </a:xfrm>
+            <a:prstGeom prst="rect">
+              <a:avLst/>
+            </a:prstGeom>
+            <a:ln>
+              <a:solidFill>
+                <a:schemeClr val="tx1"/>
+              </a:solidFill>
+            </a:ln>
+          </p:spPr>
+          <p:style>
+            <a:lnRef idx="2">
+              <a:schemeClr val="accent1">
+                <a:shade val="50000"/>
+              </a:schemeClr>
+            </a:lnRef>
+            <a:fillRef idx="1">
+              <a:schemeClr val="accent1"/>
+            </a:fillRef>
+            <a:effectRef idx="0">
+              <a:schemeClr val="accent1"/>
+            </a:effectRef>
+            <a:fontRef idx="minor">
+              <a:schemeClr val="lt1"/>
+            </a:fontRef>
+          </p:style>
+          <p:txBody>
+            <a:bodyPr rtlCol="0" anchor="ctr"/>
+            <a:lstStyle/>
+            <a:p>
+              <a:pPr algn="ctr"/>
+              <a:r>
+                <a:rPr lang="en-US" altLang="zh-CN" dirty="0">
+                  <a:solidFill>
+                    <a:schemeClr val="tx1"/>
+                  </a:solidFill>
+                  <a:latin typeface="Times New Roman" panose="02020603050405020304" pitchFamily="18" charset="0"/>
+                  <a:cs typeface="Times New Roman" panose="02020603050405020304" pitchFamily="18" charset="0"/>
+                </a:rPr>
+                <a:t>block1</a:t>
+              </a:r>
+              <a:endParaRPr lang="zh-CN" altLang="en-US" dirty="0">
+                <a:solidFill>
+                  <a:schemeClr val="tx1"/>
+                </a:solidFill>
+                <a:latin typeface="Times New Roman" panose="02020603050405020304" pitchFamily="18" charset="0"/>
+                <a:cs typeface="Times New Roman" panose="02020603050405020304" pitchFamily="18" charset="0"/>
+              </a:endParaRPr>
+            </a:p>
+          </p:txBody>
+        </p:sp>
+        <p:sp>
+          <p:nvSpPr>
+            <p:cNvPr id="9" name="矩形 8">
+              <a:extLst>
+                <a:ext uri="{FF2B5EF4-FFF2-40B4-BE49-F238E27FC236}">
+                  <a16:creationId xmlns:a16="http://schemas.microsoft.com/office/drawing/2014/main" id="{003958A7-4592-4616-9C33-AB129A90FD4F}"/>
+                </a:ext>
+              </a:extLst>
+            </p:cNvPr>
+            <p:cNvSpPr/>
+            <p:nvPr/>
+          </p:nvSpPr>
+          <p:spPr>
+            <a:xfrm>
+              <a:off x="4494998" y="4845813"/>
+              <a:ext cx="1126958" cy="441666"/>
+            </a:xfrm>
+            <a:prstGeom prst="rect">
+              <a:avLst/>
+            </a:prstGeom>
+            <a:ln>
+              <a:solidFill>
+                <a:schemeClr val="tx1"/>
+              </a:solidFill>
+            </a:ln>
+          </p:spPr>
+          <p:style>
+            <a:lnRef idx="2">
+              <a:schemeClr val="accent1">
+                <a:shade val="50000"/>
+              </a:schemeClr>
+            </a:lnRef>
+            <a:fillRef idx="1">
+              <a:schemeClr val="accent1"/>
+            </a:fillRef>
+            <a:effectRef idx="0">
+              <a:schemeClr val="accent1"/>
+            </a:effectRef>
+            <a:fontRef idx="minor">
+              <a:schemeClr val="lt1"/>
+            </a:fontRef>
+          </p:style>
+          <p:txBody>
+            <a:bodyPr rtlCol="0" anchor="ctr"/>
+            <a:lstStyle/>
+            <a:p>
+              <a:pPr algn="ctr"/>
+              <a:r>
+                <a:rPr lang="en-US" altLang="zh-CN" dirty="0">
+                  <a:solidFill>
+                    <a:schemeClr val="tx1"/>
+                  </a:solidFill>
+                  <a:latin typeface="Times New Roman" panose="02020603050405020304" pitchFamily="18" charset="0"/>
+                  <a:cs typeface="Times New Roman" panose="02020603050405020304" pitchFamily="18" charset="0"/>
+                </a:rPr>
+                <a:t>block2</a:t>
+              </a:r>
+              <a:endParaRPr lang="zh-CN" altLang="en-US" dirty="0">
+                <a:solidFill>
+                  <a:schemeClr val="tx1"/>
+                </a:solidFill>
+                <a:latin typeface="Times New Roman" panose="02020603050405020304" pitchFamily="18" charset="0"/>
+                <a:cs typeface="Times New Roman" panose="02020603050405020304" pitchFamily="18" charset="0"/>
+              </a:endParaRPr>
+            </a:p>
+          </p:txBody>
+        </p:sp>
+        <p:sp>
+          <p:nvSpPr>
+            <p:cNvPr id="11" name="矩形 10">
+              <a:extLst>
+                <a:ext uri="{FF2B5EF4-FFF2-40B4-BE49-F238E27FC236}">
+                  <a16:creationId xmlns:a16="http://schemas.microsoft.com/office/drawing/2014/main" id="{A82FA5B1-06EE-4BC3-91BC-D602EF1310F6}"/>
+                </a:ext>
+              </a:extLst>
+            </p:cNvPr>
+            <p:cNvSpPr/>
+            <p:nvPr/>
+          </p:nvSpPr>
+          <p:spPr>
+            <a:xfrm>
+              <a:off x="5621956" y="4845813"/>
+              <a:ext cx="1126958" cy="441666"/>
+            </a:xfrm>
+            <a:prstGeom prst="rect">
+              <a:avLst/>
+            </a:prstGeom>
+            <a:ln>
+              <a:solidFill>
+                <a:schemeClr val="tx1"/>
+              </a:solidFill>
+            </a:ln>
+          </p:spPr>
+          <p:style>
+            <a:lnRef idx="2">
+              <a:schemeClr val="accent1">
+                <a:shade val="50000"/>
+              </a:schemeClr>
+            </a:lnRef>
+            <a:fillRef idx="1">
+              <a:schemeClr val="accent1"/>
+            </a:fillRef>
+            <a:effectRef idx="0">
+              <a:schemeClr val="accent1"/>
+            </a:effectRef>
+            <a:fontRef idx="minor">
+              <a:schemeClr val="lt1"/>
+            </a:fontRef>
+          </p:style>
+          <p:txBody>
+            <a:bodyPr rtlCol="0" anchor="ctr"/>
+            <a:lstStyle/>
+            <a:p>
+              <a:pPr algn="ctr"/>
+              <a:r>
+                <a:rPr lang="en-US" altLang="zh-CN" dirty="0">
+                  <a:solidFill>
+                    <a:schemeClr val="tx1"/>
+                  </a:solidFill>
+                  <a:latin typeface="Times New Roman" panose="02020603050405020304" pitchFamily="18" charset="0"/>
+                  <a:cs typeface="Times New Roman" panose="02020603050405020304" pitchFamily="18" charset="0"/>
+                </a:rPr>
+                <a:t>…</a:t>
+              </a:r>
+              <a:endParaRPr lang="zh-CN" altLang="en-US" dirty="0">
+                <a:solidFill>
+                  <a:schemeClr val="tx1"/>
+                </a:solidFill>
+                <a:latin typeface="Times New Roman" panose="02020603050405020304" pitchFamily="18" charset="0"/>
+                <a:cs typeface="Times New Roman" panose="02020603050405020304" pitchFamily="18" charset="0"/>
+              </a:endParaRPr>
+            </a:p>
+          </p:txBody>
+        </p:sp>
+        <p:sp>
+          <p:nvSpPr>
+            <p:cNvPr id="12" name="矩形 11">
+              <a:extLst>
+                <a:ext uri="{FF2B5EF4-FFF2-40B4-BE49-F238E27FC236}">
+                  <a16:creationId xmlns:a16="http://schemas.microsoft.com/office/drawing/2014/main" id="{BF19D1DD-66B8-4D92-A6A8-F1CBF48584BE}"/>
+                </a:ext>
+              </a:extLst>
+            </p:cNvPr>
+            <p:cNvSpPr/>
+            <p:nvPr/>
+          </p:nvSpPr>
+          <p:spPr>
+            <a:xfrm>
+              <a:off x="6748914" y="4845813"/>
+              <a:ext cx="1126958" cy="441666"/>
+            </a:xfrm>
+            <a:prstGeom prst="rect">
+              <a:avLst/>
+            </a:prstGeom>
+            <a:ln>
+              <a:solidFill>
+                <a:schemeClr val="tx1"/>
+              </a:solidFill>
+            </a:ln>
+          </p:spPr>
+          <p:style>
+            <a:lnRef idx="2">
+              <a:schemeClr val="accent1">
+                <a:shade val="50000"/>
+              </a:schemeClr>
+            </a:lnRef>
+            <a:fillRef idx="1">
+              <a:schemeClr val="accent1"/>
+            </a:fillRef>
+            <a:effectRef idx="0">
+              <a:schemeClr val="accent1"/>
+            </a:effectRef>
+            <a:fontRef idx="minor">
+              <a:schemeClr val="lt1"/>
+            </a:fontRef>
+          </p:style>
+          <p:txBody>
+            <a:bodyPr rtlCol="0" anchor="ctr"/>
+            <a:lstStyle/>
+            <a:p>
+              <a:pPr algn="ctr"/>
+              <a:r>
+                <a:rPr lang="en-US" altLang="zh-CN" dirty="0" err="1">
+                  <a:solidFill>
+                    <a:schemeClr val="tx1"/>
+                  </a:solidFill>
+                  <a:latin typeface="Times New Roman" panose="02020603050405020304" pitchFamily="18" charset="0"/>
+                  <a:cs typeface="Times New Roman" panose="02020603050405020304" pitchFamily="18" charset="0"/>
+                </a:rPr>
+                <a:t>blockN</a:t>
+              </a:r>
+              <a:endParaRPr lang="zh-CN" altLang="en-US" dirty="0">
+                <a:solidFill>
+                  <a:schemeClr val="tx1"/>
+                </a:solidFill>
+                <a:latin typeface="Times New Roman" panose="02020603050405020304" pitchFamily="18" charset="0"/>
+                <a:cs typeface="Times New Roman" panose="02020603050405020304" pitchFamily="18" charset="0"/>
+              </a:endParaRPr>
+            </a:p>
+          </p:txBody>
+        </p:sp>
+      </p:grpSp>
+      <p:sp>
+        <p:nvSpPr>
+          <p:cNvPr id="3" name="矩形 2">
+            <a:extLst>
+              <a:ext uri="{FF2B5EF4-FFF2-40B4-BE49-F238E27FC236}">
+                <a16:creationId xmlns:a16="http://schemas.microsoft.com/office/drawing/2014/main" id="{6554824D-3513-4B97-B409-702D7976CAFF}"/>
+              </a:ext>
+            </a:extLst>
+          </p:cNvPr>
+          <p:cNvSpPr/>
+          <p:nvPr/>
+        </p:nvSpPr>
+        <p:spPr>
+          <a:xfrm>
+            <a:off x="3368040" y="3246022"/>
+            <a:ext cx="7662334" cy="441666"/>
+          </a:xfrm>
+          <a:prstGeom prst="rect">
+            <a:avLst/>
+          </a:prstGeom>
+          <a:solidFill>
+            <a:schemeClr val="accent4">
+              <a:lumMod val="60000"/>
+              <a:lumOff val="40000"/>
+            </a:schemeClr>
+          </a:solidFill>
+        </p:spPr>
+        <p:style>
+          <a:lnRef idx="2">
+            <a:schemeClr val="accent1">
+              <a:shade val="50000"/>
+            </a:schemeClr>
+          </a:lnRef>
+          <a:fillRef idx="1">
+            <a:schemeClr val="accent1"/>
+          </a:fillRef>
+          <a:effectRef idx="0">
+            <a:schemeClr val="accent1"/>
+          </a:effectRef>
+          <a:fontRef idx="minor">
+            <a:schemeClr val="lt1"/>
+          </a:fontRef>
+        </p:style>
+        <p:txBody>
+          <a:bodyPr rtlCol="0" anchor="ctr"/>
+          <a:lstStyle/>
+          <a:p>
+            <a:pPr algn="ctr"/>
+            <a:endParaRPr lang="zh-CN" altLang="en-US"/>
+          </a:p>
+        </p:txBody>
+      </p:sp>
+      <p:cxnSp>
+        <p:nvCxnSpPr>
+          <p:cNvPr id="20" name="直接箭头连接符 19">
+            <a:extLst>
+              <a:ext uri="{FF2B5EF4-FFF2-40B4-BE49-F238E27FC236}">
+                <a16:creationId xmlns:a16="http://schemas.microsoft.com/office/drawing/2014/main" id="{CC8771E0-A529-4698-A38B-47916A29EAEB}"/>
+              </a:ext>
+            </a:extLst>
+          </p:cNvPr>
+          <p:cNvCxnSpPr>
+            <a:cxnSpLocks/>
+            <a:stCxn id="3" idx="1"/>
+          </p:cNvCxnSpPr>
+          <p:nvPr/>
+        </p:nvCxnSpPr>
+        <p:spPr>
+          <a:xfrm>
+            <a:off x="3368040" y="3466855"/>
+            <a:ext cx="0" cy="1378958"/>
+          </a:xfrm>
+          <a:prstGeom prst="straightConnector1">
+            <a:avLst/>
+          </a:prstGeom>
+          <a:ln>
+            <a:tailEnd type="triangle"/>
+          </a:ln>
+        </p:spPr>
+        <p:style>
+          <a:lnRef idx="3">
+            <a:schemeClr val="dk1"/>
+          </a:lnRef>
+          <a:fillRef idx="0">
+            <a:schemeClr val="dk1"/>
+          </a:fillRef>
+          <a:effectRef idx="2">
+            <a:schemeClr val="dk1"/>
+          </a:effectRef>
+          <a:fontRef idx="minor">
+            <a:schemeClr val="tx1"/>
+          </a:fontRef>
+        </p:style>
+      </p:cxnSp>
+      <p:cxnSp>
+        <p:nvCxnSpPr>
+          <p:cNvPr id="22" name="直接箭头连接符 21">
+            <a:extLst>
+              <a:ext uri="{FF2B5EF4-FFF2-40B4-BE49-F238E27FC236}">
+                <a16:creationId xmlns:a16="http://schemas.microsoft.com/office/drawing/2014/main" id="{9D48847F-AC77-4D82-8D49-CA0ABB753040}"/>
+              </a:ext>
+            </a:extLst>
+          </p:cNvPr>
+          <p:cNvCxnSpPr>
+            <a:cxnSpLocks/>
+          </p:cNvCxnSpPr>
+          <p:nvPr/>
+        </p:nvCxnSpPr>
+        <p:spPr>
+          <a:xfrm>
+            <a:off x="7875872" y="3687688"/>
+            <a:ext cx="0" cy="1158125"/>
+          </a:xfrm>
+          <a:prstGeom prst="straightConnector1">
+            <a:avLst/>
+          </a:prstGeom>
+          <a:ln>
+            <a:tailEnd type="triangle"/>
+          </a:ln>
+        </p:spPr>
+        <p:style>
+          <a:lnRef idx="3">
+            <a:schemeClr val="dk1"/>
+          </a:lnRef>
+          <a:fillRef idx="0">
+            <a:schemeClr val="dk1"/>
+          </a:fillRef>
+          <a:effectRef idx="2">
+            <a:schemeClr val="dk1"/>
+          </a:effectRef>
+          <a:fontRef idx="minor">
+            <a:schemeClr val="tx1"/>
+          </a:fontRef>
+        </p:style>
+      </p:cxnSp>
+      <p:cxnSp>
+        <p:nvCxnSpPr>
+          <p:cNvPr id="26" name="直接箭头连接符 25">
+            <a:extLst>
+              <a:ext uri="{FF2B5EF4-FFF2-40B4-BE49-F238E27FC236}">
+                <a16:creationId xmlns:a16="http://schemas.microsoft.com/office/drawing/2014/main" id="{80C06FFC-E61D-4128-8A00-932A7289A039}"/>
+              </a:ext>
+            </a:extLst>
+          </p:cNvPr>
+          <p:cNvCxnSpPr/>
+          <p:nvPr/>
+        </p:nvCxnSpPr>
+        <p:spPr>
+          <a:xfrm flipH="1">
+            <a:off x="3368040" y="3687688"/>
+            <a:ext cx="4507832" cy="1158125"/>
+          </a:xfrm>
+          <a:prstGeom prst="straightConnector1">
+            <a:avLst/>
+          </a:prstGeom>
+          <a:ln>
+            <a:solidFill>
+              <a:srgbClr val="FF0000"/>
+            </a:solidFill>
+            <a:tailEnd type="triangle"/>
+          </a:ln>
+        </p:spPr>
+        <p:style>
+          <a:lnRef idx="3">
+            <a:schemeClr val="dk1"/>
+          </a:lnRef>
+          <a:fillRef idx="0">
+            <a:schemeClr val="dk1"/>
+          </a:fillRef>
+          <a:effectRef idx="2">
+            <a:schemeClr val="dk1"/>
+          </a:effectRef>
+          <a:fontRef idx="minor">
+            <a:schemeClr val="tx1"/>
+          </a:fontRef>
+        </p:style>
+      </p:cxnSp>
+      <p:cxnSp>
+        <p:nvCxnSpPr>
+          <p:cNvPr id="28" name="直接箭头连接符 27">
+            <a:extLst>
+              <a:ext uri="{FF2B5EF4-FFF2-40B4-BE49-F238E27FC236}">
+                <a16:creationId xmlns:a16="http://schemas.microsoft.com/office/drawing/2014/main" id="{8A627588-56B5-41E5-AA1F-3738041A1ACA}"/>
+              </a:ext>
+            </a:extLst>
+          </p:cNvPr>
+          <p:cNvCxnSpPr>
+            <a:endCxn id="12" idx="0"/>
+          </p:cNvCxnSpPr>
+          <p:nvPr/>
+        </p:nvCxnSpPr>
+        <p:spPr>
+          <a:xfrm flipH="1">
+            <a:off x="7312393" y="3687688"/>
+            <a:ext cx="3717981" cy="1158125"/>
+          </a:xfrm>
+          <a:prstGeom prst="straightConnector1">
+            <a:avLst/>
+          </a:prstGeom>
+          <a:ln>
+            <a:solidFill>
+              <a:srgbClr val="FF0000"/>
+            </a:solidFill>
+            <a:tailEnd type="triangle"/>
+          </a:ln>
+        </p:spPr>
+        <p:style>
+          <a:lnRef idx="3">
+            <a:schemeClr val="dk1"/>
+          </a:lnRef>
+          <a:fillRef idx="0">
+            <a:schemeClr val="dk1"/>
+          </a:fillRef>
+          <a:effectRef idx="2">
+            <a:schemeClr val="dk1"/>
+          </a:effectRef>
+          <a:fontRef idx="minor">
+            <a:schemeClr val="tx1"/>
+          </a:fontRef>
+        </p:style>
+      </p:cxnSp>
+    </p:spTree>
+    <p:extLst>
+      <p:ext uri="{BB962C8B-B14F-4D97-AF65-F5344CB8AC3E}">
+        <p14:creationId xmlns:p14="http://schemas.microsoft.com/office/powerpoint/2010/main" val="3770466636"/>
       </p:ext>
     </p:extLst>
   </p:cSld>
